--- a/ERModel_Group5.pptx
+++ b/ERModel_Group5.pptx
@@ -104,6 +104,22 @@
       </a:defRPr>
     </a:lvl9pPr>
   </p:defaultTextStyle>
+  <p:extLst>
+    <p:ext uri="{EFAFB233-063F-42B5-8137-9DF3F51BA10A}">
+      <p15:sldGuideLst xmlns:p15="http://schemas.microsoft.com/office/powerpoint/2012/main">
+        <p15:guide id="1" orient="horz" pos="2160">
+          <p15:clr>
+            <a:srgbClr val="A4A3A4"/>
+          </p15:clr>
+        </p15:guide>
+        <p15:guide id="2" pos="2880">
+          <p15:clr>
+            <a:srgbClr val="A4A3A4"/>
+          </p15:clr>
+        </p15:guide>
+      </p15:sldGuideLst>
+    </p:ext>
+  </p:extLst>
 </p:presentation>
 </file>
 
@@ -145,10 +161,9 @@
           <a:lstStyle/>
           <a:p>
             <a:r>
-              <a:rPr lang="en-US" smtClean="0"/>
+              <a:rPr lang="en-US"/>
               <a:t>Click to edit Master title style</a:t>
             </a:r>
-            <a:endParaRPr lang="en-US"/>
           </a:p>
         </p:txBody>
       </p:sp>
@@ -264,10 +279,9 @@
           </a:lstStyle>
           <a:p>
             <a:r>
-              <a:rPr lang="en-US" smtClean="0"/>
+              <a:rPr lang="en-US"/>
               <a:t>Click to edit Master subtitle style</a:t>
             </a:r>
-            <a:endParaRPr lang="en-US"/>
           </a:p>
         </p:txBody>
       </p:sp>
@@ -288,7 +302,7 @@
           <a:p>
             <a:fld id="{DD835B76-D165-4C47-BDCE-CF989D3641B7}" type="datetimeFigureOut">
               <a:rPr lang="en-US" smtClean="0"/>
-              <a:t>3/6/2017</a:t>
+              <a:t>3/7/17</a:t>
             </a:fld>
             <a:endParaRPr lang="en-US"/>
           </a:p>
@@ -377,10 +391,9 @@
           <a:lstStyle/>
           <a:p>
             <a:r>
-              <a:rPr lang="en-US" smtClean="0"/>
+              <a:rPr lang="en-US"/>
               <a:t>Click to edit Master title style</a:t>
             </a:r>
-            <a:endParaRPr lang="en-US"/>
           </a:p>
         </p:txBody>
       </p:sp>
@@ -401,38 +414,37 @@
           <a:p>
             <a:pPr lvl="0"/>
             <a:r>
-              <a:rPr lang="en-US" smtClean="0"/>
+              <a:rPr lang="en-US"/>
               <a:t>Click to edit Master text styles</a:t>
             </a:r>
           </a:p>
           <a:p>
             <a:pPr lvl="1"/>
             <a:r>
-              <a:rPr lang="en-US" smtClean="0"/>
+              <a:rPr lang="en-US"/>
               <a:t>Second level</a:t>
             </a:r>
           </a:p>
           <a:p>
             <a:pPr lvl="2"/>
             <a:r>
-              <a:rPr lang="en-US" smtClean="0"/>
+              <a:rPr lang="en-US"/>
               <a:t>Third level</a:t>
             </a:r>
           </a:p>
           <a:p>
             <a:pPr lvl="3"/>
             <a:r>
-              <a:rPr lang="en-US" smtClean="0"/>
+              <a:rPr lang="en-US"/>
               <a:t>Fourth level</a:t>
             </a:r>
           </a:p>
           <a:p>
             <a:pPr lvl="4"/>
             <a:r>
-              <a:rPr lang="en-US" smtClean="0"/>
+              <a:rPr lang="en-US"/>
               <a:t>Fifth level</a:t>
             </a:r>
-            <a:endParaRPr lang="en-US"/>
           </a:p>
         </p:txBody>
       </p:sp>
@@ -453,7 +465,7 @@
           <a:p>
             <a:fld id="{DD835B76-D165-4C47-BDCE-CF989D3641B7}" type="datetimeFigureOut">
               <a:rPr lang="en-US" smtClean="0"/>
-              <a:t>3/6/2017</a:t>
+              <a:t>3/7/17</a:t>
             </a:fld>
             <a:endParaRPr lang="en-US"/>
           </a:p>
@@ -547,10 +559,9 @@
           <a:lstStyle/>
           <a:p>
             <a:r>
-              <a:rPr lang="en-US" smtClean="0"/>
+              <a:rPr lang="en-US"/>
               <a:t>Click to edit Master title style</a:t>
             </a:r>
-            <a:endParaRPr lang="en-US"/>
           </a:p>
         </p:txBody>
       </p:sp>
@@ -576,38 +587,37 @@
           <a:p>
             <a:pPr lvl="0"/>
             <a:r>
-              <a:rPr lang="en-US" smtClean="0"/>
+              <a:rPr lang="en-US"/>
               <a:t>Click to edit Master text styles</a:t>
             </a:r>
           </a:p>
           <a:p>
             <a:pPr lvl="1"/>
             <a:r>
-              <a:rPr lang="en-US" smtClean="0"/>
+              <a:rPr lang="en-US"/>
               <a:t>Second level</a:t>
             </a:r>
           </a:p>
           <a:p>
             <a:pPr lvl="2"/>
             <a:r>
-              <a:rPr lang="en-US" smtClean="0"/>
+              <a:rPr lang="en-US"/>
               <a:t>Third level</a:t>
             </a:r>
           </a:p>
           <a:p>
             <a:pPr lvl="3"/>
             <a:r>
-              <a:rPr lang="en-US" smtClean="0"/>
+              <a:rPr lang="en-US"/>
               <a:t>Fourth level</a:t>
             </a:r>
           </a:p>
           <a:p>
             <a:pPr lvl="4"/>
             <a:r>
-              <a:rPr lang="en-US" smtClean="0"/>
+              <a:rPr lang="en-US"/>
               <a:t>Fifth level</a:t>
             </a:r>
-            <a:endParaRPr lang="en-US"/>
           </a:p>
         </p:txBody>
       </p:sp>
@@ -628,7 +638,7 @@
           <a:p>
             <a:fld id="{DD835B76-D165-4C47-BDCE-CF989D3641B7}" type="datetimeFigureOut">
               <a:rPr lang="en-US" smtClean="0"/>
-              <a:t>3/6/2017</a:t>
+              <a:t>3/7/17</a:t>
             </a:fld>
             <a:endParaRPr lang="en-US"/>
           </a:p>
@@ -717,10 +727,9 @@
           <a:lstStyle/>
           <a:p>
             <a:r>
-              <a:rPr lang="en-US" smtClean="0"/>
+              <a:rPr lang="en-US"/>
               <a:t>Click to edit Master title style</a:t>
             </a:r>
-            <a:endParaRPr lang="en-US"/>
           </a:p>
         </p:txBody>
       </p:sp>
@@ -741,38 +750,37 @@
           <a:p>
             <a:pPr lvl="0"/>
             <a:r>
-              <a:rPr lang="en-US" smtClean="0"/>
+              <a:rPr lang="en-US"/>
               <a:t>Click to edit Master text styles</a:t>
             </a:r>
           </a:p>
           <a:p>
             <a:pPr lvl="1"/>
             <a:r>
-              <a:rPr lang="en-US" smtClean="0"/>
+              <a:rPr lang="en-US"/>
               <a:t>Second level</a:t>
             </a:r>
           </a:p>
           <a:p>
             <a:pPr lvl="2"/>
             <a:r>
-              <a:rPr lang="en-US" smtClean="0"/>
+              <a:rPr lang="en-US"/>
               <a:t>Third level</a:t>
             </a:r>
           </a:p>
           <a:p>
             <a:pPr lvl="3"/>
             <a:r>
-              <a:rPr lang="en-US" smtClean="0"/>
+              <a:rPr lang="en-US"/>
               <a:t>Fourth level</a:t>
             </a:r>
           </a:p>
           <a:p>
             <a:pPr lvl="4"/>
             <a:r>
-              <a:rPr lang="en-US" smtClean="0"/>
+              <a:rPr lang="en-US"/>
               <a:t>Fifth level</a:t>
             </a:r>
-            <a:endParaRPr lang="en-US"/>
           </a:p>
         </p:txBody>
       </p:sp>
@@ -793,7 +801,7 @@
           <a:p>
             <a:fld id="{DD835B76-D165-4C47-BDCE-CF989D3641B7}" type="datetimeFigureOut">
               <a:rPr lang="en-US" smtClean="0"/>
-              <a:t>3/6/2017</a:t>
+              <a:t>3/7/17</a:t>
             </a:fld>
             <a:endParaRPr lang="en-US"/>
           </a:p>
@@ -891,10 +899,9 @@
           </a:lstStyle>
           <a:p>
             <a:r>
-              <a:rPr lang="en-US" smtClean="0"/>
+              <a:rPr lang="en-US"/>
               <a:t>Click to edit Master title style</a:t>
             </a:r>
-            <a:endParaRPr lang="en-US"/>
           </a:p>
         </p:txBody>
       </p:sp>
@@ -1011,7 +1018,7 @@
           <a:p>
             <a:pPr lvl="0"/>
             <a:r>
-              <a:rPr lang="en-US" smtClean="0"/>
+              <a:rPr lang="en-US"/>
               <a:t>Click to edit Master text styles</a:t>
             </a:r>
           </a:p>
@@ -1034,7 +1041,7 @@
           <a:p>
             <a:fld id="{DD835B76-D165-4C47-BDCE-CF989D3641B7}" type="datetimeFigureOut">
               <a:rPr lang="en-US" smtClean="0"/>
-              <a:t>3/6/2017</a:t>
+              <a:t>3/7/17</a:t>
             </a:fld>
             <a:endParaRPr lang="en-US"/>
           </a:p>
@@ -1123,10 +1130,9 @@
           <a:lstStyle/>
           <a:p>
             <a:r>
-              <a:rPr lang="en-US" smtClean="0"/>
+              <a:rPr lang="en-US"/>
               <a:t>Click to edit Master title style</a:t>
             </a:r>
-            <a:endParaRPr lang="en-US"/>
           </a:p>
         </p:txBody>
       </p:sp>
@@ -1180,38 +1186,37 @@
           <a:p>
             <a:pPr lvl="0"/>
             <a:r>
-              <a:rPr lang="en-US" smtClean="0"/>
+              <a:rPr lang="en-US"/>
               <a:t>Click to edit Master text styles</a:t>
             </a:r>
           </a:p>
           <a:p>
             <a:pPr lvl="1"/>
             <a:r>
-              <a:rPr lang="en-US" smtClean="0"/>
+              <a:rPr lang="en-US"/>
               <a:t>Second level</a:t>
             </a:r>
           </a:p>
           <a:p>
             <a:pPr lvl="2"/>
             <a:r>
-              <a:rPr lang="en-US" smtClean="0"/>
+              <a:rPr lang="en-US"/>
               <a:t>Third level</a:t>
             </a:r>
           </a:p>
           <a:p>
             <a:pPr lvl="3"/>
             <a:r>
-              <a:rPr lang="en-US" smtClean="0"/>
+              <a:rPr lang="en-US"/>
               <a:t>Fourth level</a:t>
             </a:r>
           </a:p>
           <a:p>
             <a:pPr lvl="4"/>
             <a:r>
-              <a:rPr lang="en-US" smtClean="0"/>
+              <a:rPr lang="en-US"/>
               <a:t>Fifth level</a:t>
             </a:r>
-            <a:endParaRPr lang="en-US"/>
           </a:p>
         </p:txBody>
       </p:sp>
@@ -1265,38 +1270,37 @@
           <a:p>
             <a:pPr lvl="0"/>
             <a:r>
-              <a:rPr lang="en-US" smtClean="0"/>
+              <a:rPr lang="en-US"/>
               <a:t>Click to edit Master text styles</a:t>
             </a:r>
           </a:p>
           <a:p>
             <a:pPr lvl="1"/>
             <a:r>
-              <a:rPr lang="en-US" smtClean="0"/>
+              <a:rPr lang="en-US"/>
               <a:t>Second level</a:t>
             </a:r>
           </a:p>
           <a:p>
             <a:pPr lvl="2"/>
             <a:r>
-              <a:rPr lang="en-US" smtClean="0"/>
+              <a:rPr lang="en-US"/>
               <a:t>Third level</a:t>
             </a:r>
           </a:p>
           <a:p>
             <a:pPr lvl="3"/>
             <a:r>
-              <a:rPr lang="en-US" smtClean="0"/>
+              <a:rPr lang="en-US"/>
               <a:t>Fourth level</a:t>
             </a:r>
           </a:p>
           <a:p>
             <a:pPr lvl="4"/>
             <a:r>
-              <a:rPr lang="en-US" smtClean="0"/>
+              <a:rPr lang="en-US"/>
               <a:t>Fifth level</a:t>
             </a:r>
-            <a:endParaRPr lang="en-US"/>
           </a:p>
         </p:txBody>
       </p:sp>
@@ -1317,7 +1321,7 @@
           <a:p>
             <a:fld id="{DD835B76-D165-4C47-BDCE-CF989D3641B7}" type="datetimeFigureOut">
               <a:rPr lang="en-US" smtClean="0"/>
-              <a:t>3/6/2017</a:t>
+              <a:t>3/7/17</a:t>
             </a:fld>
             <a:endParaRPr lang="en-US"/>
           </a:p>
@@ -1410,10 +1414,9 @@
           </a:lstStyle>
           <a:p>
             <a:r>
-              <a:rPr lang="en-US" smtClean="0"/>
+              <a:rPr lang="en-US"/>
               <a:t>Click to edit Master title style</a:t>
             </a:r>
-            <a:endParaRPr lang="en-US"/>
           </a:p>
         </p:txBody>
       </p:sp>
@@ -1476,7 +1479,7 @@
           <a:p>
             <a:pPr lvl="0"/>
             <a:r>
-              <a:rPr lang="en-US" smtClean="0"/>
+              <a:rPr lang="en-US"/>
               <a:t>Click to edit Master text styles</a:t>
             </a:r>
           </a:p>
@@ -1532,38 +1535,37 @@
           <a:p>
             <a:pPr lvl="0"/>
             <a:r>
-              <a:rPr lang="en-US" smtClean="0"/>
+              <a:rPr lang="en-US"/>
               <a:t>Click to edit Master text styles</a:t>
             </a:r>
           </a:p>
           <a:p>
             <a:pPr lvl="1"/>
             <a:r>
-              <a:rPr lang="en-US" smtClean="0"/>
+              <a:rPr lang="en-US"/>
               <a:t>Second level</a:t>
             </a:r>
           </a:p>
           <a:p>
             <a:pPr lvl="2"/>
             <a:r>
-              <a:rPr lang="en-US" smtClean="0"/>
+              <a:rPr lang="en-US"/>
               <a:t>Third level</a:t>
             </a:r>
           </a:p>
           <a:p>
             <a:pPr lvl="3"/>
             <a:r>
-              <a:rPr lang="en-US" smtClean="0"/>
+              <a:rPr lang="en-US"/>
               <a:t>Fourth level</a:t>
             </a:r>
           </a:p>
           <a:p>
             <a:pPr lvl="4"/>
             <a:r>
-              <a:rPr lang="en-US" smtClean="0"/>
+              <a:rPr lang="en-US"/>
               <a:t>Fifth level</a:t>
             </a:r>
-            <a:endParaRPr lang="en-US"/>
           </a:p>
         </p:txBody>
       </p:sp>
@@ -1626,7 +1628,7 @@
           <a:p>
             <a:pPr lvl="0"/>
             <a:r>
-              <a:rPr lang="en-US" smtClean="0"/>
+              <a:rPr lang="en-US"/>
               <a:t>Click to edit Master text styles</a:t>
             </a:r>
           </a:p>
@@ -1682,38 +1684,37 @@
           <a:p>
             <a:pPr lvl="0"/>
             <a:r>
-              <a:rPr lang="en-US" smtClean="0"/>
+              <a:rPr lang="en-US"/>
               <a:t>Click to edit Master text styles</a:t>
             </a:r>
           </a:p>
           <a:p>
             <a:pPr lvl="1"/>
             <a:r>
-              <a:rPr lang="en-US" smtClean="0"/>
+              <a:rPr lang="en-US"/>
               <a:t>Second level</a:t>
             </a:r>
           </a:p>
           <a:p>
             <a:pPr lvl="2"/>
             <a:r>
-              <a:rPr lang="en-US" smtClean="0"/>
+              <a:rPr lang="en-US"/>
               <a:t>Third level</a:t>
             </a:r>
           </a:p>
           <a:p>
             <a:pPr lvl="3"/>
             <a:r>
-              <a:rPr lang="en-US" smtClean="0"/>
+              <a:rPr lang="en-US"/>
               <a:t>Fourth level</a:t>
             </a:r>
           </a:p>
           <a:p>
             <a:pPr lvl="4"/>
             <a:r>
-              <a:rPr lang="en-US" smtClean="0"/>
+              <a:rPr lang="en-US"/>
               <a:t>Fifth level</a:t>
             </a:r>
-            <a:endParaRPr lang="en-US"/>
           </a:p>
         </p:txBody>
       </p:sp>
@@ -1734,7 +1735,7 @@
           <a:p>
             <a:fld id="{DD835B76-D165-4C47-BDCE-CF989D3641B7}" type="datetimeFigureOut">
               <a:rPr lang="en-US" smtClean="0"/>
-              <a:t>3/6/2017</a:t>
+              <a:t>3/7/17</a:t>
             </a:fld>
             <a:endParaRPr lang="en-US"/>
           </a:p>
@@ -1823,10 +1824,9 @@
           <a:lstStyle/>
           <a:p>
             <a:r>
-              <a:rPr lang="en-US" smtClean="0"/>
+              <a:rPr lang="en-US"/>
               <a:t>Click to edit Master title style</a:t>
             </a:r>
-            <a:endParaRPr lang="en-US"/>
           </a:p>
         </p:txBody>
       </p:sp>
@@ -1847,7 +1847,7 @@
           <a:p>
             <a:fld id="{DD835B76-D165-4C47-BDCE-CF989D3641B7}" type="datetimeFigureOut">
               <a:rPr lang="en-US" smtClean="0"/>
-              <a:t>3/6/2017</a:t>
+              <a:t>3/7/17</a:t>
             </a:fld>
             <a:endParaRPr lang="en-US"/>
           </a:p>
@@ -1937,7 +1937,7 @@
           <a:p>
             <a:fld id="{DD835B76-D165-4C47-BDCE-CF989D3641B7}" type="datetimeFigureOut">
               <a:rPr lang="en-US" smtClean="0"/>
-              <a:t>3/6/2017</a:t>
+              <a:t>3/7/17</a:t>
             </a:fld>
             <a:endParaRPr lang="en-US"/>
           </a:p>
@@ -2035,10 +2035,9 @@
           </a:lstStyle>
           <a:p>
             <a:r>
-              <a:rPr lang="en-US" smtClean="0"/>
+              <a:rPr lang="en-US"/>
               <a:t>Click to edit Master title style</a:t>
             </a:r>
-            <a:endParaRPr lang="en-US"/>
           </a:p>
         </p:txBody>
       </p:sp>
@@ -2092,38 +2091,37 @@
           <a:p>
             <a:pPr lvl="0"/>
             <a:r>
-              <a:rPr lang="en-US" smtClean="0"/>
+              <a:rPr lang="en-US"/>
               <a:t>Click to edit Master text styles</a:t>
             </a:r>
           </a:p>
           <a:p>
             <a:pPr lvl="1"/>
             <a:r>
-              <a:rPr lang="en-US" smtClean="0"/>
+              <a:rPr lang="en-US"/>
               <a:t>Second level</a:t>
             </a:r>
           </a:p>
           <a:p>
             <a:pPr lvl="2"/>
             <a:r>
-              <a:rPr lang="en-US" smtClean="0"/>
+              <a:rPr lang="en-US"/>
               <a:t>Third level</a:t>
             </a:r>
           </a:p>
           <a:p>
             <a:pPr lvl="3"/>
             <a:r>
-              <a:rPr lang="en-US" smtClean="0"/>
+              <a:rPr lang="en-US"/>
               <a:t>Fourth level</a:t>
             </a:r>
           </a:p>
           <a:p>
             <a:pPr lvl="4"/>
             <a:r>
-              <a:rPr lang="en-US" smtClean="0"/>
+              <a:rPr lang="en-US"/>
               <a:t>Fifth level</a:t>
             </a:r>
-            <a:endParaRPr lang="en-US"/>
           </a:p>
         </p:txBody>
       </p:sp>
@@ -2186,7 +2184,7 @@
           <a:p>
             <a:pPr lvl="0"/>
             <a:r>
-              <a:rPr lang="en-US" smtClean="0"/>
+              <a:rPr lang="en-US"/>
               <a:t>Click to edit Master text styles</a:t>
             </a:r>
           </a:p>
@@ -2209,7 +2207,7 @@
           <a:p>
             <a:fld id="{DD835B76-D165-4C47-BDCE-CF989D3641B7}" type="datetimeFigureOut">
               <a:rPr lang="en-US" smtClean="0"/>
-              <a:t>3/6/2017</a:t>
+              <a:t>3/7/17</a:t>
             </a:fld>
             <a:endParaRPr lang="en-US"/>
           </a:p>
@@ -2307,10 +2305,9 @@
           </a:lstStyle>
           <a:p>
             <a:r>
-              <a:rPr lang="en-US" smtClean="0"/>
+              <a:rPr lang="en-US"/>
               <a:t>Click to edit Master title style</a:t>
             </a:r>
-            <a:endParaRPr lang="en-US"/>
           </a:p>
         </p:txBody>
       </p:sp>
@@ -2434,7 +2431,7 @@
           <a:p>
             <a:pPr lvl="0"/>
             <a:r>
-              <a:rPr lang="en-US" smtClean="0"/>
+              <a:rPr lang="en-US"/>
               <a:t>Click to edit Master text styles</a:t>
             </a:r>
           </a:p>
@@ -2457,7 +2454,7 @@
           <a:p>
             <a:fld id="{DD835B76-D165-4C47-BDCE-CF989D3641B7}" type="datetimeFigureOut">
               <a:rPr lang="en-US" smtClean="0"/>
-              <a:t>3/6/2017</a:t>
+              <a:t>3/7/17</a:t>
             </a:fld>
             <a:endParaRPr lang="en-US"/>
           </a:p>
@@ -2561,10 +2558,9 @@
           <a:lstStyle/>
           <a:p>
             <a:r>
-              <a:rPr lang="en-US" smtClean="0"/>
+              <a:rPr lang="en-US"/>
               <a:t>Click to edit Master title style</a:t>
             </a:r>
-            <a:endParaRPr lang="en-US"/>
           </a:p>
         </p:txBody>
       </p:sp>
@@ -2595,38 +2591,37 @@
           <a:p>
             <a:pPr lvl="0"/>
             <a:r>
-              <a:rPr lang="en-US" smtClean="0"/>
+              <a:rPr lang="en-US"/>
               <a:t>Click to edit Master text styles</a:t>
             </a:r>
           </a:p>
           <a:p>
             <a:pPr lvl="1"/>
             <a:r>
-              <a:rPr lang="en-US" smtClean="0"/>
+              <a:rPr lang="en-US"/>
               <a:t>Second level</a:t>
             </a:r>
           </a:p>
           <a:p>
             <a:pPr lvl="2"/>
             <a:r>
-              <a:rPr lang="en-US" smtClean="0"/>
+              <a:rPr lang="en-US"/>
               <a:t>Third level</a:t>
             </a:r>
           </a:p>
           <a:p>
             <a:pPr lvl="3"/>
             <a:r>
-              <a:rPr lang="en-US" smtClean="0"/>
+              <a:rPr lang="en-US"/>
               <a:t>Fourth level</a:t>
             </a:r>
           </a:p>
           <a:p>
             <a:pPr lvl="4"/>
             <a:r>
-              <a:rPr lang="en-US" smtClean="0"/>
+              <a:rPr lang="en-US"/>
               <a:t>Fifth level</a:t>
             </a:r>
-            <a:endParaRPr lang="en-US"/>
           </a:p>
         </p:txBody>
       </p:sp>
@@ -2665,7 +2660,7 @@
           <a:p>
             <a:fld id="{DD835B76-D165-4C47-BDCE-CF989D3641B7}" type="datetimeFigureOut">
               <a:rPr lang="en-US" smtClean="0"/>
-              <a:t>3/6/2017</a:t>
+              <a:t>3/7/17</a:t>
             </a:fld>
             <a:endParaRPr lang="en-US"/>
           </a:p>
@@ -3037,16 +3032,16 @@
       </p:grpSpPr>
       <p:sp>
         <p:nvSpPr>
-          <p:cNvPr id="4" name="Oval 3"/>
+          <p:cNvPr id="19" name="Diamond 18"/>
           <p:cNvSpPr/>
           <p:nvPr/>
         </p:nvSpPr>
         <p:spPr>
           <a:xfrm>
-            <a:off x="1524000" y="2971800"/>
-            <a:ext cx="1295400" cy="762000"/>
-          </a:xfrm>
-          <a:prstGeom prst="ellipse">
+            <a:off x="533400" y="2057400"/>
+            <a:ext cx="609600" cy="609600"/>
+          </a:xfrm>
+          <a:prstGeom prst="diamond">
             <a:avLst/>
           </a:prstGeom>
           <a:noFill/>
@@ -3083,16 +3078,16 @@
       </p:sp>
       <p:sp>
         <p:nvSpPr>
-          <p:cNvPr id="5" name="Oval 4"/>
+          <p:cNvPr id="21" name="Diamond 20"/>
           <p:cNvSpPr/>
           <p:nvPr/>
         </p:nvSpPr>
         <p:spPr>
           <a:xfrm>
-            <a:off x="4648200" y="2971800"/>
-            <a:ext cx="1295400" cy="762000"/>
-          </a:xfrm>
-          <a:prstGeom prst="ellipse">
+            <a:off x="3226267" y="1165658"/>
+            <a:ext cx="609600" cy="609600"/>
+          </a:xfrm>
+          <a:prstGeom prst="diamond">
             <a:avLst/>
           </a:prstGeom>
           <a:noFill/>
@@ -3129,16 +3124,16 @@
       </p:sp>
       <p:sp>
         <p:nvSpPr>
-          <p:cNvPr id="11" name="Oval 10"/>
+          <p:cNvPr id="22" name="Diamond 21"/>
           <p:cNvSpPr/>
           <p:nvPr/>
         </p:nvSpPr>
         <p:spPr>
           <a:xfrm>
-            <a:off x="1066800" y="762000"/>
-            <a:ext cx="1295400" cy="762000"/>
-          </a:xfrm>
-          <a:prstGeom prst="ellipse">
+            <a:off x="6261882" y="1816319"/>
+            <a:ext cx="609600" cy="609600"/>
+          </a:xfrm>
+          <a:prstGeom prst="diamond">
             <a:avLst/>
           </a:prstGeom>
           <a:noFill/>
@@ -3175,16 +3170,16 @@
       </p:sp>
       <p:sp>
         <p:nvSpPr>
-          <p:cNvPr id="12" name="Oval 11"/>
+          <p:cNvPr id="23" name="Diamond 22"/>
           <p:cNvSpPr/>
           <p:nvPr/>
         </p:nvSpPr>
         <p:spPr>
           <a:xfrm>
-            <a:off x="4800600" y="914400"/>
-            <a:ext cx="1295400" cy="762000"/>
-          </a:xfrm>
-          <a:prstGeom prst="ellipse">
+            <a:off x="6281452" y="3219886"/>
+            <a:ext cx="609600" cy="609600"/>
+          </a:xfrm>
+          <a:prstGeom prst="diamond">
             <a:avLst/>
           </a:prstGeom>
           <a:noFill/>
@@ -3221,16 +3216,16 @@
       </p:sp>
       <p:sp>
         <p:nvSpPr>
-          <p:cNvPr id="13" name="Oval 12"/>
+          <p:cNvPr id="24" name="Diamond 23"/>
           <p:cNvSpPr/>
           <p:nvPr/>
         </p:nvSpPr>
         <p:spPr>
           <a:xfrm>
-            <a:off x="1066800" y="5029200"/>
-            <a:ext cx="1295400" cy="762000"/>
-          </a:xfrm>
-          <a:prstGeom prst="ellipse">
+            <a:off x="3429000" y="3124200"/>
+            <a:ext cx="609600" cy="609600"/>
+          </a:xfrm>
+          <a:prstGeom prst="diamond">
             <a:avLst/>
           </a:prstGeom>
           <a:noFill/>
@@ -3267,16 +3262,16 @@
       </p:sp>
       <p:sp>
         <p:nvSpPr>
-          <p:cNvPr id="14" name="Oval 13"/>
+          <p:cNvPr id="25" name="Diamond 24"/>
           <p:cNvSpPr/>
           <p:nvPr/>
         </p:nvSpPr>
         <p:spPr>
           <a:xfrm>
-            <a:off x="3581400" y="5181600"/>
-            <a:ext cx="1295400" cy="762000"/>
-          </a:xfrm>
-          <a:prstGeom prst="ellipse">
+            <a:off x="1600200" y="4114800"/>
+            <a:ext cx="609600" cy="609600"/>
+          </a:xfrm>
+          <a:prstGeom prst="diamond">
             <a:avLst/>
           </a:prstGeom>
           <a:noFill/>
@@ -3313,16 +3308,16 @@
       </p:sp>
       <p:sp>
         <p:nvSpPr>
-          <p:cNvPr id="15" name="Oval 14"/>
+          <p:cNvPr id="26" name="Diamond 25"/>
           <p:cNvSpPr/>
           <p:nvPr/>
         </p:nvSpPr>
         <p:spPr>
           <a:xfrm>
-            <a:off x="6781800" y="4419600"/>
-            <a:ext cx="1295400" cy="762000"/>
-          </a:xfrm>
-          <a:prstGeom prst="ellipse">
+            <a:off x="2667000" y="5257800"/>
+            <a:ext cx="609600" cy="609600"/>
+          </a:xfrm>
+          <a:prstGeom prst="diamond">
             <a:avLst/>
           </a:prstGeom>
           <a:noFill/>
@@ -3359,16 +3354,16 @@
       </p:sp>
       <p:sp>
         <p:nvSpPr>
-          <p:cNvPr id="16" name="Oval 15"/>
+          <p:cNvPr id="27" name="Diamond 26"/>
           <p:cNvSpPr/>
           <p:nvPr/>
         </p:nvSpPr>
         <p:spPr>
           <a:xfrm>
-            <a:off x="7086600" y="1905000"/>
-            <a:ext cx="1295400" cy="762000"/>
-          </a:xfrm>
-          <a:prstGeom prst="ellipse">
+            <a:off x="4495800" y="4191000"/>
+            <a:ext cx="609600" cy="609600"/>
+          </a:xfrm>
+          <a:prstGeom prst="diamond">
             <a:avLst/>
           </a:prstGeom>
           <a:noFill/>
@@ -3403,574 +3398,24 @@
           </a:p>
         </p:txBody>
       </p:sp>
-      <p:sp>
-        <p:nvSpPr>
-          <p:cNvPr id="17" name="Oval 16"/>
-          <p:cNvSpPr/>
-          <p:nvPr/>
-        </p:nvSpPr>
-        <p:spPr>
-          <a:xfrm>
-            <a:off x="914400" y="685800"/>
-            <a:ext cx="1600200" cy="914400"/>
-          </a:xfrm>
-          <a:prstGeom prst="ellipse">
-            <a:avLst/>
-          </a:prstGeom>
-          <a:noFill/>
-          <a:ln>
-            <a:solidFill>
-              <a:schemeClr val="tx1"/>
-            </a:solidFill>
-          </a:ln>
-        </p:spPr>
-        <p:style>
-          <a:lnRef idx="2">
-            <a:schemeClr val="accent1">
-              <a:shade val="50000"/>
-            </a:schemeClr>
-          </a:lnRef>
-          <a:fillRef idx="1">
-            <a:schemeClr val="accent1"/>
-          </a:fillRef>
-          <a:effectRef idx="0">
-            <a:schemeClr val="accent1"/>
-          </a:effectRef>
-          <a:fontRef idx="minor">
-            <a:schemeClr val="lt1"/>
-          </a:fontRef>
-        </p:style>
-        <p:txBody>
-          <a:bodyPr rtlCol="0" anchor="ctr"/>
-          <a:lstStyle/>
-          <a:p>
-            <a:pPr algn="ctr"/>
-            <a:endParaRPr lang="en-US"/>
-          </a:p>
-        </p:txBody>
-      </p:sp>
-      <p:sp>
-        <p:nvSpPr>
-          <p:cNvPr id="18" name="Oval 17"/>
-          <p:cNvSpPr/>
-          <p:nvPr/>
-        </p:nvSpPr>
-        <p:spPr>
-          <a:xfrm>
-            <a:off x="4648200" y="838200"/>
-            <a:ext cx="1600200" cy="914400"/>
-          </a:xfrm>
-          <a:prstGeom prst="ellipse">
-            <a:avLst/>
-          </a:prstGeom>
-          <a:noFill/>
-          <a:ln>
-            <a:solidFill>
-              <a:schemeClr val="tx1"/>
-            </a:solidFill>
-          </a:ln>
-        </p:spPr>
-        <p:style>
-          <a:lnRef idx="2">
-            <a:schemeClr val="accent1">
-              <a:shade val="50000"/>
-            </a:schemeClr>
-          </a:lnRef>
-          <a:fillRef idx="1">
-            <a:schemeClr val="accent1"/>
-          </a:fillRef>
-          <a:effectRef idx="0">
-            <a:schemeClr val="accent1"/>
-          </a:effectRef>
-          <a:fontRef idx="minor">
-            <a:schemeClr val="lt1"/>
-          </a:fontRef>
-        </p:style>
-        <p:txBody>
-          <a:bodyPr rtlCol="0" anchor="ctr"/>
-          <a:lstStyle/>
-          <a:p>
-            <a:pPr algn="ctr"/>
-            <a:endParaRPr lang="en-US"/>
-          </a:p>
-        </p:txBody>
-      </p:sp>
-      <p:sp>
-        <p:nvSpPr>
-          <p:cNvPr id="19" name="Diamond 18"/>
-          <p:cNvSpPr/>
-          <p:nvPr/>
-        </p:nvSpPr>
-        <p:spPr>
-          <a:xfrm>
-            <a:off x="533400" y="2057400"/>
-            <a:ext cx="609600" cy="609600"/>
-          </a:xfrm>
-          <a:prstGeom prst="diamond">
-            <a:avLst/>
-          </a:prstGeom>
-          <a:noFill/>
-          <a:ln>
-            <a:solidFill>
-              <a:schemeClr val="tx1"/>
-            </a:solidFill>
-          </a:ln>
-        </p:spPr>
-        <p:style>
-          <a:lnRef idx="2">
-            <a:schemeClr val="accent1">
-              <a:shade val="50000"/>
-            </a:schemeClr>
-          </a:lnRef>
-          <a:fillRef idx="1">
-            <a:schemeClr val="accent1"/>
-          </a:fillRef>
-          <a:effectRef idx="0">
-            <a:schemeClr val="accent1"/>
-          </a:effectRef>
-          <a:fontRef idx="minor">
-            <a:schemeClr val="lt1"/>
-          </a:fontRef>
-        </p:style>
-        <p:txBody>
-          <a:bodyPr rtlCol="0" anchor="ctr"/>
-          <a:lstStyle/>
-          <a:p>
-            <a:pPr algn="ctr"/>
-            <a:endParaRPr lang="en-US"/>
-          </a:p>
-        </p:txBody>
-      </p:sp>
-      <p:sp>
-        <p:nvSpPr>
-          <p:cNvPr id="20" name="Diamond 19"/>
-          <p:cNvSpPr/>
-          <p:nvPr/>
-        </p:nvSpPr>
-        <p:spPr>
-          <a:xfrm>
-            <a:off x="2057400" y="1981200"/>
-            <a:ext cx="609600" cy="609600"/>
-          </a:xfrm>
-          <a:prstGeom prst="diamond">
-            <a:avLst/>
-          </a:prstGeom>
-          <a:noFill/>
-          <a:ln>
-            <a:solidFill>
-              <a:schemeClr val="tx1"/>
-            </a:solidFill>
-          </a:ln>
-        </p:spPr>
-        <p:style>
-          <a:lnRef idx="2">
-            <a:schemeClr val="accent1">
-              <a:shade val="50000"/>
-            </a:schemeClr>
-          </a:lnRef>
-          <a:fillRef idx="1">
-            <a:schemeClr val="accent1"/>
-          </a:fillRef>
-          <a:effectRef idx="0">
-            <a:schemeClr val="accent1"/>
-          </a:effectRef>
-          <a:fontRef idx="minor">
-            <a:schemeClr val="lt1"/>
-          </a:fontRef>
-        </p:style>
-        <p:txBody>
-          <a:bodyPr rtlCol="0" anchor="ctr"/>
-          <a:lstStyle/>
-          <a:p>
-            <a:pPr algn="ctr"/>
-            <a:endParaRPr lang="en-US"/>
-          </a:p>
-        </p:txBody>
-      </p:sp>
-      <p:sp>
-        <p:nvSpPr>
-          <p:cNvPr id="21" name="Diamond 20"/>
-          <p:cNvSpPr/>
-          <p:nvPr/>
-        </p:nvSpPr>
-        <p:spPr>
-          <a:xfrm>
-            <a:off x="3810000" y="1981200"/>
-            <a:ext cx="609600" cy="609600"/>
-          </a:xfrm>
-          <a:prstGeom prst="diamond">
-            <a:avLst/>
-          </a:prstGeom>
-          <a:noFill/>
-          <a:ln>
-            <a:solidFill>
-              <a:schemeClr val="tx1"/>
-            </a:solidFill>
-          </a:ln>
-        </p:spPr>
-        <p:style>
-          <a:lnRef idx="2">
-            <a:schemeClr val="accent1">
-              <a:shade val="50000"/>
-            </a:schemeClr>
-          </a:lnRef>
-          <a:fillRef idx="1">
-            <a:schemeClr val="accent1"/>
-          </a:fillRef>
-          <a:effectRef idx="0">
-            <a:schemeClr val="accent1"/>
-          </a:effectRef>
-          <a:fontRef idx="minor">
-            <a:schemeClr val="lt1"/>
-          </a:fontRef>
-        </p:style>
-        <p:txBody>
-          <a:bodyPr rtlCol="0" anchor="ctr"/>
-          <a:lstStyle/>
-          <a:p>
-            <a:pPr algn="ctr"/>
-            <a:endParaRPr lang="en-US"/>
-          </a:p>
-        </p:txBody>
-      </p:sp>
-      <p:sp>
-        <p:nvSpPr>
-          <p:cNvPr id="22" name="Diamond 21"/>
-          <p:cNvSpPr/>
-          <p:nvPr/>
-        </p:nvSpPr>
-        <p:spPr>
-          <a:xfrm>
-            <a:off x="6248400" y="2438400"/>
-            <a:ext cx="609600" cy="609600"/>
-          </a:xfrm>
-          <a:prstGeom prst="diamond">
-            <a:avLst/>
-          </a:prstGeom>
-          <a:noFill/>
-          <a:ln>
-            <a:solidFill>
-              <a:schemeClr val="tx1"/>
-            </a:solidFill>
-          </a:ln>
-        </p:spPr>
-        <p:style>
-          <a:lnRef idx="2">
-            <a:schemeClr val="accent1">
-              <a:shade val="50000"/>
-            </a:schemeClr>
-          </a:lnRef>
-          <a:fillRef idx="1">
-            <a:schemeClr val="accent1"/>
-          </a:fillRef>
-          <a:effectRef idx="0">
-            <a:schemeClr val="accent1"/>
-          </a:effectRef>
-          <a:fontRef idx="minor">
-            <a:schemeClr val="lt1"/>
-          </a:fontRef>
-        </p:style>
-        <p:txBody>
-          <a:bodyPr rtlCol="0" anchor="ctr"/>
-          <a:lstStyle/>
-          <a:p>
-            <a:pPr algn="ctr"/>
-            <a:endParaRPr lang="en-US"/>
-          </a:p>
-        </p:txBody>
-      </p:sp>
-      <p:sp>
-        <p:nvSpPr>
-          <p:cNvPr id="23" name="Diamond 22"/>
-          <p:cNvSpPr/>
-          <p:nvPr/>
-        </p:nvSpPr>
-        <p:spPr>
-          <a:xfrm>
-            <a:off x="7391400" y="3276600"/>
-            <a:ext cx="609600" cy="609600"/>
-          </a:xfrm>
-          <a:prstGeom prst="diamond">
-            <a:avLst/>
-          </a:prstGeom>
-          <a:noFill/>
-          <a:ln>
-            <a:solidFill>
-              <a:schemeClr val="tx1"/>
-            </a:solidFill>
-          </a:ln>
-        </p:spPr>
-        <p:style>
-          <a:lnRef idx="2">
-            <a:schemeClr val="accent1">
-              <a:shade val="50000"/>
-            </a:schemeClr>
-          </a:lnRef>
-          <a:fillRef idx="1">
-            <a:schemeClr val="accent1"/>
-          </a:fillRef>
-          <a:effectRef idx="0">
-            <a:schemeClr val="accent1"/>
-          </a:effectRef>
-          <a:fontRef idx="minor">
-            <a:schemeClr val="lt1"/>
-          </a:fontRef>
-        </p:style>
-        <p:txBody>
-          <a:bodyPr rtlCol="0" anchor="ctr"/>
-          <a:lstStyle/>
-          <a:p>
-            <a:pPr algn="ctr"/>
-            <a:endParaRPr lang="en-US"/>
-          </a:p>
-        </p:txBody>
-      </p:sp>
-      <p:sp>
-        <p:nvSpPr>
-          <p:cNvPr id="24" name="Diamond 23"/>
-          <p:cNvSpPr/>
-          <p:nvPr/>
-        </p:nvSpPr>
-        <p:spPr>
-          <a:xfrm>
-            <a:off x="3429000" y="3124200"/>
-            <a:ext cx="609600" cy="609600"/>
-          </a:xfrm>
-          <a:prstGeom prst="diamond">
-            <a:avLst/>
-          </a:prstGeom>
-          <a:noFill/>
-          <a:ln>
-            <a:solidFill>
-              <a:schemeClr val="tx1"/>
-            </a:solidFill>
-          </a:ln>
-        </p:spPr>
-        <p:style>
-          <a:lnRef idx="2">
-            <a:schemeClr val="accent1">
-              <a:shade val="50000"/>
-            </a:schemeClr>
-          </a:lnRef>
-          <a:fillRef idx="1">
-            <a:schemeClr val="accent1"/>
-          </a:fillRef>
-          <a:effectRef idx="0">
-            <a:schemeClr val="accent1"/>
-          </a:effectRef>
-          <a:fontRef idx="minor">
-            <a:schemeClr val="lt1"/>
-          </a:fontRef>
-        </p:style>
-        <p:txBody>
-          <a:bodyPr rtlCol="0" anchor="ctr"/>
-          <a:lstStyle/>
-          <a:p>
-            <a:pPr algn="ctr"/>
-            <a:endParaRPr lang="en-US"/>
-          </a:p>
-        </p:txBody>
-      </p:sp>
-      <p:sp>
-        <p:nvSpPr>
-          <p:cNvPr id="25" name="Diamond 24"/>
-          <p:cNvSpPr/>
-          <p:nvPr/>
-        </p:nvSpPr>
-        <p:spPr>
-          <a:xfrm>
-            <a:off x="1600200" y="4114800"/>
-            <a:ext cx="609600" cy="609600"/>
-          </a:xfrm>
-          <a:prstGeom prst="diamond">
-            <a:avLst/>
-          </a:prstGeom>
-          <a:noFill/>
-          <a:ln>
-            <a:solidFill>
-              <a:schemeClr val="tx1"/>
-            </a:solidFill>
-          </a:ln>
-        </p:spPr>
-        <p:style>
-          <a:lnRef idx="2">
-            <a:schemeClr val="accent1">
-              <a:shade val="50000"/>
-            </a:schemeClr>
-          </a:lnRef>
-          <a:fillRef idx="1">
-            <a:schemeClr val="accent1"/>
-          </a:fillRef>
-          <a:effectRef idx="0">
-            <a:schemeClr val="accent1"/>
-          </a:effectRef>
-          <a:fontRef idx="minor">
-            <a:schemeClr val="lt1"/>
-          </a:fontRef>
-        </p:style>
-        <p:txBody>
-          <a:bodyPr rtlCol="0" anchor="ctr"/>
-          <a:lstStyle/>
-          <a:p>
-            <a:pPr algn="ctr"/>
-            <a:endParaRPr lang="en-US"/>
-          </a:p>
-        </p:txBody>
-      </p:sp>
-      <p:sp>
-        <p:nvSpPr>
-          <p:cNvPr id="26" name="Diamond 25"/>
-          <p:cNvSpPr/>
-          <p:nvPr/>
-        </p:nvSpPr>
-        <p:spPr>
-          <a:xfrm>
-            <a:off x="2667000" y="5257800"/>
-            <a:ext cx="609600" cy="609600"/>
-          </a:xfrm>
-          <a:prstGeom prst="diamond">
-            <a:avLst/>
-          </a:prstGeom>
-          <a:noFill/>
-          <a:ln>
-            <a:solidFill>
-              <a:schemeClr val="tx1"/>
-            </a:solidFill>
-          </a:ln>
-        </p:spPr>
-        <p:style>
-          <a:lnRef idx="2">
-            <a:schemeClr val="accent1">
-              <a:shade val="50000"/>
-            </a:schemeClr>
-          </a:lnRef>
-          <a:fillRef idx="1">
-            <a:schemeClr val="accent1"/>
-          </a:fillRef>
-          <a:effectRef idx="0">
-            <a:schemeClr val="accent1"/>
-          </a:effectRef>
-          <a:fontRef idx="minor">
-            <a:schemeClr val="lt1"/>
-          </a:fontRef>
-        </p:style>
-        <p:txBody>
-          <a:bodyPr rtlCol="0" anchor="ctr"/>
-          <a:lstStyle/>
-          <a:p>
-            <a:pPr algn="ctr"/>
-            <a:endParaRPr lang="en-US"/>
-          </a:p>
-        </p:txBody>
-      </p:sp>
-      <p:sp>
-        <p:nvSpPr>
-          <p:cNvPr id="27" name="Diamond 26"/>
-          <p:cNvSpPr/>
-          <p:nvPr/>
-        </p:nvSpPr>
-        <p:spPr>
-          <a:xfrm>
-            <a:off x="4495800" y="4191000"/>
-            <a:ext cx="609600" cy="609600"/>
-          </a:xfrm>
-          <a:prstGeom prst="diamond">
-            <a:avLst/>
-          </a:prstGeom>
-          <a:noFill/>
-          <a:ln>
-            <a:solidFill>
-              <a:schemeClr val="tx1"/>
-            </a:solidFill>
-          </a:ln>
-        </p:spPr>
-        <p:style>
-          <a:lnRef idx="2">
-            <a:schemeClr val="accent1">
-              <a:shade val="50000"/>
-            </a:schemeClr>
-          </a:lnRef>
-          <a:fillRef idx="1">
-            <a:schemeClr val="accent1"/>
-          </a:fillRef>
-          <a:effectRef idx="0">
-            <a:schemeClr val="accent1"/>
-          </a:effectRef>
-          <a:fontRef idx="minor">
-            <a:schemeClr val="lt1"/>
-          </a:fontRef>
-        </p:style>
-        <p:txBody>
-          <a:bodyPr rtlCol="0" anchor="ctr"/>
-          <a:lstStyle/>
-          <a:p>
-            <a:pPr algn="ctr"/>
-            <a:endParaRPr lang="en-US"/>
-          </a:p>
-        </p:txBody>
-      </p:sp>
-      <p:sp>
-        <p:nvSpPr>
-          <p:cNvPr id="28" name="Diamond 27"/>
-          <p:cNvSpPr/>
-          <p:nvPr/>
-        </p:nvSpPr>
-        <p:spPr>
-          <a:xfrm>
-            <a:off x="6019800" y="3733800"/>
-            <a:ext cx="609600" cy="609600"/>
-          </a:xfrm>
-          <a:prstGeom prst="diamond">
-            <a:avLst/>
-          </a:prstGeom>
-          <a:noFill/>
-          <a:ln>
-            <a:solidFill>
-              <a:schemeClr val="tx1"/>
-            </a:solidFill>
-          </a:ln>
-        </p:spPr>
-        <p:style>
-          <a:lnRef idx="2">
-            <a:schemeClr val="accent1">
-              <a:shade val="50000"/>
-            </a:schemeClr>
-          </a:lnRef>
-          <a:fillRef idx="1">
-            <a:schemeClr val="accent1"/>
-          </a:fillRef>
-          <a:effectRef idx="0">
-            <a:schemeClr val="accent1"/>
-          </a:effectRef>
-          <a:fontRef idx="minor">
-            <a:schemeClr val="lt1"/>
-          </a:fontRef>
-        </p:style>
-        <p:txBody>
-          <a:bodyPr rtlCol="0" anchor="ctr"/>
-          <a:lstStyle/>
-          <a:p>
-            <a:pPr algn="ctr"/>
-            <a:endParaRPr lang="en-US"/>
-          </a:p>
-        </p:txBody>
-      </p:sp>
       <p:cxnSp>
         <p:nvCxnSpPr>
           <p:cNvPr id="30" name="Shape 29"/>
           <p:cNvCxnSpPr>
-            <a:stCxn id="4" idx="2"/>
-            <a:endCxn id="19" idx="2"/>
+            <a:stCxn id="218" idx="0"/>
+            <a:endCxn id="131" idx="2"/>
           </p:cNvCxnSpPr>
           <p:nvPr/>
         </p:nvCxnSpPr>
         <p:spPr>
-          <a:xfrm rot="10800000">
-            <a:off x="838200" y="2667000"/>
-            <a:ext cx="685800" cy="685800"/>
-          </a:xfrm>
-          <a:prstGeom prst="bentConnector2">
-            <a:avLst/>
+          <a:xfrm rot="5400000" flipH="1" flipV="1">
+            <a:off x="1096866" y="1387090"/>
+            <a:ext cx="344937" cy="838679"/>
+          </a:xfrm>
+          <a:prstGeom prst="bentConnector3">
+            <a:avLst>
+              <a:gd name="adj1" fmla="val 50000"/>
+            </a:avLst>
           </a:prstGeom>
           <a:ln>
             <a:solidFill>
@@ -3997,20 +3442,18 @@
         <p:nvCxnSpPr>
           <p:cNvPr id="36" name="Elbow Connector 35"/>
           <p:cNvCxnSpPr>
-            <a:stCxn id="19" idx="0"/>
-            <a:endCxn id="17" idx="4"/>
+            <a:stCxn id="218" idx="2"/>
+            <a:endCxn id="3" idx="1"/>
           </p:cNvCxnSpPr>
           <p:nvPr/>
         </p:nvCxnSpPr>
         <p:spPr>
-          <a:xfrm rot="5400000" flipH="1" flipV="1">
-            <a:off x="1047750" y="1390650"/>
-            <a:ext cx="457200" cy="876300"/>
-          </a:xfrm>
-          <a:prstGeom prst="bentConnector3">
-            <a:avLst>
-              <a:gd name="adj1" fmla="val 50000"/>
-            </a:avLst>
+          <a:xfrm rot="16200000" flipH="1">
+            <a:off x="898740" y="2724589"/>
+            <a:ext cx="576515" cy="674005"/>
+          </a:xfrm>
+          <a:prstGeom prst="bentConnector2">
+            <a:avLst/>
           </a:prstGeom>
           <a:ln>
             <a:solidFill>
@@ -4038,15 +3481,14 @@
         <p:nvCxnSpPr>
           <p:cNvPr id="38" name="Straight Connector 37"/>
           <p:cNvCxnSpPr>
-            <a:stCxn id="13" idx="6"/>
-            <a:endCxn id="26" idx="1"/>
+            <a:stCxn id="26" idx="3"/>
           </p:cNvCxnSpPr>
           <p:nvPr/>
         </p:nvCxnSpPr>
         <p:spPr>
           <a:xfrm>
-            <a:off x="2362200" y="5410200"/>
-            <a:ext cx="304800" cy="152400"/>
+            <a:off x="3276600" y="5562600"/>
+            <a:ext cx="325046" cy="19589"/>
           </a:xfrm>
           <a:prstGeom prst="line">
             <a:avLst/>
@@ -4076,15 +3518,15 @@
         <p:nvCxnSpPr>
           <p:cNvPr id="40" name="Straight Arrow Connector 39"/>
           <p:cNvCxnSpPr>
-            <a:stCxn id="26" idx="3"/>
-            <a:endCxn id="14" idx="2"/>
+            <a:stCxn id="26" idx="1"/>
+            <a:endCxn id="130" idx="3"/>
           </p:cNvCxnSpPr>
           <p:nvPr/>
         </p:nvCxnSpPr>
         <p:spPr>
-          <a:xfrm>
-            <a:off x="3276600" y="5562600"/>
-            <a:ext cx="304800" cy="0"/>
+          <a:xfrm flipH="1" flipV="1">
+            <a:off x="2377575" y="5334000"/>
+            <a:ext cx="289425" cy="228600"/>
           </a:xfrm>
           <a:prstGeom prst="straightConnector1">
             <a:avLst/>
@@ -4115,15 +3557,15 @@
         <p:nvCxnSpPr>
           <p:cNvPr id="42" name="Straight Connector 41"/>
           <p:cNvCxnSpPr>
-            <a:stCxn id="14" idx="7"/>
-            <a:endCxn id="27" idx="2"/>
+            <a:stCxn id="27" idx="0"/>
+            <a:endCxn id="133" idx="2"/>
           </p:cNvCxnSpPr>
           <p:nvPr/>
         </p:nvCxnSpPr>
         <p:spPr>
           <a:xfrm flipV="1">
-            <a:off x="4687093" y="4800600"/>
-            <a:ext cx="113507" cy="492592"/>
+            <a:off x="4800600" y="2287628"/>
+            <a:ext cx="535451" cy="1903372"/>
           </a:xfrm>
           <a:prstGeom prst="line">
             <a:avLst/>
@@ -4153,15 +3595,14 @@
         <p:nvCxnSpPr>
           <p:cNvPr id="44" name="Straight Arrow Connector 43"/>
           <p:cNvCxnSpPr>
-            <a:stCxn id="27" idx="0"/>
-            <a:endCxn id="5" idx="4"/>
+            <a:stCxn id="27" idx="2"/>
           </p:cNvCxnSpPr>
           <p:nvPr/>
         </p:nvCxnSpPr>
         <p:spPr>
-          <a:xfrm flipV="1">
-            <a:off x="4800600" y="3733800"/>
-            <a:ext cx="495300" cy="457200"/>
+          <a:xfrm flipH="1">
+            <a:off x="4533334" y="4800600"/>
+            <a:ext cx="267266" cy="457200"/>
           </a:xfrm>
           <a:prstGeom prst="straightConnector1">
             <a:avLst/>
@@ -4171,82 +3612,6 @@
               <a:schemeClr val="tx1"/>
             </a:solidFill>
             <a:tailEnd type="arrow"/>
-          </a:ln>
-        </p:spPr>
-        <p:style>
-          <a:lnRef idx="1">
-            <a:schemeClr val="accent1"/>
-          </a:lnRef>
-          <a:fillRef idx="0">
-            <a:schemeClr val="accent1"/>
-          </a:fillRef>
-          <a:effectRef idx="0">
-            <a:schemeClr val="accent1"/>
-          </a:effectRef>
-          <a:fontRef idx="minor">
-            <a:schemeClr val="tx1"/>
-          </a:fontRef>
-        </p:style>
-      </p:cxnSp>
-      <p:cxnSp>
-        <p:nvCxnSpPr>
-          <p:cNvPr id="46" name="Straight Connector 45"/>
-          <p:cNvCxnSpPr>
-            <a:stCxn id="5" idx="5"/>
-            <a:endCxn id="28" idx="0"/>
-          </p:cNvCxnSpPr>
-          <p:nvPr/>
-        </p:nvCxnSpPr>
-        <p:spPr>
-          <a:xfrm>
-            <a:off x="5753893" y="3622208"/>
-            <a:ext cx="570707" cy="111592"/>
-          </a:xfrm>
-          <a:prstGeom prst="line">
-            <a:avLst/>
-          </a:prstGeom>
-          <a:ln>
-            <a:solidFill>
-              <a:schemeClr val="tx1"/>
-            </a:solidFill>
-          </a:ln>
-        </p:spPr>
-        <p:style>
-          <a:lnRef idx="1">
-            <a:schemeClr val="accent1"/>
-          </a:lnRef>
-          <a:fillRef idx="0">
-            <a:schemeClr val="accent1"/>
-          </a:fillRef>
-          <a:effectRef idx="0">
-            <a:schemeClr val="accent1"/>
-          </a:effectRef>
-          <a:fontRef idx="minor">
-            <a:schemeClr val="tx1"/>
-          </a:fontRef>
-        </p:style>
-      </p:cxnSp>
-      <p:cxnSp>
-        <p:nvCxnSpPr>
-          <p:cNvPr id="48" name="Straight Connector 47"/>
-          <p:cNvCxnSpPr>
-            <a:stCxn id="28" idx="2"/>
-            <a:endCxn id="15" idx="2"/>
-          </p:cNvCxnSpPr>
-          <p:nvPr/>
-        </p:nvCxnSpPr>
-        <p:spPr>
-          <a:xfrm>
-            <a:off x="6324600" y="4343400"/>
-            <a:ext cx="457200" cy="457200"/>
-          </a:xfrm>
-          <a:prstGeom prst="line">
-            <a:avLst/>
-          </a:prstGeom>
-          <a:ln>
-            <a:solidFill>
-              <a:schemeClr val="tx1"/>
-            </a:solidFill>
           </a:ln>
         </p:spPr>
         <p:style>
@@ -4268,7 +3633,6 @@
         <p:nvCxnSpPr>
           <p:cNvPr id="52" name="Straight Connector 51"/>
           <p:cNvCxnSpPr>
-            <a:stCxn id="4" idx="6"/>
             <a:endCxn id="24" idx="1"/>
           </p:cNvCxnSpPr>
           <p:nvPr/>
@@ -4307,14 +3671,14 @@
           <p:cNvPr id="54" name="Straight Connector 53"/>
           <p:cNvCxnSpPr>
             <a:stCxn id="24" idx="3"/>
-            <a:endCxn id="5" idx="2"/>
+            <a:endCxn id="133" idx="2"/>
           </p:cNvCxnSpPr>
           <p:nvPr/>
         </p:nvCxnSpPr>
         <p:spPr>
           <a:xfrm flipV="1">
-            <a:off x="4038600" y="3352800"/>
-            <a:ext cx="609600" cy="76200"/>
+            <a:off x="4038600" y="2287628"/>
+            <a:ext cx="1297451" cy="1141372"/>
           </a:xfrm>
           <a:prstGeom prst="line">
             <a:avLst/>
@@ -4345,14 +3709,14 @@
           <p:cNvPr id="56" name="Straight Arrow Connector 55"/>
           <p:cNvCxnSpPr>
             <a:stCxn id="25" idx="0"/>
-            <a:endCxn id="4" idx="4"/>
+            <a:endCxn id="3" idx="2"/>
           </p:cNvCxnSpPr>
           <p:nvPr/>
         </p:nvCxnSpPr>
         <p:spPr>
           <a:xfrm flipV="1">
-            <a:off x="1905000" y="3733800"/>
-            <a:ext cx="266700" cy="381000"/>
+            <a:off x="1905000" y="3632432"/>
+            <a:ext cx="266700" cy="482368"/>
           </a:xfrm>
           <a:prstGeom prst="straightConnector1">
             <a:avLst/>
@@ -4384,7 +3748,6 @@
           <p:cNvPr id="58" name="Straight Arrow Connector 57"/>
           <p:cNvCxnSpPr>
             <a:stCxn id="25" idx="2"/>
-            <a:endCxn id="13" idx="0"/>
           </p:cNvCxnSpPr>
           <p:nvPr/>
         </p:nvCxnSpPr>
@@ -4392,45 +3755,6 @@
           <a:xfrm flipH="1">
             <a:off x="1714500" y="4724400"/>
             <a:ext cx="190500" cy="304800"/>
-          </a:xfrm>
-          <a:prstGeom prst="straightConnector1">
-            <a:avLst/>
-          </a:prstGeom>
-          <a:ln>
-            <a:solidFill>
-              <a:schemeClr val="tx1"/>
-            </a:solidFill>
-            <a:tailEnd type="arrow"/>
-          </a:ln>
-        </p:spPr>
-        <p:style>
-          <a:lnRef idx="1">
-            <a:schemeClr val="accent1"/>
-          </a:lnRef>
-          <a:fillRef idx="0">
-            <a:schemeClr val="accent1"/>
-          </a:fillRef>
-          <a:effectRef idx="0">
-            <a:schemeClr val="accent1"/>
-          </a:effectRef>
-          <a:fontRef idx="minor">
-            <a:schemeClr val="tx1"/>
-          </a:fontRef>
-        </p:style>
-      </p:cxnSp>
-      <p:cxnSp>
-        <p:nvCxnSpPr>
-          <p:cNvPr id="60" name="Straight Arrow Connector 59"/>
-          <p:cNvCxnSpPr>
-            <a:stCxn id="20" idx="0"/>
-            <a:endCxn id="18" idx="2"/>
-          </p:cNvCxnSpPr>
-          <p:nvPr/>
-        </p:nvCxnSpPr>
-        <p:spPr>
-          <a:xfrm flipV="1">
-            <a:off x="2362200" y="1295400"/>
-            <a:ext cx="2286000" cy="685800"/>
           </a:xfrm>
           <a:prstGeom prst="straightConnector1">
             <a:avLst/>
@@ -4461,15 +3785,15 @@
         <p:nvCxnSpPr>
           <p:cNvPr id="62" name="Straight Arrow Connector 61"/>
           <p:cNvCxnSpPr>
-            <a:stCxn id="21" idx="0"/>
-            <a:endCxn id="17" idx="6"/>
+            <a:stCxn id="231" idx="3"/>
+            <a:endCxn id="133" idx="1"/>
           </p:cNvCxnSpPr>
           <p:nvPr/>
         </p:nvCxnSpPr>
         <p:spPr>
-          <a:xfrm flipH="1" flipV="1">
-            <a:off x="2514600" y="1143000"/>
-            <a:ext cx="1600200" cy="838200"/>
+          <a:xfrm>
+            <a:off x="3952581" y="1460975"/>
+            <a:ext cx="735770" cy="544071"/>
           </a:xfrm>
           <a:prstGeom prst="straightConnector1">
             <a:avLst/>
@@ -4479,44 +3803,6 @@
               <a:schemeClr val="tx1"/>
             </a:solidFill>
             <a:tailEnd type="arrow"/>
-          </a:ln>
-        </p:spPr>
-        <p:style>
-          <a:lnRef idx="1">
-            <a:schemeClr val="accent1"/>
-          </a:lnRef>
-          <a:fillRef idx="0">
-            <a:schemeClr val="accent1"/>
-          </a:fillRef>
-          <a:effectRef idx="0">
-            <a:schemeClr val="accent1"/>
-          </a:effectRef>
-          <a:fontRef idx="minor">
-            <a:schemeClr val="tx1"/>
-          </a:fontRef>
-        </p:style>
-      </p:cxnSp>
-      <p:cxnSp>
-        <p:nvCxnSpPr>
-          <p:cNvPr id="64" name="Straight Connector 63"/>
-          <p:cNvCxnSpPr>
-            <a:stCxn id="20" idx="2"/>
-            <a:endCxn id="4" idx="0"/>
-          </p:cNvCxnSpPr>
-          <p:nvPr/>
-        </p:nvCxnSpPr>
-        <p:spPr>
-          <a:xfrm flipH="1">
-            <a:off x="2171700" y="2590800"/>
-            <a:ext cx="190500" cy="381000"/>
-          </a:xfrm>
-          <a:prstGeom prst="line">
-            <a:avLst/>
-          </a:prstGeom>
-          <a:ln>
-            <a:solidFill>
-              <a:schemeClr val="tx1"/>
-            </a:solidFill>
           </a:ln>
         </p:spPr>
         <p:style>
@@ -4538,15 +3824,15 @@
         <p:nvCxnSpPr>
           <p:cNvPr id="66" name="Straight Connector 65"/>
           <p:cNvCxnSpPr>
-            <a:stCxn id="5" idx="1"/>
-            <a:endCxn id="21" idx="2"/>
+            <a:stCxn id="231" idx="1"/>
+            <a:endCxn id="131" idx="3"/>
           </p:cNvCxnSpPr>
           <p:nvPr/>
         </p:nvCxnSpPr>
         <p:spPr>
           <a:xfrm flipH="1" flipV="1">
-            <a:off x="4114800" y="2590800"/>
-            <a:ext cx="723107" cy="492592"/>
+            <a:off x="2511201" y="1123426"/>
+            <a:ext cx="609105" cy="337549"/>
           </a:xfrm>
           <a:prstGeom prst="line">
             <a:avLst/>
@@ -4576,15 +3862,14 @@
         <p:nvCxnSpPr>
           <p:cNvPr id="68" name="Straight Arrow Connector 67"/>
           <p:cNvCxnSpPr>
-            <a:stCxn id="22" idx="2"/>
-            <a:endCxn id="5" idx="6"/>
+            <a:endCxn id="133" idx="3"/>
           </p:cNvCxnSpPr>
           <p:nvPr/>
         </p:nvCxnSpPr>
         <p:spPr>
-          <a:xfrm flipH="1">
-            <a:off x="5943600" y="3048000"/>
-            <a:ext cx="609600" cy="304800"/>
+          <a:xfrm flipH="1" flipV="1">
+            <a:off x="5983751" y="2005046"/>
+            <a:ext cx="278131" cy="92561"/>
           </a:xfrm>
           <a:prstGeom prst="straightConnector1">
             <a:avLst/>
@@ -4615,15 +3900,14 @@
         <p:nvCxnSpPr>
           <p:cNvPr id="70" name="Straight Connector 69"/>
           <p:cNvCxnSpPr>
-            <a:stCxn id="22" idx="0"/>
-            <a:endCxn id="16" idx="2"/>
+            <a:endCxn id="136" idx="1"/>
           </p:cNvCxnSpPr>
           <p:nvPr/>
         </p:nvCxnSpPr>
         <p:spPr>
-          <a:xfrm flipV="1">
-            <a:off x="6553200" y="2286000"/>
-            <a:ext cx="533400" cy="152400"/>
+          <a:xfrm>
+            <a:off x="6871482" y="2107417"/>
+            <a:ext cx="239177" cy="219391"/>
           </a:xfrm>
           <a:prstGeom prst="line">
             <a:avLst/>
@@ -4632,45 +3916,6 @@
             <a:solidFill>
               <a:schemeClr val="tx1"/>
             </a:solidFill>
-          </a:ln>
-        </p:spPr>
-        <p:style>
-          <a:lnRef idx="1">
-            <a:schemeClr val="accent1"/>
-          </a:lnRef>
-          <a:fillRef idx="0">
-            <a:schemeClr val="accent1"/>
-          </a:fillRef>
-          <a:effectRef idx="0">
-            <a:schemeClr val="accent1"/>
-          </a:effectRef>
-          <a:fontRef idx="minor">
-            <a:schemeClr val="tx1"/>
-          </a:fontRef>
-        </p:style>
-      </p:cxnSp>
-      <p:cxnSp>
-        <p:nvCxnSpPr>
-          <p:cNvPr id="72" name="Straight Arrow Connector 71"/>
-          <p:cNvCxnSpPr>
-            <a:stCxn id="23" idx="2"/>
-            <a:endCxn id="15" idx="0"/>
-          </p:cNvCxnSpPr>
-          <p:nvPr/>
-        </p:nvCxnSpPr>
-        <p:spPr>
-          <a:xfrm flipH="1">
-            <a:off x="7429500" y="3886200"/>
-            <a:ext cx="266700" cy="533400"/>
-          </a:xfrm>
-          <a:prstGeom prst="straightConnector1">
-            <a:avLst/>
-          </a:prstGeom>
-          <a:ln>
-            <a:solidFill>
-              <a:schemeClr val="tx1"/>
-            </a:solidFill>
-            <a:tailEnd type="arrow"/>
           </a:ln>
         </p:spPr>
         <p:style>
@@ -4692,15 +3937,15 @@
         <p:nvCxnSpPr>
           <p:cNvPr id="74" name="Straight Connector 73"/>
           <p:cNvCxnSpPr>
-            <a:stCxn id="16" idx="4"/>
+            <a:stCxn id="136" idx="1"/>
             <a:endCxn id="23" idx="0"/>
           </p:cNvCxnSpPr>
           <p:nvPr/>
         </p:nvCxnSpPr>
         <p:spPr>
           <a:xfrm flipH="1">
-            <a:off x="7696200" y="2667000"/>
-            <a:ext cx="38100" cy="609600"/>
+            <a:off x="6586252" y="2326808"/>
+            <a:ext cx="524407" cy="893078"/>
           </a:xfrm>
           <a:prstGeom prst="line">
             <a:avLst/>
@@ -4749,23 +3994,22 @@
           <a:lstStyle/>
           <a:p>
             <a:r>
-              <a:rPr lang="en-US" dirty="0" smtClean="0"/>
+              <a:rPr lang="en-US" dirty="0"/>
               <a:t>Rating</a:t>
             </a:r>
-            <a:endParaRPr lang="en-US" dirty="0"/>
-          </a:p>
-        </p:txBody>
-      </p:sp>
-      <p:sp>
-        <p:nvSpPr>
-          <p:cNvPr id="76" name="TextBox 75"/>
+          </a:p>
+        </p:txBody>
+      </p:sp>
+      <p:sp>
+        <p:nvSpPr>
+          <p:cNvPr id="77" name="TextBox 76"/>
           <p:cNvSpPr txBox="1"/>
           <p:nvPr/>
         </p:nvSpPr>
         <p:spPr>
           <a:xfrm>
-            <a:off x="4876800" y="1066800"/>
-            <a:ext cx="1155766" cy="338554"/>
+            <a:off x="1676400" y="3124200"/>
+            <a:ext cx="923138" cy="369332"/>
           </a:xfrm>
           <a:prstGeom prst="rect">
             <a:avLst/>
@@ -4779,23 +4023,22 @@
           <a:lstStyle/>
           <a:p>
             <a:r>
-              <a:rPr lang="en-US" sz="1600" dirty="0" smtClean="0"/>
-              <a:t>My Courses</a:t>
-            </a:r>
-            <a:endParaRPr lang="en-US" sz="1600" dirty="0"/>
-          </a:p>
-        </p:txBody>
-      </p:sp>
-      <p:sp>
-        <p:nvSpPr>
-          <p:cNvPr id="77" name="TextBox 76"/>
+              <a:rPr lang="en-US" dirty="0"/>
+              <a:t>Student</a:t>
+            </a:r>
+          </a:p>
+        </p:txBody>
+      </p:sp>
+      <p:sp>
+        <p:nvSpPr>
+          <p:cNvPr id="78" name="TextBox 77"/>
           <p:cNvSpPr txBox="1"/>
           <p:nvPr/>
         </p:nvSpPr>
         <p:spPr>
           <a:xfrm>
-            <a:off x="1676400" y="3124200"/>
-            <a:ext cx="923138" cy="369332"/>
+            <a:off x="4891876" y="1797678"/>
+            <a:ext cx="833113" cy="369332"/>
           </a:xfrm>
           <a:prstGeom prst="rect">
             <a:avLst/>
@@ -4809,23 +4052,22 @@
           <a:lstStyle/>
           <a:p>
             <a:r>
-              <a:rPr lang="en-US" dirty="0" smtClean="0"/>
-              <a:t>Student</a:t>
-            </a:r>
-            <a:endParaRPr lang="en-US" dirty="0"/>
-          </a:p>
-        </p:txBody>
-      </p:sp>
-      <p:sp>
-        <p:nvSpPr>
-          <p:cNvPr id="78" name="TextBox 77"/>
+              <a:rPr lang="en-US" dirty="0"/>
+              <a:t>Course</a:t>
+            </a:r>
+          </a:p>
+        </p:txBody>
+      </p:sp>
+      <p:sp>
+        <p:nvSpPr>
+          <p:cNvPr id="79" name="TextBox 78"/>
           <p:cNvSpPr txBox="1"/>
           <p:nvPr/>
         </p:nvSpPr>
         <p:spPr>
           <a:xfrm>
-            <a:off x="4876800" y="3124200"/>
-            <a:ext cx="833113" cy="369332"/>
+            <a:off x="7172190" y="2124436"/>
+            <a:ext cx="1124219" cy="369332"/>
           </a:xfrm>
           <a:prstGeom prst="rect">
             <a:avLst/>
@@ -4839,23 +4081,22 @@
           <a:lstStyle/>
           <a:p>
             <a:r>
-              <a:rPr lang="en-US" dirty="0" smtClean="0"/>
-              <a:t>Course</a:t>
-            </a:r>
-            <a:endParaRPr lang="en-US" dirty="0"/>
-          </a:p>
-        </p:txBody>
-      </p:sp>
-      <p:sp>
-        <p:nvSpPr>
-          <p:cNvPr id="79" name="TextBox 78"/>
+              <a:rPr lang="en-US" dirty="0"/>
+              <a:t>University</a:t>
+            </a:r>
+          </a:p>
+        </p:txBody>
+      </p:sp>
+      <p:sp>
+        <p:nvSpPr>
+          <p:cNvPr id="80" name="TextBox 79"/>
           <p:cNvSpPr txBox="1"/>
           <p:nvPr/>
         </p:nvSpPr>
         <p:spPr>
           <a:xfrm>
-            <a:off x="7162800" y="2057400"/>
-            <a:ext cx="1124219" cy="369332"/>
+            <a:off x="5995477" y="4433524"/>
+            <a:ext cx="1104790" cy="369332"/>
           </a:xfrm>
           <a:prstGeom prst="rect">
             <a:avLst/>
@@ -4869,23 +4110,22 @@
           <a:lstStyle/>
           <a:p>
             <a:r>
-              <a:rPr lang="en-US" dirty="0" smtClean="0"/>
-              <a:t>University</a:t>
-            </a:r>
-            <a:endParaRPr lang="en-US" dirty="0"/>
-          </a:p>
-        </p:txBody>
-      </p:sp>
-      <p:sp>
-        <p:nvSpPr>
-          <p:cNvPr id="80" name="TextBox 79"/>
+              <a:rPr lang="en-US" dirty="0"/>
+              <a:t>Instructor</a:t>
+            </a:r>
+          </a:p>
+        </p:txBody>
+      </p:sp>
+      <p:sp>
+        <p:nvSpPr>
+          <p:cNvPr id="81" name="TextBox 80"/>
           <p:cNvSpPr txBox="1"/>
           <p:nvPr/>
         </p:nvSpPr>
         <p:spPr>
           <a:xfrm>
-            <a:off x="6858000" y="4572000"/>
-            <a:ext cx="1104790" cy="369332"/>
+            <a:off x="1095616" y="5180112"/>
+            <a:ext cx="1329723" cy="307777"/>
           </a:xfrm>
           <a:prstGeom prst="rect">
             <a:avLst/>
@@ -4899,23 +4139,23 @@
           <a:lstStyle/>
           <a:p>
             <a:r>
-              <a:rPr lang="en-US" dirty="0" smtClean="0"/>
-              <a:t>Instructor</a:t>
-            </a:r>
-            <a:endParaRPr lang="en-US" dirty="0"/>
-          </a:p>
-        </p:txBody>
-      </p:sp>
-      <p:sp>
-        <p:nvSpPr>
-          <p:cNvPr id="81" name="TextBox 80"/>
+              <a:rPr lang="en-US" sz="1400" smtClean="0"/>
+              <a:t>Credit Card Info</a:t>
+            </a:r>
+            <a:endParaRPr lang="en-US" sz="1400" dirty="0"/>
+          </a:p>
+        </p:txBody>
+      </p:sp>
+      <p:sp>
+        <p:nvSpPr>
+          <p:cNvPr id="84" name="TextBox 83"/>
           <p:cNvSpPr txBox="1"/>
           <p:nvPr/>
         </p:nvSpPr>
         <p:spPr>
           <a:xfrm>
-            <a:off x="1219200" y="5181600"/>
-            <a:ext cx="1145635" cy="307777"/>
+            <a:off x="3657600" y="5410200"/>
+            <a:ext cx="1140762" cy="338554"/>
           </a:xfrm>
           <a:prstGeom prst="rect">
             <a:avLst/>
@@ -4929,23 +4169,22 @@
           <a:lstStyle/>
           <a:p>
             <a:r>
-              <a:rPr lang="en-US" sz="1400" dirty="0" smtClean="0"/>
-              <a:t>Payment info</a:t>
-            </a:r>
-            <a:endParaRPr lang="en-US" sz="1400" dirty="0"/>
-          </a:p>
-        </p:txBody>
-      </p:sp>
-      <p:sp>
-        <p:nvSpPr>
-          <p:cNvPr id="84" name="TextBox 83"/>
+              <a:rPr lang="en-US" sz="1600" dirty="0"/>
+              <a:t>Transaction</a:t>
+            </a:r>
+          </a:p>
+        </p:txBody>
+      </p:sp>
+      <p:sp>
+        <p:nvSpPr>
+          <p:cNvPr id="85" name="TextBox 84"/>
           <p:cNvSpPr txBox="1"/>
           <p:nvPr/>
         </p:nvSpPr>
         <p:spPr>
           <a:xfrm>
-            <a:off x="3657600" y="5410200"/>
-            <a:ext cx="1140762" cy="338554"/>
+            <a:off x="543887" y="2222608"/>
+            <a:ext cx="588623" cy="230832"/>
           </a:xfrm>
           <a:prstGeom prst="rect">
             <a:avLst/>
@@ -4959,23 +4198,80 @@
           <a:lstStyle/>
           <a:p>
             <a:r>
-              <a:rPr lang="en-US" sz="1600" dirty="0" smtClean="0"/>
-              <a:t>Transaction</a:t>
-            </a:r>
-            <a:endParaRPr lang="en-US" sz="1600" dirty="0"/>
-          </a:p>
-        </p:txBody>
-      </p:sp>
-      <p:sp>
-        <p:nvSpPr>
-          <p:cNvPr id="85" name="TextBox 84"/>
+              <a:rPr lang="en-US" sz="900" dirty="0"/>
+              <a:t>Provides</a:t>
+            </a:r>
+          </a:p>
+        </p:txBody>
+      </p:sp>
+      <p:sp>
+        <p:nvSpPr>
+          <p:cNvPr id="87" name="TextBox 86"/>
           <p:cNvSpPr txBox="1"/>
           <p:nvPr/>
         </p:nvSpPr>
         <p:spPr>
           <a:xfrm>
-            <a:off x="533400" y="2209800"/>
-            <a:ext cx="588623" cy="230832"/>
+            <a:off x="3364818" y="1347493"/>
+            <a:ext cx="715346" cy="239996"/>
+          </a:xfrm>
+          <a:prstGeom prst="rect">
+            <a:avLst/>
+          </a:prstGeom>
+          <a:noFill/>
+        </p:spPr>
+        <p:txBody>
+          <a:bodyPr wrap="square" rtlCol="0">
+            <a:spAutoFit/>
+          </a:bodyPr>
+          <a:lstStyle/>
+          <a:p>
+            <a:r>
+              <a:rPr lang="en-US" sz="900" dirty="0"/>
+              <a:t>has</a:t>
+            </a:r>
+          </a:p>
+        </p:txBody>
+      </p:sp>
+      <p:sp>
+        <p:nvSpPr>
+          <p:cNvPr id="88" name="TextBox 87"/>
+          <p:cNvSpPr txBox="1"/>
+          <p:nvPr/>
+        </p:nvSpPr>
+        <p:spPr>
+          <a:xfrm>
+            <a:off x="6375373" y="3415495"/>
+            <a:ext cx="638191" cy="230832"/>
+          </a:xfrm>
+          <a:prstGeom prst="rect">
+            <a:avLst/>
+          </a:prstGeom>
+          <a:noFill/>
+        </p:spPr>
+        <p:txBody>
+          <a:bodyPr wrap="square" rtlCol="0">
+            <a:spAutoFit/>
+          </a:bodyPr>
+          <a:lstStyle/>
+          <a:p>
+            <a:r>
+              <a:rPr lang="en-US" sz="900" dirty="0"/>
+              <a:t>has</a:t>
+            </a:r>
+          </a:p>
+        </p:txBody>
+      </p:sp>
+      <p:sp>
+        <p:nvSpPr>
+          <p:cNvPr id="90" name="TextBox 89"/>
+          <p:cNvSpPr txBox="1"/>
+          <p:nvPr/>
+        </p:nvSpPr>
+        <p:spPr>
+          <a:xfrm>
+            <a:off x="6238977" y="1986280"/>
+            <a:ext cx="657552" cy="230832"/>
           </a:xfrm>
           <a:prstGeom prst="rect">
             <a:avLst/>
@@ -4989,8 +4285,8 @@
           <a:lstStyle/>
           <a:p>
             <a:r>
-              <a:rPr lang="en-US" sz="900" dirty="0" smtClean="0"/>
-              <a:t>Provides</a:t>
+              <a:rPr lang="en-US" sz="900" smtClean="0"/>
+              <a:t>createdBy</a:t>
             </a:r>
             <a:endParaRPr lang="en-US" sz="900" dirty="0"/>
           </a:p>
@@ -4998,14 +4294,14 @@
       </p:sp>
       <p:sp>
         <p:nvSpPr>
-          <p:cNvPr id="86" name="TextBox 85"/>
+          <p:cNvPr id="91" name="TextBox 90"/>
           <p:cNvSpPr txBox="1"/>
           <p:nvPr/>
         </p:nvSpPr>
         <p:spPr>
           <a:xfrm>
-            <a:off x="2209800" y="2133600"/>
-            <a:ext cx="344966" cy="230832"/>
+            <a:off x="1693820" y="4304184"/>
+            <a:ext cx="393056" cy="230832"/>
           </a:xfrm>
           <a:prstGeom prst="rect">
             <a:avLst/>
@@ -5019,23 +4315,22 @@
           <a:lstStyle/>
           <a:p>
             <a:r>
-              <a:rPr lang="en-US" sz="900" dirty="0" smtClean="0"/>
-              <a:t>has</a:t>
-            </a:r>
-            <a:endParaRPr lang="en-US" sz="900" dirty="0"/>
-          </a:p>
-        </p:txBody>
-      </p:sp>
-      <p:sp>
-        <p:nvSpPr>
-          <p:cNvPr id="87" name="TextBox 86"/>
+              <a:rPr lang="en-US" sz="900" dirty="0"/>
+              <a:t>uses</a:t>
+            </a:r>
+          </a:p>
+        </p:txBody>
+      </p:sp>
+      <p:sp>
+        <p:nvSpPr>
+          <p:cNvPr id="92" name="TextBox 91"/>
           <p:cNvSpPr txBox="1"/>
           <p:nvPr/>
         </p:nvSpPr>
         <p:spPr>
           <a:xfrm>
-            <a:off x="3962400" y="2133600"/>
-            <a:ext cx="344966" cy="230832"/>
+            <a:off x="3425863" y="3305244"/>
+            <a:ext cx="615874" cy="230832"/>
           </a:xfrm>
           <a:prstGeom prst="rect">
             <a:avLst/>
@@ -5049,23 +4344,22 @@
           <a:lstStyle/>
           <a:p>
             <a:r>
-              <a:rPr lang="en-US" sz="900" dirty="0" smtClean="0"/>
-              <a:t>has</a:t>
-            </a:r>
-            <a:endParaRPr lang="en-US" sz="900" dirty="0"/>
-          </a:p>
-        </p:txBody>
-      </p:sp>
-      <p:sp>
-        <p:nvSpPr>
-          <p:cNvPr id="88" name="TextBox 87"/>
+              <a:rPr lang="en-US" sz="900" dirty="0"/>
+              <a:t>Enrolls in</a:t>
+            </a:r>
+          </a:p>
+        </p:txBody>
+      </p:sp>
+      <p:sp>
+        <p:nvSpPr>
+          <p:cNvPr id="93" name="TextBox 92"/>
           <p:cNvSpPr txBox="1"/>
           <p:nvPr/>
         </p:nvSpPr>
         <p:spPr>
           <a:xfrm>
-            <a:off x="7543800" y="3429000"/>
-            <a:ext cx="344966" cy="230832"/>
+            <a:off x="4572000" y="4343400"/>
+            <a:ext cx="487634" cy="230832"/>
           </a:xfrm>
           <a:prstGeom prst="rect">
             <a:avLst/>
@@ -5079,23 +4373,22 @@
           <a:lstStyle/>
           <a:p>
             <a:r>
-              <a:rPr lang="en-US" sz="900" dirty="0" smtClean="0"/>
-              <a:t>has</a:t>
-            </a:r>
-            <a:endParaRPr lang="en-US" sz="900" dirty="0"/>
-          </a:p>
-        </p:txBody>
-      </p:sp>
-      <p:sp>
-        <p:nvSpPr>
-          <p:cNvPr id="89" name="TextBox 88"/>
+              <a:rPr lang="en-US" sz="900" dirty="0"/>
+              <a:t>Is paid</a:t>
+            </a:r>
+          </a:p>
+        </p:txBody>
+      </p:sp>
+      <p:sp>
+        <p:nvSpPr>
+          <p:cNvPr id="94" name="TextBox 93"/>
           <p:cNvSpPr txBox="1"/>
           <p:nvPr/>
         </p:nvSpPr>
         <p:spPr>
           <a:xfrm>
-            <a:off x="6172200" y="3886200"/>
-            <a:ext cx="344966" cy="230832"/>
+            <a:off x="2694656" y="5437944"/>
+            <a:ext cx="617477" cy="230832"/>
           </a:xfrm>
           <a:prstGeom prst="rect">
             <a:avLst/>
@@ -5109,8 +4402,8 @@
           <a:lstStyle/>
           <a:p>
             <a:r>
-              <a:rPr lang="en-US" sz="900" dirty="0" smtClean="0"/>
-              <a:t>has</a:t>
+              <a:rPr lang="en-US" sz="900" smtClean="0"/>
+              <a:t>paidWith</a:t>
             </a:r>
             <a:endParaRPr lang="en-US" sz="900" dirty="0"/>
           </a:p>
@@ -5118,14 +4411,14 @@
       </p:sp>
       <p:sp>
         <p:nvSpPr>
-          <p:cNvPr id="90" name="TextBox 89"/>
+          <p:cNvPr id="67" name="TextBox 66"/>
           <p:cNvSpPr txBox="1"/>
           <p:nvPr/>
         </p:nvSpPr>
         <p:spPr>
           <a:xfrm>
-            <a:off x="6400800" y="2590800"/>
-            <a:ext cx="344966" cy="230832"/>
+            <a:off x="8205959" y="2813182"/>
+            <a:ext cx="883333" cy="246221"/>
           </a:xfrm>
           <a:prstGeom prst="rect">
             <a:avLst/>
@@ -5133,29 +4426,66 @@
           <a:noFill/>
         </p:spPr>
         <p:txBody>
-          <a:bodyPr wrap="none" rtlCol="0">
+          <a:bodyPr wrap="square" rtlCol="0">
             <a:spAutoFit/>
           </a:bodyPr>
           <a:lstStyle/>
           <a:p>
             <a:r>
-              <a:rPr lang="en-US" sz="900" dirty="0" smtClean="0"/>
-              <a:t>has</a:t>
-            </a:r>
-            <a:endParaRPr lang="en-US" sz="900" dirty="0"/>
-          </a:p>
-        </p:txBody>
-      </p:sp>
-      <p:sp>
-        <p:nvSpPr>
-          <p:cNvPr id="91" name="TextBox 90"/>
+              <a:rPr lang="en-US" sz="1000" u="sng" dirty="0"/>
+              <a:t>University ID</a:t>
+            </a:r>
+          </a:p>
+        </p:txBody>
+      </p:sp>
+      <p:cxnSp>
+        <p:nvCxnSpPr>
+          <p:cNvPr id="35" name="Straight Connector 34"/>
+          <p:cNvCxnSpPr>
+            <a:stCxn id="67" idx="0"/>
+            <a:endCxn id="136" idx="2"/>
+          </p:cNvCxnSpPr>
+          <p:nvPr/>
+        </p:nvCxnSpPr>
+        <p:spPr>
+          <a:xfrm flipH="1" flipV="1">
+            <a:off x="7758359" y="2609390"/>
+            <a:ext cx="889267" cy="203792"/>
+          </a:xfrm>
+          <a:prstGeom prst="line">
+            <a:avLst/>
+          </a:prstGeom>
+          <a:ln>
+            <a:solidFill>
+              <a:schemeClr val="tx1"/>
+            </a:solidFill>
+          </a:ln>
+        </p:spPr>
+        <p:style>
+          <a:lnRef idx="1">
+            <a:schemeClr val="accent1"/>
+          </a:lnRef>
+          <a:fillRef idx="0">
+            <a:schemeClr val="accent1"/>
+          </a:fillRef>
+          <a:effectRef idx="0">
+            <a:schemeClr val="accent1"/>
+          </a:effectRef>
+          <a:fontRef idx="minor">
+            <a:schemeClr val="tx1"/>
+          </a:fontRef>
+        </p:style>
+      </p:cxnSp>
+      <p:sp>
+        <p:nvSpPr>
+          <p:cNvPr id="82" name="TextBox 81"/>
           <p:cNvSpPr txBox="1"/>
           <p:nvPr/>
         </p:nvSpPr>
         <p:spPr>
           <a:xfrm>
-            <a:off x="1676400" y="4267200"/>
-            <a:ext cx="393056" cy="230832"/>
+            <a:off x="1241824" y="2499318"/>
+            <a:ext cx="1077289" cy="261610"/>
           </a:xfrm>
           <a:prstGeom prst="rect">
             <a:avLst/>
@@ -5163,29 +4493,29 @@
           <a:noFill/>
         </p:spPr>
         <p:txBody>
-          <a:bodyPr wrap="none" rtlCol="0">
+          <a:bodyPr wrap="square" rtlCol="0">
             <a:spAutoFit/>
           </a:bodyPr>
           <a:lstStyle/>
           <a:p>
             <a:r>
-              <a:rPr lang="en-US" sz="900" dirty="0" smtClean="0"/>
-              <a:t>uses</a:t>
-            </a:r>
-            <a:endParaRPr lang="en-US" sz="900" dirty="0"/>
-          </a:p>
-        </p:txBody>
-      </p:sp>
-      <p:sp>
-        <p:nvSpPr>
-          <p:cNvPr id="92" name="TextBox 91"/>
+              <a:rPr lang="en-US" sz="1100" u="sng" dirty="0" smtClean="0"/>
+              <a:t>Email Address</a:t>
+            </a:r>
+            <a:endParaRPr lang="en-US" sz="1100" u="sng" dirty="0"/>
+          </a:p>
+        </p:txBody>
+      </p:sp>
+      <p:sp>
+        <p:nvSpPr>
+          <p:cNvPr id="95" name="TextBox 94"/>
           <p:cNvSpPr txBox="1"/>
           <p:nvPr/>
         </p:nvSpPr>
         <p:spPr>
           <a:xfrm>
-            <a:off x="3429000" y="3276600"/>
-            <a:ext cx="615874" cy="230832"/>
+            <a:off x="684214" y="3733800"/>
+            <a:ext cx="618580" cy="246221"/>
           </a:xfrm>
           <a:prstGeom prst="rect">
             <a:avLst/>
@@ -5193,29 +4523,28 @@
           <a:noFill/>
         </p:spPr>
         <p:txBody>
-          <a:bodyPr wrap="none" rtlCol="0">
+          <a:bodyPr wrap="square" rtlCol="0">
             <a:spAutoFit/>
           </a:bodyPr>
           <a:lstStyle/>
           <a:p>
             <a:r>
-              <a:rPr lang="en-US" sz="900" dirty="0" smtClean="0"/>
-              <a:t>Enrolls in</a:t>
-            </a:r>
-            <a:endParaRPr lang="en-US" sz="900" dirty="0"/>
-          </a:p>
-        </p:txBody>
-      </p:sp>
-      <p:sp>
-        <p:nvSpPr>
-          <p:cNvPr id="93" name="TextBox 92"/>
+              <a:rPr lang="en-US" sz="1000" dirty="0"/>
+              <a:t>Gender</a:t>
+            </a:r>
+          </a:p>
+        </p:txBody>
+      </p:sp>
+      <p:sp>
+        <p:nvSpPr>
+          <p:cNvPr id="99" name="TextBox 98"/>
           <p:cNvSpPr txBox="1"/>
           <p:nvPr/>
         </p:nvSpPr>
         <p:spPr>
           <a:xfrm>
-            <a:off x="4572000" y="4343400"/>
-            <a:ext cx="487634" cy="230832"/>
+            <a:off x="1181100" y="3964718"/>
+            <a:ext cx="511425" cy="246221"/>
           </a:xfrm>
           <a:prstGeom prst="rect">
             <a:avLst/>
@@ -5223,29 +4552,138 @@
           <a:noFill/>
         </p:spPr>
         <p:txBody>
-          <a:bodyPr wrap="none" rtlCol="0">
+          <a:bodyPr wrap="square" rtlCol="0">
             <a:spAutoFit/>
           </a:bodyPr>
           <a:lstStyle/>
           <a:p>
             <a:r>
-              <a:rPr lang="en-US" sz="900" dirty="0" smtClean="0"/>
-              <a:t>Is paid</a:t>
-            </a:r>
-            <a:endParaRPr lang="en-US" sz="900" dirty="0"/>
-          </a:p>
-        </p:txBody>
-      </p:sp>
-      <p:sp>
-        <p:nvSpPr>
-          <p:cNvPr id="94" name="TextBox 93"/>
+              <a:rPr lang="en-US" sz="1000"/>
+              <a:t>Name</a:t>
+            </a:r>
+            <a:endParaRPr lang="en-US" sz="1000" dirty="0"/>
+          </a:p>
+        </p:txBody>
+      </p:sp>
+      <p:cxnSp>
+        <p:nvCxnSpPr>
+          <p:cNvPr id="45" name="Straight Connector 44"/>
+          <p:cNvCxnSpPr>
+            <a:stCxn id="173" idx="4"/>
+          </p:cNvCxnSpPr>
+          <p:nvPr/>
+        </p:nvCxnSpPr>
+        <p:spPr>
+          <a:xfrm>
+            <a:off x="1689372" y="2818178"/>
+            <a:ext cx="24335" cy="265214"/>
+          </a:xfrm>
+          <a:prstGeom prst="line">
+            <a:avLst/>
+          </a:prstGeom>
+          <a:ln>
+            <a:solidFill>
+              <a:schemeClr val="tx1"/>
+            </a:solidFill>
+          </a:ln>
+        </p:spPr>
+        <p:style>
+          <a:lnRef idx="1">
+            <a:schemeClr val="accent1"/>
+          </a:lnRef>
+          <a:fillRef idx="0">
+            <a:schemeClr val="accent1"/>
+          </a:fillRef>
+          <a:effectRef idx="0">
+            <a:schemeClr val="accent1"/>
+          </a:effectRef>
+          <a:fontRef idx="minor">
+            <a:schemeClr val="tx1"/>
+          </a:fontRef>
+        </p:style>
+      </p:cxnSp>
+      <p:cxnSp>
+        <p:nvCxnSpPr>
+          <p:cNvPr id="51" name="Straight Connector 50"/>
+          <p:cNvCxnSpPr/>
+          <p:nvPr/>
+        </p:nvCxnSpPr>
+        <p:spPr>
+          <a:xfrm flipV="1">
+            <a:off x="978820" y="3531281"/>
+            <a:ext cx="515267" cy="216336"/>
+          </a:xfrm>
+          <a:prstGeom prst="line">
+            <a:avLst/>
+          </a:prstGeom>
+          <a:ln>
+            <a:solidFill>
+              <a:schemeClr val="tx1"/>
+            </a:solidFill>
+          </a:ln>
+        </p:spPr>
+        <p:style>
+          <a:lnRef idx="1">
+            <a:schemeClr val="accent1"/>
+          </a:lnRef>
+          <a:fillRef idx="0">
+            <a:schemeClr val="accent1"/>
+          </a:fillRef>
+          <a:effectRef idx="0">
+            <a:schemeClr val="accent1"/>
+          </a:effectRef>
+          <a:fontRef idx="minor">
+            <a:schemeClr val="tx1"/>
+          </a:fontRef>
+        </p:style>
+      </p:cxnSp>
+      <p:cxnSp>
+        <p:nvCxnSpPr>
+          <p:cNvPr id="103" name="Straight Connector 102"/>
+          <p:cNvCxnSpPr>
+            <a:stCxn id="178" idx="0"/>
+          </p:cNvCxnSpPr>
+          <p:nvPr/>
+        </p:nvCxnSpPr>
+        <p:spPr>
+          <a:xfrm flipV="1">
+            <a:off x="1395164" y="3622208"/>
+            <a:ext cx="318543" cy="381852"/>
+          </a:xfrm>
+          <a:prstGeom prst="line">
+            <a:avLst/>
+          </a:prstGeom>
+          <a:ln>
+            <a:solidFill>
+              <a:schemeClr val="tx1"/>
+            </a:solidFill>
+          </a:ln>
+        </p:spPr>
+        <p:style>
+          <a:lnRef idx="1">
+            <a:schemeClr val="accent1"/>
+          </a:lnRef>
+          <a:fillRef idx="0">
+            <a:schemeClr val="accent1"/>
+          </a:fillRef>
+          <a:effectRef idx="0">
+            <a:schemeClr val="accent1"/>
+          </a:effectRef>
+          <a:fontRef idx="minor">
+            <a:schemeClr val="tx1"/>
+          </a:fontRef>
+        </p:style>
+      </p:cxnSp>
+      <p:sp>
+        <p:nvSpPr>
+          <p:cNvPr id="113" name="TextBox 112"/>
           <p:cNvSpPr txBox="1"/>
           <p:nvPr/>
         </p:nvSpPr>
         <p:spPr>
           <a:xfrm>
-            <a:off x="2819400" y="5410200"/>
-            <a:ext cx="344966" cy="230832"/>
+            <a:off x="4177931" y="722927"/>
+            <a:ext cx="710807" cy="246221"/>
           </a:xfrm>
           <a:prstGeom prst="rect">
             <a:avLst/>
@@ -5253,19 +4691,3511 @@
           <a:noFill/>
         </p:spPr>
         <p:txBody>
-          <a:bodyPr wrap="none" rtlCol="0">
+          <a:bodyPr wrap="square" rtlCol="0">
             <a:spAutoFit/>
           </a:bodyPr>
           <a:lstStyle/>
           <a:p>
             <a:r>
+              <a:rPr lang="en-US" sz="1000" u="sng" dirty="0"/>
+              <a:t>Course ID</a:t>
+            </a:r>
+          </a:p>
+        </p:txBody>
+      </p:sp>
+      <p:cxnSp>
+        <p:nvCxnSpPr>
+          <p:cNvPr id="122" name="Straight Connector 121"/>
+          <p:cNvCxnSpPr>
+            <a:stCxn id="133" idx="0"/>
+            <a:endCxn id="185" idx="4"/>
+          </p:cNvCxnSpPr>
+          <p:nvPr/>
+        </p:nvCxnSpPr>
+        <p:spPr>
+          <a:xfrm flipH="1" flipV="1">
+            <a:off x="4543600" y="991935"/>
+            <a:ext cx="792451" cy="730528"/>
+          </a:xfrm>
+          <a:prstGeom prst="line">
+            <a:avLst/>
+          </a:prstGeom>
+          <a:ln>
+            <a:solidFill>
+              <a:schemeClr val="tx1"/>
+            </a:solidFill>
+          </a:ln>
+        </p:spPr>
+        <p:style>
+          <a:lnRef idx="1">
+            <a:schemeClr val="accent1"/>
+          </a:lnRef>
+          <a:fillRef idx="0">
+            <a:schemeClr val="accent1"/>
+          </a:fillRef>
+          <a:effectRef idx="0">
+            <a:schemeClr val="accent1"/>
+          </a:effectRef>
+          <a:fontRef idx="minor">
+            <a:schemeClr val="tx1"/>
+          </a:fontRef>
+        </p:style>
+      </p:cxnSp>
+      <p:sp>
+        <p:nvSpPr>
+          <p:cNvPr id="147" name="TextBox 146"/>
+          <p:cNvSpPr txBox="1"/>
+          <p:nvPr/>
+        </p:nvSpPr>
+        <p:spPr>
+          <a:xfrm>
+            <a:off x="7667827" y="5716896"/>
+            <a:ext cx="618580" cy="246221"/>
+          </a:xfrm>
+          <a:prstGeom prst="rect">
+            <a:avLst/>
+          </a:prstGeom>
+          <a:noFill/>
+        </p:spPr>
+        <p:txBody>
+          <a:bodyPr wrap="square" rtlCol="0">
+            <a:spAutoFit/>
+          </a:bodyPr>
+          <a:lstStyle/>
+          <a:p>
+            <a:r>
+              <a:rPr lang="en-US" sz="1000" dirty="0"/>
+              <a:t>Gender</a:t>
+            </a:r>
+          </a:p>
+        </p:txBody>
+      </p:sp>
+      <p:sp>
+        <p:nvSpPr>
+          <p:cNvPr id="150" name="TextBox 149"/>
+          <p:cNvSpPr txBox="1"/>
+          <p:nvPr/>
+        </p:nvSpPr>
+        <p:spPr>
+          <a:xfrm>
+            <a:off x="6256295" y="5364778"/>
+            <a:ext cx="511425" cy="246221"/>
+          </a:xfrm>
+          <a:prstGeom prst="rect">
+            <a:avLst/>
+          </a:prstGeom>
+          <a:noFill/>
+        </p:spPr>
+        <p:txBody>
+          <a:bodyPr wrap="square" rtlCol="0">
+            <a:spAutoFit/>
+          </a:bodyPr>
+          <a:lstStyle/>
+          <a:p>
+            <a:r>
+              <a:rPr lang="en-US" sz="1000" dirty="0"/>
+              <a:t>Name</a:t>
+            </a:r>
+          </a:p>
+        </p:txBody>
+      </p:sp>
+      <p:sp>
+        <p:nvSpPr>
+          <p:cNvPr id="151" name="TextBox 150"/>
+          <p:cNvSpPr txBox="1"/>
+          <p:nvPr/>
+        </p:nvSpPr>
+        <p:spPr>
+          <a:xfrm>
+            <a:off x="6685822" y="5720422"/>
+            <a:ext cx="953530" cy="246221"/>
+          </a:xfrm>
+          <a:prstGeom prst="rect">
+            <a:avLst/>
+          </a:prstGeom>
+          <a:noFill/>
+        </p:spPr>
+        <p:txBody>
+          <a:bodyPr wrap="square" rtlCol="0">
+            <a:spAutoFit/>
+          </a:bodyPr>
+          <a:lstStyle/>
+          <a:p>
+            <a:r>
+              <a:rPr lang="en-US" sz="1000" u="sng" dirty="0"/>
+              <a:t>Instructor ID</a:t>
+            </a:r>
+          </a:p>
+        </p:txBody>
+      </p:sp>
+      <p:cxnSp>
+        <p:nvCxnSpPr>
+          <p:cNvPr id="157" name="Straight Connector 156"/>
+          <p:cNvCxnSpPr>
+            <a:stCxn id="187" idx="0"/>
+            <a:endCxn id="143" idx="2"/>
+          </p:cNvCxnSpPr>
+          <p:nvPr/>
+        </p:nvCxnSpPr>
+        <p:spPr>
+          <a:xfrm flipV="1">
+            <a:off x="6494182" y="4889227"/>
+            <a:ext cx="45688" cy="494576"/>
+          </a:xfrm>
+          <a:prstGeom prst="line">
+            <a:avLst/>
+          </a:prstGeom>
+          <a:ln>
+            <a:solidFill>
+              <a:schemeClr val="tx1"/>
+            </a:solidFill>
+          </a:ln>
+        </p:spPr>
+        <p:style>
+          <a:lnRef idx="1">
+            <a:schemeClr val="accent1"/>
+          </a:lnRef>
+          <a:fillRef idx="0">
+            <a:schemeClr val="accent1"/>
+          </a:fillRef>
+          <a:effectRef idx="0">
+            <a:schemeClr val="accent1"/>
+          </a:effectRef>
+          <a:fontRef idx="minor">
+            <a:schemeClr val="tx1"/>
+          </a:fontRef>
+        </p:style>
+      </p:cxnSp>
+      <p:cxnSp>
+        <p:nvCxnSpPr>
+          <p:cNvPr id="168" name="Straight Connector 167"/>
+          <p:cNvCxnSpPr>
+            <a:stCxn id="143" idx="2"/>
+            <a:endCxn id="191" idx="0"/>
+          </p:cNvCxnSpPr>
+          <p:nvPr/>
+        </p:nvCxnSpPr>
+        <p:spPr>
+          <a:xfrm>
+            <a:off x="6539870" y="4889227"/>
+            <a:ext cx="1397451" cy="824145"/>
+          </a:xfrm>
+          <a:prstGeom prst="line">
+            <a:avLst/>
+          </a:prstGeom>
+          <a:ln>
+            <a:solidFill>
+              <a:schemeClr val="tx1"/>
+            </a:solidFill>
+          </a:ln>
+        </p:spPr>
+        <p:style>
+          <a:lnRef idx="1">
+            <a:schemeClr val="accent1"/>
+          </a:lnRef>
+          <a:fillRef idx="0">
+            <a:schemeClr val="accent1"/>
+          </a:fillRef>
+          <a:effectRef idx="0">
+            <a:schemeClr val="accent1"/>
+          </a:effectRef>
+          <a:fontRef idx="minor">
+            <a:schemeClr val="tx1"/>
+          </a:fontRef>
+        </p:style>
+      </p:cxnSp>
+      <p:sp>
+        <p:nvSpPr>
+          <p:cNvPr id="173" name="Oval 172"/>
+          <p:cNvSpPr/>
+          <p:nvPr/>
+        </p:nvSpPr>
+        <p:spPr>
+          <a:xfrm>
+            <a:off x="1207044" y="2394642"/>
+            <a:ext cx="964656" cy="423536"/>
+          </a:xfrm>
+          <a:prstGeom prst="ellipse">
+            <a:avLst/>
+          </a:prstGeom>
+          <a:noFill/>
+          <a:ln w="12700">
+            <a:solidFill>
+              <a:schemeClr val="tx1"/>
+            </a:solidFill>
+          </a:ln>
+        </p:spPr>
+        <p:style>
+          <a:lnRef idx="2">
+            <a:schemeClr val="accent6"/>
+          </a:lnRef>
+          <a:fillRef idx="1">
+            <a:schemeClr val="lt1"/>
+          </a:fillRef>
+          <a:effectRef idx="0">
+            <a:schemeClr val="accent6"/>
+          </a:effectRef>
+          <a:fontRef idx="minor">
+            <a:schemeClr val="dk1"/>
+          </a:fontRef>
+        </p:style>
+        <p:txBody>
+          <a:bodyPr rtlCol="0" anchor="ctr"/>
+          <a:lstStyle/>
+          <a:p>
+            <a:pPr algn="ctr"/>
+            <a:endParaRPr lang="en-US"/>
+          </a:p>
+        </p:txBody>
+      </p:sp>
+      <p:sp>
+        <p:nvSpPr>
+          <p:cNvPr id="176" name="Oval 175"/>
+          <p:cNvSpPr/>
+          <p:nvPr/>
+        </p:nvSpPr>
+        <p:spPr>
+          <a:xfrm>
+            <a:off x="662411" y="3751960"/>
+            <a:ext cx="588623" cy="210439"/>
+          </a:xfrm>
+          <a:prstGeom prst="ellipse">
+            <a:avLst/>
+          </a:prstGeom>
+          <a:noFill/>
+          <a:ln w="12700">
+            <a:solidFill>
+              <a:schemeClr val="tx1"/>
+            </a:solidFill>
+          </a:ln>
+        </p:spPr>
+        <p:style>
+          <a:lnRef idx="2">
+            <a:schemeClr val="accent6"/>
+          </a:lnRef>
+          <a:fillRef idx="1">
+            <a:schemeClr val="lt1"/>
+          </a:fillRef>
+          <a:effectRef idx="0">
+            <a:schemeClr val="accent6"/>
+          </a:effectRef>
+          <a:fontRef idx="minor">
+            <a:schemeClr val="dk1"/>
+          </a:fontRef>
+        </p:style>
+        <p:txBody>
+          <a:bodyPr rtlCol="0" anchor="ctr"/>
+          <a:lstStyle/>
+          <a:p>
+            <a:pPr algn="ctr"/>
+            <a:endParaRPr lang="en-US"/>
+          </a:p>
+        </p:txBody>
+      </p:sp>
+      <p:sp>
+        <p:nvSpPr>
+          <p:cNvPr id="178" name="Oval 177"/>
+          <p:cNvSpPr/>
+          <p:nvPr/>
+        </p:nvSpPr>
+        <p:spPr>
+          <a:xfrm>
+            <a:off x="1100852" y="4004060"/>
+            <a:ext cx="588623" cy="210439"/>
+          </a:xfrm>
+          <a:prstGeom prst="ellipse">
+            <a:avLst/>
+          </a:prstGeom>
+          <a:noFill/>
+          <a:ln w="12700">
+            <a:solidFill>
+              <a:schemeClr val="tx1"/>
+            </a:solidFill>
+          </a:ln>
+        </p:spPr>
+        <p:style>
+          <a:lnRef idx="2">
+            <a:schemeClr val="accent6"/>
+          </a:lnRef>
+          <a:fillRef idx="1">
+            <a:schemeClr val="lt1"/>
+          </a:fillRef>
+          <a:effectRef idx="0">
+            <a:schemeClr val="accent6"/>
+          </a:effectRef>
+          <a:fontRef idx="minor">
+            <a:schemeClr val="dk1"/>
+          </a:fontRef>
+        </p:style>
+        <p:txBody>
+          <a:bodyPr rtlCol="0" anchor="ctr"/>
+          <a:lstStyle/>
+          <a:p>
+            <a:pPr algn="ctr"/>
+            <a:endParaRPr lang="en-US"/>
+          </a:p>
+        </p:txBody>
+      </p:sp>
+      <p:sp>
+        <p:nvSpPr>
+          <p:cNvPr id="179" name="Oval 178"/>
+          <p:cNvSpPr/>
+          <p:nvPr/>
+        </p:nvSpPr>
+        <p:spPr>
+          <a:xfrm>
+            <a:off x="1955379" y="6023385"/>
+            <a:ext cx="967603" cy="239999"/>
+          </a:xfrm>
+          <a:prstGeom prst="ellipse">
+            <a:avLst/>
+          </a:prstGeom>
+          <a:noFill/>
+          <a:ln w="12700">
+            <a:solidFill>
+              <a:schemeClr val="tx1"/>
+            </a:solidFill>
+          </a:ln>
+        </p:spPr>
+        <p:style>
+          <a:lnRef idx="2">
+            <a:schemeClr val="accent6"/>
+          </a:lnRef>
+          <a:fillRef idx="1">
+            <a:schemeClr val="lt1"/>
+          </a:fillRef>
+          <a:effectRef idx="0">
+            <a:schemeClr val="accent6"/>
+          </a:effectRef>
+          <a:fontRef idx="minor">
+            <a:schemeClr val="dk1"/>
+          </a:fontRef>
+        </p:style>
+        <p:txBody>
+          <a:bodyPr rtlCol="0" anchor="ctr"/>
+          <a:lstStyle/>
+          <a:p>
+            <a:pPr algn="ctr"/>
+            <a:endParaRPr lang="en-US"/>
+          </a:p>
+        </p:txBody>
+      </p:sp>
+      <p:sp>
+        <p:nvSpPr>
+          <p:cNvPr id="185" name="Oval 184"/>
+          <p:cNvSpPr/>
+          <p:nvPr/>
+        </p:nvSpPr>
+        <p:spPr>
+          <a:xfrm>
+            <a:off x="4120667" y="697008"/>
+            <a:ext cx="845866" cy="294927"/>
+          </a:xfrm>
+          <a:prstGeom prst="ellipse">
+            <a:avLst/>
+          </a:prstGeom>
+          <a:noFill/>
+          <a:ln w="12700">
+            <a:solidFill>
+              <a:schemeClr val="tx1"/>
+            </a:solidFill>
+          </a:ln>
+        </p:spPr>
+        <p:style>
+          <a:lnRef idx="2">
+            <a:schemeClr val="accent6"/>
+          </a:lnRef>
+          <a:fillRef idx="1">
+            <a:schemeClr val="lt1"/>
+          </a:fillRef>
+          <a:effectRef idx="0">
+            <a:schemeClr val="accent6"/>
+          </a:effectRef>
+          <a:fontRef idx="minor">
+            <a:schemeClr val="dk1"/>
+          </a:fontRef>
+        </p:style>
+        <p:txBody>
+          <a:bodyPr rtlCol="0" anchor="ctr"/>
+          <a:lstStyle/>
+          <a:p>
+            <a:pPr algn="ctr"/>
+            <a:endParaRPr lang="en-US"/>
+          </a:p>
+        </p:txBody>
+      </p:sp>
+      <p:sp>
+        <p:nvSpPr>
+          <p:cNvPr id="187" name="Oval 186"/>
+          <p:cNvSpPr/>
+          <p:nvPr/>
+        </p:nvSpPr>
+        <p:spPr>
+          <a:xfrm>
+            <a:off x="6199870" y="5383803"/>
+            <a:ext cx="588623" cy="210439"/>
+          </a:xfrm>
+          <a:prstGeom prst="ellipse">
+            <a:avLst/>
+          </a:prstGeom>
+          <a:noFill/>
+          <a:ln w="12700">
+            <a:solidFill>
+              <a:schemeClr val="tx1"/>
+            </a:solidFill>
+          </a:ln>
+        </p:spPr>
+        <p:style>
+          <a:lnRef idx="2">
+            <a:schemeClr val="accent6"/>
+          </a:lnRef>
+          <a:fillRef idx="1">
+            <a:schemeClr val="lt1"/>
+          </a:fillRef>
+          <a:effectRef idx="0">
+            <a:schemeClr val="accent6"/>
+          </a:effectRef>
+          <a:fontRef idx="minor">
+            <a:schemeClr val="dk1"/>
+          </a:fontRef>
+        </p:style>
+        <p:txBody>
+          <a:bodyPr rtlCol="0" anchor="ctr"/>
+          <a:lstStyle/>
+          <a:p>
+            <a:pPr algn="ctr"/>
+            <a:endParaRPr lang="en-US"/>
+          </a:p>
+        </p:txBody>
+      </p:sp>
+      <p:sp>
+        <p:nvSpPr>
+          <p:cNvPr id="191" name="Oval 190"/>
+          <p:cNvSpPr/>
+          <p:nvPr/>
+        </p:nvSpPr>
+        <p:spPr>
+          <a:xfrm>
+            <a:off x="7613974" y="5713372"/>
+            <a:ext cx="646694" cy="253271"/>
+          </a:xfrm>
+          <a:prstGeom prst="ellipse">
+            <a:avLst/>
+          </a:prstGeom>
+          <a:noFill/>
+          <a:ln w="12700">
+            <a:solidFill>
+              <a:schemeClr val="tx1"/>
+            </a:solidFill>
+          </a:ln>
+        </p:spPr>
+        <p:style>
+          <a:lnRef idx="2">
+            <a:schemeClr val="accent6"/>
+          </a:lnRef>
+          <a:fillRef idx="1">
+            <a:schemeClr val="lt1"/>
+          </a:fillRef>
+          <a:effectRef idx="0">
+            <a:schemeClr val="accent6"/>
+          </a:effectRef>
+          <a:fontRef idx="minor">
+            <a:schemeClr val="dk1"/>
+          </a:fontRef>
+        </p:style>
+        <p:txBody>
+          <a:bodyPr rtlCol="0" anchor="ctr"/>
+          <a:lstStyle/>
+          <a:p>
+            <a:pPr algn="ctr"/>
+            <a:endParaRPr lang="en-US"/>
+          </a:p>
+        </p:txBody>
+      </p:sp>
+      <p:sp>
+        <p:nvSpPr>
+          <p:cNvPr id="196" name="Oval 195"/>
+          <p:cNvSpPr/>
+          <p:nvPr/>
+        </p:nvSpPr>
+        <p:spPr>
+          <a:xfrm>
+            <a:off x="8127269" y="2797581"/>
+            <a:ext cx="928151" cy="295896"/>
+          </a:xfrm>
+          <a:prstGeom prst="ellipse">
+            <a:avLst/>
+          </a:prstGeom>
+          <a:noFill/>
+          <a:ln w="12700">
+            <a:solidFill>
+              <a:schemeClr val="tx1"/>
+            </a:solidFill>
+          </a:ln>
+        </p:spPr>
+        <p:style>
+          <a:lnRef idx="2">
+            <a:schemeClr val="accent6"/>
+          </a:lnRef>
+          <a:fillRef idx="1">
+            <a:schemeClr val="lt1"/>
+          </a:fillRef>
+          <a:effectRef idx="0">
+            <a:schemeClr val="accent6"/>
+          </a:effectRef>
+          <a:fontRef idx="minor">
+            <a:schemeClr val="dk1"/>
+          </a:fontRef>
+        </p:style>
+        <p:txBody>
+          <a:bodyPr rtlCol="0" anchor="ctr"/>
+          <a:lstStyle/>
+          <a:p>
+            <a:pPr algn="ctr"/>
+            <a:endParaRPr lang="en-US"/>
+          </a:p>
+        </p:txBody>
+      </p:sp>
+      <p:sp>
+        <p:nvSpPr>
+          <p:cNvPr id="197" name="Oval 196"/>
+          <p:cNvSpPr/>
+          <p:nvPr/>
+        </p:nvSpPr>
+        <p:spPr>
+          <a:xfrm>
+            <a:off x="6623066" y="5718719"/>
+            <a:ext cx="928151" cy="295896"/>
+          </a:xfrm>
+          <a:prstGeom prst="ellipse">
+            <a:avLst/>
+          </a:prstGeom>
+          <a:noFill/>
+          <a:ln w="12700">
+            <a:solidFill>
+              <a:schemeClr val="tx1"/>
+            </a:solidFill>
+          </a:ln>
+        </p:spPr>
+        <p:style>
+          <a:lnRef idx="2">
+            <a:schemeClr val="accent6"/>
+          </a:lnRef>
+          <a:fillRef idx="1">
+            <a:schemeClr val="lt1"/>
+          </a:fillRef>
+          <a:effectRef idx="0">
+            <a:schemeClr val="accent6"/>
+          </a:effectRef>
+          <a:fontRef idx="minor">
+            <a:schemeClr val="dk1"/>
+          </a:fontRef>
+        </p:style>
+        <p:txBody>
+          <a:bodyPr rtlCol="0" anchor="ctr"/>
+          <a:lstStyle/>
+          <a:p>
+            <a:pPr algn="ctr"/>
+            <a:endParaRPr lang="en-US"/>
+          </a:p>
+        </p:txBody>
+      </p:sp>
+      <p:sp>
+        <p:nvSpPr>
+          <p:cNvPr id="3" name="流程图: 过程 2"/>
+          <p:cNvSpPr/>
+          <p:nvPr/>
+        </p:nvSpPr>
+        <p:spPr>
+          <a:xfrm>
+            <a:off x="1524000" y="3067267"/>
+            <a:ext cx="1295400" cy="565165"/>
+          </a:xfrm>
+          <a:prstGeom prst="flowChartProcess">
+            <a:avLst/>
+          </a:prstGeom>
+          <a:noFill/>
+          <a:ln>
+            <a:solidFill>
+              <a:schemeClr val="tx1"/>
+            </a:solidFill>
+          </a:ln>
+        </p:spPr>
+        <p:style>
+          <a:lnRef idx="2">
+            <a:schemeClr val="accent1">
+              <a:shade val="50000"/>
+            </a:schemeClr>
+          </a:lnRef>
+          <a:fillRef idx="1">
+            <a:schemeClr val="accent1"/>
+          </a:fillRef>
+          <a:effectRef idx="0">
+            <a:schemeClr val="accent1"/>
+          </a:effectRef>
+          <a:fontRef idx="minor">
+            <a:schemeClr val="lt1"/>
+          </a:fontRef>
+        </p:style>
+        <p:txBody>
+          <a:bodyPr rtlCol="0" anchor="ctr"/>
+          <a:lstStyle/>
+          <a:p>
+            <a:pPr algn="ctr"/>
+            <a:endParaRPr lang="en-US">
+              <a:noFill/>
+            </a:endParaRPr>
+          </a:p>
+        </p:txBody>
+      </p:sp>
+      <p:sp>
+        <p:nvSpPr>
+          <p:cNvPr id="129" name="流程图: 过程 128"/>
+          <p:cNvSpPr/>
+          <p:nvPr/>
+        </p:nvSpPr>
+        <p:spPr>
+          <a:xfrm>
+            <a:off x="3605459" y="5320825"/>
+            <a:ext cx="1295400" cy="565165"/>
+          </a:xfrm>
+          <a:prstGeom prst="flowChartProcess">
+            <a:avLst/>
+          </a:prstGeom>
+          <a:noFill/>
+          <a:ln>
+            <a:solidFill>
+              <a:schemeClr val="tx1"/>
+            </a:solidFill>
+          </a:ln>
+        </p:spPr>
+        <p:style>
+          <a:lnRef idx="2">
+            <a:schemeClr val="accent1">
+              <a:shade val="50000"/>
+            </a:schemeClr>
+          </a:lnRef>
+          <a:fillRef idx="1">
+            <a:schemeClr val="accent1"/>
+          </a:fillRef>
+          <a:effectRef idx="0">
+            <a:schemeClr val="accent1"/>
+          </a:effectRef>
+          <a:fontRef idx="minor">
+            <a:schemeClr val="lt1"/>
+          </a:fontRef>
+        </p:style>
+        <p:txBody>
+          <a:bodyPr rtlCol="0" anchor="ctr"/>
+          <a:lstStyle/>
+          <a:p>
+            <a:pPr algn="ctr"/>
+            <a:endParaRPr lang="en-US">
+              <a:noFill/>
+            </a:endParaRPr>
+          </a:p>
+        </p:txBody>
+      </p:sp>
+      <p:sp>
+        <p:nvSpPr>
+          <p:cNvPr id="130" name="流程图: 过程 129"/>
+          <p:cNvSpPr/>
+          <p:nvPr/>
+        </p:nvSpPr>
+        <p:spPr>
+          <a:xfrm>
+            <a:off x="1082175" y="5051417"/>
+            <a:ext cx="1295400" cy="565165"/>
+          </a:xfrm>
+          <a:prstGeom prst="flowChartProcess">
+            <a:avLst/>
+          </a:prstGeom>
+          <a:noFill/>
+          <a:ln>
+            <a:solidFill>
+              <a:schemeClr val="tx1"/>
+            </a:solidFill>
+          </a:ln>
+        </p:spPr>
+        <p:style>
+          <a:lnRef idx="2">
+            <a:schemeClr val="accent1">
+              <a:shade val="50000"/>
+            </a:schemeClr>
+          </a:lnRef>
+          <a:fillRef idx="1">
+            <a:schemeClr val="accent1"/>
+          </a:fillRef>
+          <a:effectRef idx="0">
+            <a:schemeClr val="accent1"/>
+          </a:effectRef>
+          <a:fontRef idx="minor">
+            <a:schemeClr val="lt1"/>
+          </a:fontRef>
+        </p:style>
+        <p:txBody>
+          <a:bodyPr rtlCol="0" anchor="ctr"/>
+          <a:lstStyle/>
+          <a:p>
+            <a:pPr algn="ctr"/>
+            <a:endParaRPr lang="en-US">
+              <a:noFill/>
+            </a:endParaRPr>
+          </a:p>
+        </p:txBody>
+      </p:sp>
+      <p:sp>
+        <p:nvSpPr>
+          <p:cNvPr id="131" name="流程图: 过程 130"/>
+          <p:cNvSpPr/>
+          <p:nvPr/>
+        </p:nvSpPr>
+        <p:spPr>
+          <a:xfrm>
+            <a:off x="866146" y="612892"/>
+            <a:ext cx="1645055" cy="1021068"/>
+          </a:xfrm>
+          <a:prstGeom prst="flowChartProcess">
+            <a:avLst/>
+          </a:prstGeom>
+          <a:noFill/>
+          <a:ln>
+            <a:solidFill>
+              <a:schemeClr val="tx1"/>
+            </a:solidFill>
+          </a:ln>
+        </p:spPr>
+        <p:style>
+          <a:lnRef idx="2">
+            <a:schemeClr val="accent1">
+              <a:shade val="50000"/>
+            </a:schemeClr>
+          </a:lnRef>
+          <a:fillRef idx="1">
+            <a:schemeClr val="accent1"/>
+          </a:fillRef>
+          <a:effectRef idx="0">
+            <a:schemeClr val="accent1"/>
+          </a:effectRef>
+          <a:fontRef idx="minor">
+            <a:schemeClr val="lt1"/>
+          </a:fontRef>
+        </p:style>
+        <p:txBody>
+          <a:bodyPr rtlCol="0" anchor="ctr"/>
+          <a:lstStyle/>
+          <a:p>
+            <a:pPr algn="ctr"/>
+            <a:endParaRPr lang="en-US">
+              <a:noFill/>
+            </a:endParaRPr>
+          </a:p>
+        </p:txBody>
+      </p:sp>
+      <p:sp>
+        <p:nvSpPr>
+          <p:cNvPr id="132" name="流程图: 过程 131"/>
+          <p:cNvSpPr/>
+          <p:nvPr/>
+        </p:nvSpPr>
+        <p:spPr>
+          <a:xfrm>
+            <a:off x="1082175" y="790815"/>
+            <a:ext cx="1279232" cy="606301"/>
+          </a:xfrm>
+          <a:prstGeom prst="flowChartProcess">
+            <a:avLst/>
+          </a:prstGeom>
+          <a:noFill/>
+          <a:ln>
+            <a:solidFill>
+              <a:schemeClr val="tx1"/>
+            </a:solidFill>
+          </a:ln>
+        </p:spPr>
+        <p:style>
+          <a:lnRef idx="2">
+            <a:schemeClr val="accent1">
+              <a:shade val="50000"/>
+            </a:schemeClr>
+          </a:lnRef>
+          <a:fillRef idx="1">
+            <a:schemeClr val="accent1"/>
+          </a:fillRef>
+          <a:effectRef idx="0">
+            <a:schemeClr val="accent1"/>
+          </a:effectRef>
+          <a:fontRef idx="minor">
+            <a:schemeClr val="lt1"/>
+          </a:fontRef>
+        </p:style>
+        <p:txBody>
+          <a:bodyPr rtlCol="0" anchor="ctr"/>
+          <a:lstStyle/>
+          <a:p>
+            <a:pPr algn="ctr"/>
+            <a:endParaRPr lang="en-US">
+              <a:noFill/>
+            </a:endParaRPr>
+          </a:p>
+        </p:txBody>
+      </p:sp>
+      <p:sp>
+        <p:nvSpPr>
+          <p:cNvPr id="133" name="流程图: 过程 132"/>
+          <p:cNvSpPr/>
+          <p:nvPr/>
+        </p:nvSpPr>
+        <p:spPr>
+          <a:xfrm>
+            <a:off x="4688351" y="1722463"/>
+            <a:ext cx="1295400" cy="565165"/>
+          </a:xfrm>
+          <a:prstGeom prst="flowChartProcess">
+            <a:avLst/>
+          </a:prstGeom>
+          <a:noFill/>
+          <a:ln>
+            <a:solidFill>
+              <a:schemeClr val="tx1"/>
+            </a:solidFill>
+          </a:ln>
+        </p:spPr>
+        <p:style>
+          <a:lnRef idx="2">
+            <a:schemeClr val="accent1">
+              <a:shade val="50000"/>
+            </a:schemeClr>
+          </a:lnRef>
+          <a:fillRef idx="1">
+            <a:schemeClr val="accent1"/>
+          </a:fillRef>
+          <a:effectRef idx="0">
+            <a:schemeClr val="accent1"/>
+          </a:effectRef>
+          <a:fontRef idx="minor">
+            <a:schemeClr val="lt1"/>
+          </a:fontRef>
+        </p:style>
+        <p:txBody>
+          <a:bodyPr rtlCol="0" anchor="ctr"/>
+          <a:lstStyle/>
+          <a:p>
+            <a:pPr algn="ctr"/>
+            <a:endParaRPr lang="en-US">
+              <a:noFill/>
+            </a:endParaRPr>
+          </a:p>
+        </p:txBody>
+      </p:sp>
+      <p:sp>
+        <p:nvSpPr>
+          <p:cNvPr id="136" name="流程图: 过程 135"/>
+          <p:cNvSpPr/>
+          <p:nvPr/>
+        </p:nvSpPr>
+        <p:spPr>
+          <a:xfrm>
+            <a:off x="7110659" y="2044225"/>
+            <a:ext cx="1295400" cy="565165"/>
+          </a:xfrm>
+          <a:prstGeom prst="flowChartProcess">
+            <a:avLst/>
+          </a:prstGeom>
+          <a:noFill/>
+          <a:ln>
+            <a:solidFill>
+              <a:schemeClr val="tx1"/>
+            </a:solidFill>
+          </a:ln>
+        </p:spPr>
+        <p:style>
+          <a:lnRef idx="2">
+            <a:schemeClr val="accent1">
+              <a:shade val="50000"/>
+            </a:schemeClr>
+          </a:lnRef>
+          <a:fillRef idx="1">
+            <a:schemeClr val="accent1"/>
+          </a:fillRef>
+          <a:effectRef idx="0">
+            <a:schemeClr val="accent1"/>
+          </a:effectRef>
+          <a:fontRef idx="minor">
+            <a:schemeClr val="lt1"/>
+          </a:fontRef>
+        </p:style>
+        <p:txBody>
+          <a:bodyPr rtlCol="0" anchor="ctr"/>
+          <a:lstStyle/>
+          <a:p>
+            <a:pPr algn="ctr"/>
+            <a:endParaRPr lang="en-US">
+              <a:noFill/>
+            </a:endParaRPr>
+          </a:p>
+        </p:txBody>
+      </p:sp>
+      <p:sp>
+        <p:nvSpPr>
+          <p:cNvPr id="143" name="流程图: 过程 142"/>
+          <p:cNvSpPr/>
+          <p:nvPr/>
+        </p:nvSpPr>
+        <p:spPr>
+          <a:xfrm>
+            <a:off x="5892170" y="4324062"/>
+            <a:ext cx="1295400" cy="565165"/>
+          </a:xfrm>
+          <a:prstGeom prst="flowChartProcess">
+            <a:avLst/>
+          </a:prstGeom>
+          <a:noFill/>
+          <a:ln>
+            <a:solidFill>
+              <a:schemeClr val="tx1"/>
+            </a:solidFill>
+          </a:ln>
+        </p:spPr>
+        <p:style>
+          <a:lnRef idx="2">
+            <a:schemeClr val="accent1">
+              <a:shade val="50000"/>
+            </a:schemeClr>
+          </a:lnRef>
+          <a:fillRef idx="1">
+            <a:schemeClr val="accent1"/>
+          </a:fillRef>
+          <a:effectRef idx="0">
+            <a:schemeClr val="accent1"/>
+          </a:effectRef>
+          <a:fontRef idx="minor">
+            <a:schemeClr val="lt1"/>
+          </a:fontRef>
+        </p:style>
+        <p:txBody>
+          <a:bodyPr rtlCol="0" anchor="ctr"/>
+          <a:lstStyle/>
+          <a:p>
+            <a:pPr algn="ctr"/>
+            <a:endParaRPr lang="en-US">
+              <a:noFill/>
+            </a:endParaRPr>
+          </a:p>
+        </p:txBody>
+      </p:sp>
+      <p:sp>
+        <p:nvSpPr>
+          <p:cNvPr id="141" name="TextBox 140"/>
+          <p:cNvSpPr txBox="1"/>
+          <p:nvPr/>
+        </p:nvSpPr>
+        <p:spPr>
+          <a:xfrm>
+            <a:off x="384463" y="128907"/>
+            <a:ext cx="808287" cy="246221"/>
+          </a:xfrm>
+          <a:prstGeom prst="rect">
+            <a:avLst/>
+          </a:prstGeom>
+          <a:noFill/>
+        </p:spPr>
+        <p:txBody>
+          <a:bodyPr wrap="square" rtlCol="0">
+            <a:spAutoFit/>
+          </a:bodyPr>
+          <a:lstStyle/>
+          <a:p>
+            <a:r>
+              <a:rPr lang="en-US" sz="1000" smtClean="0"/>
+              <a:t>rateStars</a:t>
+            </a:r>
+            <a:endParaRPr lang="en-US" sz="1000" dirty="0"/>
+          </a:p>
+        </p:txBody>
+      </p:sp>
+      <p:sp>
+        <p:nvSpPr>
+          <p:cNvPr id="145" name="TextBox 144"/>
+          <p:cNvSpPr txBox="1"/>
+          <p:nvPr/>
+        </p:nvSpPr>
+        <p:spPr>
+          <a:xfrm>
+            <a:off x="1733825" y="102488"/>
+            <a:ext cx="808287" cy="246221"/>
+          </a:xfrm>
+          <a:prstGeom prst="rect">
+            <a:avLst/>
+          </a:prstGeom>
+          <a:noFill/>
+        </p:spPr>
+        <p:txBody>
+          <a:bodyPr wrap="square" rtlCol="0">
+            <a:spAutoFit/>
+          </a:bodyPr>
+          <a:lstStyle/>
+          <a:p>
+            <a:r>
+              <a:rPr lang="en-US" sz="1000" dirty="0" smtClean="0"/>
+              <a:t>comments</a:t>
+            </a:r>
+            <a:endParaRPr lang="en-US" sz="1000" dirty="0"/>
+          </a:p>
+        </p:txBody>
+      </p:sp>
+      <p:sp>
+        <p:nvSpPr>
+          <p:cNvPr id="146" name="Oval 145"/>
+          <p:cNvSpPr/>
+          <p:nvPr/>
+        </p:nvSpPr>
+        <p:spPr>
+          <a:xfrm>
+            <a:off x="1580424" y="107133"/>
+            <a:ext cx="967603" cy="239999"/>
+          </a:xfrm>
+          <a:prstGeom prst="ellipse">
+            <a:avLst/>
+          </a:prstGeom>
+          <a:noFill/>
+          <a:ln w="12700">
+            <a:solidFill>
+              <a:schemeClr val="tx1"/>
+            </a:solidFill>
+          </a:ln>
+        </p:spPr>
+        <p:style>
+          <a:lnRef idx="2">
+            <a:schemeClr val="accent6"/>
+          </a:lnRef>
+          <a:fillRef idx="1">
+            <a:schemeClr val="lt1"/>
+          </a:fillRef>
+          <a:effectRef idx="0">
+            <a:schemeClr val="accent6"/>
+          </a:effectRef>
+          <a:fontRef idx="minor">
+            <a:schemeClr val="dk1"/>
+          </a:fontRef>
+        </p:style>
+        <p:txBody>
+          <a:bodyPr rtlCol="0" anchor="ctr"/>
+          <a:lstStyle/>
+          <a:p>
+            <a:pPr algn="ctr"/>
+            <a:endParaRPr lang="en-US"/>
+          </a:p>
+        </p:txBody>
+      </p:sp>
+      <p:sp>
+        <p:nvSpPr>
+          <p:cNvPr id="148" name="Oval 147"/>
+          <p:cNvSpPr/>
+          <p:nvPr/>
+        </p:nvSpPr>
+        <p:spPr>
+          <a:xfrm>
+            <a:off x="200412" y="136049"/>
+            <a:ext cx="967603" cy="239999"/>
+          </a:xfrm>
+          <a:prstGeom prst="ellipse">
+            <a:avLst/>
+          </a:prstGeom>
+          <a:noFill/>
+          <a:ln w="12700">
+            <a:solidFill>
+              <a:schemeClr val="tx1"/>
+            </a:solidFill>
+          </a:ln>
+        </p:spPr>
+        <p:style>
+          <a:lnRef idx="2">
+            <a:schemeClr val="accent6"/>
+          </a:lnRef>
+          <a:fillRef idx="1">
+            <a:schemeClr val="lt1"/>
+          </a:fillRef>
+          <a:effectRef idx="0">
+            <a:schemeClr val="accent6"/>
+          </a:effectRef>
+          <a:fontRef idx="minor">
+            <a:schemeClr val="dk1"/>
+          </a:fontRef>
+        </p:style>
+        <p:txBody>
+          <a:bodyPr rtlCol="0" anchor="ctr"/>
+          <a:lstStyle/>
+          <a:p>
+            <a:pPr algn="ctr"/>
+            <a:endParaRPr lang="en-US"/>
+          </a:p>
+        </p:txBody>
+      </p:sp>
+      <p:cxnSp>
+        <p:nvCxnSpPr>
+          <p:cNvPr id="153" name="Straight Connector 152"/>
+          <p:cNvCxnSpPr>
+            <a:endCxn id="131" idx="0"/>
+          </p:cNvCxnSpPr>
+          <p:nvPr/>
+        </p:nvCxnSpPr>
+        <p:spPr>
+          <a:xfrm>
+            <a:off x="654440" y="374384"/>
+            <a:ext cx="1034234" cy="238508"/>
+          </a:xfrm>
+          <a:prstGeom prst="line">
+            <a:avLst/>
+          </a:prstGeom>
+          <a:ln>
+            <a:solidFill>
+              <a:schemeClr val="tx1"/>
+            </a:solidFill>
+          </a:ln>
+        </p:spPr>
+        <p:style>
+          <a:lnRef idx="1">
+            <a:schemeClr val="accent1"/>
+          </a:lnRef>
+          <a:fillRef idx="0">
+            <a:schemeClr val="accent1"/>
+          </a:fillRef>
+          <a:effectRef idx="0">
+            <a:schemeClr val="accent1"/>
+          </a:effectRef>
+          <a:fontRef idx="minor">
+            <a:schemeClr val="tx1"/>
+          </a:fontRef>
+        </p:style>
+      </p:cxnSp>
+      <p:cxnSp>
+        <p:nvCxnSpPr>
+          <p:cNvPr id="154" name="Straight Connector 153"/>
+          <p:cNvCxnSpPr>
+            <a:endCxn id="131" idx="0"/>
+          </p:cNvCxnSpPr>
+          <p:nvPr/>
+        </p:nvCxnSpPr>
+        <p:spPr>
+          <a:xfrm flipH="1">
+            <a:off x="1688674" y="361056"/>
+            <a:ext cx="350811" cy="251836"/>
+          </a:xfrm>
+          <a:prstGeom prst="line">
+            <a:avLst/>
+          </a:prstGeom>
+          <a:ln>
+            <a:solidFill>
+              <a:schemeClr val="tx1"/>
+            </a:solidFill>
+          </a:ln>
+        </p:spPr>
+        <p:style>
+          <a:lnRef idx="1">
+            <a:schemeClr val="accent1"/>
+          </a:lnRef>
+          <a:fillRef idx="0">
+            <a:schemeClr val="accent1"/>
+          </a:fillRef>
+          <a:effectRef idx="0">
+            <a:schemeClr val="accent1"/>
+          </a:effectRef>
+          <a:fontRef idx="minor">
+            <a:schemeClr val="tx1"/>
+          </a:fontRef>
+        </p:style>
+      </p:cxnSp>
+      <p:sp>
+        <p:nvSpPr>
+          <p:cNvPr id="18" name="TextBox 17"/>
+          <p:cNvSpPr txBox="1"/>
+          <p:nvPr/>
+        </p:nvSpPr>
+        <p:spPr>
+          <a:xfrm>
+            <a:off x="104388" y="5457109"/>
+            <a:ext cx="609041" cy="261610"/>
+          </a:xfrm>
+          <a:prstGeom prst="rect">
+            <a:avLst/>
+          </a:prstGeom>
+          <a:noFill/>
+        </p:spPr>
+        <p:txBody>
+          <a:bodyPr wrap="square" rtlCol="0">
+            <a:spAutoFit/>
+          </a:bodyPr>
+          <a:lstStyle/>
+          <a:p>
+            <a:r>
+              <a:rPr lang="en-US" sz="1100" dirty="0" smtClean="0"/>
+              <a:t>cvv</a:t>
+            </a:r>
+            <a:endParaRPr lang="en-US" sz="1100" dirty="0"/>
+          </a:p>
+        </p:txBody>
+      </p:sp>
+      <p:sp>
+        <p:nvSpPr>
+          <p:cNvPr id="156" name="TextBox 155"/>
+          <p:cNvSpPr txBox="1"/>
+          <p:nvPr/>
+        </p:nvSpPr>
+        <p:spPr>
+          <a:xfrm>
+            <a:off x="1259413" y="6168342"/>
+            <a:ext cx="609041" cy="261610"/>
+          </a:xfrm>
+          <a:prstGeom prst="rect">
+            <a:avLst/>
+          </a:prstGeom>
+          <a:noFill/>
+        </p:spPr>
+        <p:txBody>
+          <a:bodyPr wrap="square" rtlCol="0">
+            <a:spAutoFit/>
+          </a:bodyPr>
+          <a:lstStyle/>
+          <a:p>
+            <a:r>
+              <a:rPr lang="en-US" sz="1100" u="sng" dirty="0" smtClean="0"/>
+              <a:t>cardNo</a:t>
+            </a:r>
+            <a:endParaRPr lang="en-US" sz="1100" u="sng" dirty="0"/>
+          </a:p>
+        </p:txBody>
+      </p:sp>
+      <p:sp>
+        <p:nvSpPr>
+          <p:cNvPr id="158" name="TextBox 157"/>
+          <p:cNvSpPr txBox="1"/>
+          <p:nvPr/>
+        </p:nvSpPr>
+        <p:spPr>
+          <a:xfrm>
+            <a:off x="2074836" y="6003124"/>
+            <a:ext cx="755870" cy="261610"/>
+          </a:xfrm>
+          <a:prstGeom prst="rect">
+            <a:avLst/>
+          </a:prstGeom>
+          <a:noFill/>
+        </p:spPr>
+        <p:txBody>
+          <a:bodyPr wrap="square" rtlCol="0">
+            <a:spAutoFit/>
+          </a:bodyPr>
+          <a:lstStyle/>
+          <a:p>
+            <a:r>
+              <a:rPr lang="en-US" sz="1100" dirty="0" smtClean="0"/>
+              <a:t>expDate</a:t>
+            </a:r>
+            <a:endParaRPr lang="en-US" sz="1100" dirty="0"/>
+          </a:p>
+        </p:txBody>
+      </p:sp>
+      <p:sp>
+        <p:nvSpPr>
+          <p:cNvPr id="160" name="TextBox 159"/>
+          <p:cNvSpPr txBox="1"/>
+          <p:nvPr/>
+        </p:nvSpPr>
+        <p:spPr>
+          <a:xfrm>
+            <a:off x="117321" y="6044193"/>
+            <a:ext cx="985442" cy="261610"/>
+          </a:xfrm>
+          <a:prstGeom prst="rect">
+            <a:avLst/>
+          </a:prstGeom>
+          <a:noFill/>
+        </p:spPr>
+        <p:txBody>
+          <a:bodyPr wrap="square" rtlCol="0">
+            <a:spAutoFit/>
+          </a:bodyPr>
+          <a:lstStyle/>
+          <a:p>
+            <a:r>
+              <a:rPr lang="en-US" sz="1100" smtClean="0"/>
+              <a:t>nameOnCard</a:t>
+            </a:r>
+            <a:endParaRPr lang="en-US" sz="1100" dirty="0"/>
+          </a:p>
+        </p:txBody>
+      </p:sp>
+      <p:sp>
+        <p:nvSpPr>
+          <p:cNvPr id="162" name="Oval 161"/>
+          <p:cNvSpPr/>
+          <p:nvPr/>
+        </p:nvSpPr>
+        <p:spPr>
+          <a:xfrm>
+            <a:off x="1107470" y="6208186"/>
+            <a:ext cx="967603" cy="239999"/>
+          </a:xfrm>
+          <a:prstGeom prst="ellipse">
+            <a:avLst/>
+          </a:prstGeom>
+          <a:noFill/>
+          <a:ln w="12700">
+            <a:solidFill>
+              <a:schemeClr val="tx1"/>
+            </a:solidFill>
+          </a:ln>
+        </p:spPr>
+        <p:style>
+          <a:lnRef idx="2">
+            <a:schemeClr val="accent6"/>
+          </a:lnRef>
+          <a:fillRef idx="1">
+            <a:schemeClr val="lt1"/>
+          </a:fillRef>
+          <a:effectRef idx="0">
+            <a:schemeClr val="accent6"/>
+          </a:effectRef>
+          <a:fontRef idx="minor">
+            <a:schemeClr val="dk1"/>
+          </a:fontRef>
+        </p:style>
+        <p:txBody>
+          <a:bodyPr rtlCol="0" anchor="ctr"/>
+          <a:lstStyle/>
+          <a:p>
+            <a:pPr algn="ctr"/>
+            <a:endParaRPr lang="en-US"/>
+          </a:p>
+        </p:txBody>
+      </p:sp>
+      <p:sp>
+        <p:nvSpPr>
+          <p:cNvPr id="164" name="Oval 163"/>
+          <p:cNvSpPr/>
+          <p:nvPr/>
+        </p:nvSpPr>
+        <p:spPr>
+          <a:xfrm>
+            <a:off x="56624" y="5443250"/>
+            <a:ext cx="503573" cy="262530"/>
+          </a:xfrm>
+          <a:prstGeom prst="ellipse">
+            <a:avLst/>
+          </a:prstGeom>
+          <a:noFill/>
+          <a:ln w="12700">
+            <a:solidFill>
+              <a:schemeClr val="tx1"/>
+            </a:solidFill>
+          </a:ln>
+        </p:spPr>
+        <p:style>
+          <a:lnRef idx="2">
+            <a:schemeClr val="accent6"/>
+          </a:lnRef>
+          <a:fillRef idx="1">
+            <a:schemeClr val="lt1"/>
+          </a:fillRef>
+          <a:effectRef idx="0">
+            <a:schemeClr val="accent6"/>
+          </a:effectRef>
+          <a:fontRef idx="minor">
+            <a:schemeClr val="dk1"/>
+          </a:fontRef>
+        </p:style>
+        <p:txBody>
+          <a:bodyPr rtlCol="0" anchor="ctr"/>
+          <a:lstStyle/>
+          <a:p>
+            <a:pPr algn="ctr"/>
+            <a:endParaRPr lang="en-US"/>
+          </a:p>
+        </p:txBody>
+      </p:sp>
+      <p:sp>
+        <p:nvSpPr>
+          <p:cNvPr id="166" name="Oval 165"/>
+          <p:cNvSpPr/>
+          <p:nvPr/>
+        </p:nvSpPr>
+        <p:spPr>
+          <a:xfrm>
+            <a:off x="138674" y="6052597"/>
+            <a:ext cx="967603" cy="239999"/>
+          </a:xfrm>
+          <a:prstGeom prst="ellipse">
+            <a:avLst/>
+          </a:prstGeom>
+          <a:noFill/>
+          <a:ln w="12700">
+            <a:solidFill>
+              <a:schemeClr val="tx1"/>
+            </a:solidFill>
+          </a:ln>
+        </p:spPr>
+        <p:style>
+          <a:lnRef idx="2">
+            <a:schemeClr val="accent6"/>
+          </a:lnRef>
+          <a:fillRef idx="1">
+            <a:schemeClr val="lt1"/>
+          </a:fillRef>
+          <a:effectRef idx="0">
+            <a:schemeClr val="accent6"/>
+          </a:effectRef>
+          <a:fontRef idx="minor">
+            <a:schemeClr val="dk1"/>
+          </a:fontRef>
+        </p:style>
+        <p:txBody>
+          <a:bodyPr rtlCol="0" anchor="ctr"/>
+          <a:lstStyle/>
+          <a:p>
+            <a:pPr algn="ctr"/>
+            <a:endParaRPr lang="en-US"/>
+          </a:p>
+        </p:txBody>
+      </p:sp>
+      <p:sp>
+        <p:nvSpPr>
+          <p:cNvPr id="167" name="Oval 166"/>
+          <p:cNvSpPr/>
+          <p:nvPr/>
+        </p:nvSpPr>
+        <p:spPr>
+          <a:xfrm>
+            <a:off x="2596479" y="4386794"/>
+            <a:ext cx="967603" cy="239999"/>
+          </a:xfrm>
+          <a:prstGeom prst="ellipse">
+            <a:avLst/>
+          </a:prstGeom>
+          <a:noFill/>
+          <a:ln w="12700">
+            <a:solidFill>
+              <a:schemeClr val="tx1"/>
+            </a:solidFill>
+          </a:ln>
+        </p:spPr>
+        <p:style>
+          <a:lnRef idx="2">
+            <a:schemeClr val="accent6"/>
+          </a:lnRef>
+          <a:fillRef idx="1">
+            <a:schemeClr val="lt1"/>
+          </a:fillRef>
+          <a:effectRef idx="0">
+            <a:schemeClr val="accent6"/>
+          </a:effectRef>
+          <a:fontRef idx="minor">
+            <a:schemeClr val="dk1"/>
+          </a:fontRef>
+        </p:style>
+        <p:txBody>
+          <a:bodyPr rtlCol="0" anchor="ctr"/>
+          <a:lstStyle/>
+          <a:p>
+            <a:pPr algn="ctr"/>
+            <a:endParaRPr lang="en-US"/>
+          </a:p>
+        </p:txBody>
+      </p:sp>
+      <p:cxnSp>
+        <p:nvCxnSpPr>
+          <p:cNvPr id="169" name="Straight Connector 168"/>
+          <p:cNvCxnSpPr>
+            <a:endCxn id="81" idx="1"/>
+          </p:cNvCxnSpPr>
+          <p:nvPr/>
+        </p:nvCxnSpPr>
+        <p:spPr>
+          <a:xfrm flipV="1">
+            <a:off x="524094" y="5334001"/>
+            <a:ext cx="571522" cy="191578"/>
+          </a:xfrm>
+          <a:prstGeom prst="line">
+            <a:avLst/>
+          </a:prstGeom>
+          <a:ln>
+            <a:solidFill>
+              <a:schemeClr val="tx1"/>
+            </a:solidFill>
+          </a:ln>
+        </p:spPr>
+        <p:style>
+          <a:lnRef idx="1">
+            <a:schemeClr val="accent1"/>
+          </a:lnRef>
+          <a:fillRef idx="0">
+            <a:schemeClr val="accent1"/>
+          </a:fillRef>
+          <a:effectRef idx="0">
+            <a:schemeClr val="accent1"/>
+          </a:effectRef>
+          <a:fontRef idx="minor">
+            <a:schemeClr val="tx1"/>
+          </a:fontRef>
+        </p:style>
+      </p:cxnSp>
+      <p:cxnSp>
+        <p:nvCxnSpPr>
+          <p:cNvPr id="170" name="Straight Connector 169"/>
+          <p:cNvCxnSpPr>
+            <a:endCxn id="130" idx="2"/>
+          </p:cNvCxnSpPr>
+          <p:nvPr/>
+        </p:nvCxnSpPr>
+        <p:spPr>
+          <a:xfrm flipV="1">
+            <a:off x="674961" y="5616582"/>
+            <a:ext cx="1054914" cy="436016"/>
+          </a:xfrm>
+          <a:prstGeom prst="line">
+            <a:avLst/>
+          </a:prstGeom>
+          <a:ln>
+            <a:solidFill>
+              <a:schemeClr val="tx1"/>
+            </a:solidFill>
+          </a:ln>
+        </p:spPr>
+        <p:style>
+          <a:lnRef idx="1">
+            <a:schemeClr val="accent1"/>
+          </a:lnRef>
+          <a:fillRef idx="0">
+            <a:schemeClr val="accent1"/>
+          </a:fillRef>
+          <a:effectRef idx="0">
+            <a:schemeClr val="accent1"/>
+          </a:effectRef>
+          <a:fontRef idx="minor">
+            <a:schemeClr val="tx1"/>
+          </a:fontRef>
+        </p:style>
+      </p:cxnSp>
+      <p:cxnSp>
+        <p:nvCxnSpPr>
+          <p:cNvPr id="171" name="Straight Connector 170"/>
+          <p:cNvCxnSpPr>
+            <a:endCxn id="130" idx="2"/>
+          </p:cNvCxnSpPr>
+          <p:nvPr/>
+        </p:nvCxnSpPr>
+        <p:spPr>
+          <a:xfrm flipV="1">
+            <a:off x="1588878" y="5616582"/>
+            <a:ext cx="140997" cy="562271"/>
+          </a:xfrm>
+          <a:prstGeom prst="line">
+            <a:avLst/>
+          </a:prstGeom>
+          <a:ln>
+            <a:solidFill>
+              <a:schemeClr val="tx1"/>
+            </a:solidFill>
+          </a:ln>
+        </p:spPr>
+        <p:style>
+          <a:lnRef idx="1">
+            <a:schemeClr val="accent1"/>
+          </a:lnRef>
+          <a:fillRef idx="0">
+            <a:schemeClr val="accent1"/>
+          </a:fillRef>
+          <a:effectRef idx="0">
+            <a:schemeClr val="accent1"/>
+          </a:effectRef>
+          <a:fontRef idx="minor">
+            <a:schemeClr val="tx1"/>
+          </a:fontRef>
+        </p:style>
+      </p:cxnSp>
+      <p:cxnSp>
+        <p:nvCxnSpPr>
+          <p:cNvPr id="172" name="Straight Connector 171"/>
+          <p:cNvCxnSpPr>
+            <a:endCxn id="130" idx="2"/>
+          </p:cNvCxnSpPr>
+          <p:nvPr/>
+        </p:nvCxnSpPr>
+        <p:spPr>
+          <a:xfrm flipH="1" flipV="1">
+            <a:off x="1729875" y="5616582"/>
+            <a:ext cx="675357" cy="412928"/>
+          </a:xfrm>
+          <a:prstGeom prst="line">
+            <a:avLst/>
+          </a:prstGeom>
+          <a:ln>
+            <a:solidFill>
+              <a:schemeClr val="tx1"/>
+            </a:solidFill>
+          </a:ln>
+        </p:spPr>
+        <p:style>
+          <a:lnRef idx="1">
+            <a:schemeClr val="accent1"/>
+          </a:lnRef>
+          <a:fillRef idx="0">
+            <a:schemeClr val="accent1"/>
+          </a:fillRef>
+          <a:effectRef idx="0">
+            <a:schemeClr val="accent1"/>
+          </a:effectRef>
+          <a:fontRef idx="minor">
+            <a:schemeClr val="tx1"/>
+          </a:fontRef>
+        </p:style>
+      </p:cxnSp>
+      <p:sp>
+        <p:nvSpPr>
+          <p:cNvPr id="175" name="TextBox 174"/>
+          <p:cNvSpPr txBox="1"/>
+          <p:nvPr/>
+        </p:nvSpPr>
+        <p:spPr>
+          <a:xfrm>
+            <a:off x="3068782" y="6405941"/>
+            <a:ext cx="990600" cy="261610"/>
+          </a:xfrm>
+          <a:prstGeom prst="rect">
+            <a:avLst/>
+          </a:prstGeom>
+          <a:noFill/>
+        </p:spPr>
+        <p:txBody>
+          <a:bodyPr wrap="square" rtlCol="0">
+            <a:spAutoFit/>
+          </a:bodyPr>
+          <a:lstStyle/>
+          <a:p>
+            <a:r>
+              <a:rPr lang="en-US" sz="1100" u="sng" dirty="0" smtClean="0"/>
+              <a:t>transactionID</a:t>
+            </a:r>
+            <a:endParaRPr lang="en-US" sz="1100" u="sng" dirty="0"/>
+          </a:p>
+        </p:txBody>
+      </p:sp>
+      <p:sp>
+        <p:nvSpPr>
+          <p:cNvPr id="177" name="TextBox 176"/>
+          <p:cNvSpPr txBox="1"/>
+          <p:nvPr/>
+        </p:nvSpPr>
+        <p:spPr>
+          <a:xfrm>
+            <a:off x="4349530" y="6369339"/>
+            <a:ext cx="1239628" cy="261610"/>
+          </a:xfrm>
+          <a:prstGeom prst="rect">
+            <a:avLst/>
+          </a:prstGeom>
+          <a:noFill/>
+        </p:spPr>
+        <p:txBody>
+          <a:bodyPr wrap="square" rtlCol="0">
+            <a:spAutoFit/>
+          </a:bodyPr>
+          <a:lstStyle/>
+          <a:p>
+            <a:r>
+              <a:rPr lang="en-US" sz="1100" smtClean="0"/>
+              <a:t>transactionStatus</a:t>
+            </a:r>
+            <a:endParaRPr lang="en-US" sz="1100" dirty="0"/>
+          </a:p>
+        </p:txBody>
+      </p:sp>
+      <p:sp>
+        <p:nvSpPr>
+          <p:cNvPr id="193" name="Oval 192"/>
+          <p:cNvSpPr/>
+          <p:nvPr/>
+        </p:nvSpPr>
+        <p:spPr>
+          <a:xfrm>
+            <a:off x="3068782" y="6426382"/>
+            <a:ext cx="967603" cy="239999"/>
+          </a:xfrm>
+          <a:prstGeom prst="ellipse">
+            <a:avLst/>
+          </a:prstGeom>
+          <a:noFill/>
+          <a:ln w="12700">
+            <a:solidFill>
+              <a:schemeClr val="tx1"/>
+            </a:solidFill>
+          </a:ln>
+        </p:spPr>
+        <p:style>
+          <a:lnRef idx="2">
+            <a:schemeClr val="accent6"/>
+          </a:lnRef>
+          <a:fillRef idx="1">
+            <a:schemeClr val="lt1"/>
+          </a:fillRef>
+          <a:effectRef idx="0">
+            <a:schemeClr val="accent6"/>
+          </a:effectRef>
+          <a:fontRef idx="minor">
+            <a:schemeClr val="dk1"/>
+          </a:fontRef>
+        </p:style>
+        <p:txBody>
+          <a:bodyPr rtlCol="0" anchor="ctr"/>
+          <a:lstStyle/>
+          <a:p>
+            <a:pPr algn="ctr"/>
+            <a:endParaRPr lang="en-US"/>
+          </a:p>
+        </p:txBody>
+      </p:sp>
+      <p:sp>
+        <p:nvSpPr>
+          <p:cNvPr id="194" name="Oval 193"/>
+          <p:cNvSpPr/>
+          <p:nvPr/>
+        </p:nvSpPr>
+        <p:spPr>
+          <a:xfrm>
+            <a:off x="4287713" y="6346448"/>
+            <a:ext cx="1278938" cy="307391"/>
+          </a:xfrm>
+          <a:prstGeom prst="ellipse">
+            <a:avLst/>
+          </a:prstGeom>
+          <a:noFill/>
+          <a:ln w="12700">
+            <a:solidFill>
+              <a:schemeClr val="tx1"/>
+            </a:solidFill>
+          </a:ln>
+        </p:spPr>
+        <p:style>
+          <a:lnRef idx="2">
+            <a:schemeClr val="accent6"/>
+          </a:lnRef>
+          <a:fillRef idx="1">
+            <a:schemeClr val="lt1"/>
+          </a:fillRef>
+          <a:effectRef idx="0">
+            <a:schemeClr val="accent6"/>
+          </a:effectRef>
+          <a:fontRef idx="minor">
+            <a:schemeClr val="dk1"/>
+          </a:fontRef>
+        </p:style>
+        <p:txBody>
+          <a:bodyPr rtlCol="0" anchor="ctr"/>
+          <a:lstStyle/>
+          <a:p>
+            <a:pPr algn="ctr"/>
+            <a:endParaRPr lang="en-US"/>
+          </a:p>
+        </p:txBody>
+      </p:sp>
+      <p:cxnSp>
+        <p:nvCxnSpPr>
+          <p:cNvPr id="195" name="Straight Connector 194"/>
+          <p:cNvCxnSpPr>
+            <a:endCxn id="129" idx="2"/>
+          </p:cNvCxnSpPr>
+          <p:nvPr/>
+        </p:nvCxnSpPr>
+        <p:spPr>
+          <a:xfrm flipV="1">
+            <a:off x="3620293" y="5885990"/>
+            <a:ext cx="632866" cy="528648"/>
+          </a:xfrm>
+          <a:prstGeom prst="line">
+            <a:avLst/>
+          </a:prstGeom>
+          <a:ln>
+            <a:solidFill>
+              <a:schemeClr val="tx1"/>
+            </a:solidFill>
+          </a:ln>
+        </p:spPr>
+        <p:style>
+          <a:lnRef idx="1">
+            <a:schemeClr val="accent1"/>
+          </a:lnRef>
+          <a:fillRef idx="0">
+            <a:schemeClr val="accent1"/>
+          </a:fillRef>
+          <a:effectRef idx="0">
+            <a:schemeClr val="accent1"/>
+          </a:effectRef>
+          <a:fontRef idx="minor">
+            <a:schemeClr val="tx1"/>
+          </a:fontRef>
+        </p:style>
+      </p:cxnSp>
+      <p:cxnSp>
+        <p:nvCxnSpPr>
+          <p:cNvPr id="200" name="Straight Connector 199"/>
+          <p:cNvCxnSpPr>
+            <a:endCxn id="129" idx="2"/>
+          </p:cNvCxnSpPr>
+          <p:nvPr/>
+        </p:nvCxnSpPr>
+        <p:spPr>
+          <a:xfrm flipH="1" flipV="1">
+            <a:off x="4253159" y="5885990"/>
+            <a:ext cx="640230" cy="446675"/>
+          </a:xfrm>
+          <a:prstGeom prst="line">
+            <a:avLst/>
+          </a:prstGeom>
+          <a:ln>
+            <a:solidFill>
+              <a:schemeClr val="tx1"/>
+            </a:solidFill>
+          </a:ln>
+        </p:spPr>
+        <p:style>
+          <a:lnRef idx="1">
+            <a:schemeClr val="accent1"/>
+          </a:lnRef>
+          <a:fillRef idx="0">
+            <a:schemeClr val="accent1"/>
+          </a:fillRef>
+          <a:effectRef idx="0">
+            <a:schemeClr val="accent1"/>
+          </a:effectRef>
+          <a:fontRef idx="minor">
+            <a:schemeClr val="tx1"/>
+          </a:fontRef>
+        </p:style>
+      </p:cxnSp>
+      <p:sp>
+        <p:nvSpPr>
+          <p:cNvPr id="201" name="TextBox 200"/>
+          <p:cNvSpPr txBox="1"/>
+          <p:nvPr/>
+        </p:nvSpPr>
+        <p:spPr>
+          <a:xfrm>
+            <a:off x="5181600" y="5978522"/>
+            <a:ext cx="990600" cy="261610"/>
+          </a:xfrm>
+          <a:prstGeom prst="rect">
+            <a:avLst/>
+          </a:prstGeom>
+          <a:noFill/>
+        </p:spPr>
+        <p:txBody>
+          <a:bodyPr wrap="square" rtlCol="0">
+            <a:spAutoFit/>
+          </a:bodyPr>
+          <a:lstStyle/>
+          <a:p>
+            <a:r>
+              <a:rPr lang="en-US" sz="1100" dirty="0" smtClean="0"/>
+              <a:t>timeStamp</a:t>
+            </a:r>
+            <a:endParaRPr lang="en-US" sz="1100" dirty="0"/>
+          </a:p>
+        </p:txBody>
+      </p:sp>
+      <p:sp>
+        <p:nvSpPr>
+          <p:cNvPr id="202" name="Oval 201"/>
+          <p:cNvSpPr/>
+          <p:nvPr/>
+        </p:nvSpPr>
+        <p:spPr>
+          <a:xfrm>
+            <a:off x="5101632" y="5968987"/>
+            <a:ext cx="967603" cy="239999"/>
+          </a:xfrm>
+          <a:prstGeom prst="ellipse">
+            <a:avLst/>
+          </a:prstGeom>
+          <a:noFill/>
+          <a:ln w="12700">
+            <a:solidFill>
+              <a:schemeClr val="tx1"/>
+            </a:solidFill>
+          </a:ln>
+        </p:spPr>
+        <p:style>
+          <a:lnRef idx="2">
+            <a:schemeClr val="accent6"/>
+          </a:lnRef>
+          <a:fillRef idx="1">
+            <a:schemeClr val="lt1"/>
+          </a:fillRef>
+          <a:effectRef idx="0">
+            <a:schemeClr val="accent6"/>
+          </a:effectRef>
+          <a:fontRef idx="minor">
+            <a:schemeClr val="dk1"/>
+          </a:fontRef>
+        </p:style>
+        <p:txBody>
+          <a:bodyPr rtlCol="0" anchor="ctr"/>
+          <a:lstStyle/>
+          <a:p>
+            <a:pPr algn="ctr"/>
+            <a:endParaRPr lang="en-US"/>
+          </a:p>
+        </p:txBody>
+      </p:sp>
+      <p:cxnSp>
+        <p:nvCxnSpPr>
+          <p:cNvPr id="203" name="Straight Connector 202"/>
+          <p:cNvCxnSpPr>
+            <a:stCxn id="129" idx="2"/>
+            <a:endCxn id="202" idx="2"/>
+          </p:cNvCxnSpPr>
+          <p:nvPr/>
+        </p:nvCxnSpPr>
+        <p:spPr>
+          <a:xfrm>
+            <a:off x="4253159" y="5885990"/>
+            <a:ext cx="848473" cy="202997"/>
+          </a:xfrm>
+          <a:prstGeom prst="line">
+            <a:avLst/>
+          </a:prstGeom>
+          <a:ln>
+            <a:solidFill>
+              <a:schemeClr val="tx1"/>
+            </a:solidFill>
+          </a:ln>
+        </p:spPr>
+        <p:style>
+          <a:lnRef idx="1">
+            <a:schemeClr val="accent1"/>
+          </a:lnRef>
+          <a:fillRef idx="0">
+            <a:schemeClr val="accent1"/>
+          </a:fillRef>
+          <a:effectRef idx="0">
+            <a:schemeClr val="accent1"/>
+          </a:effectRef>
+          <a:fontRef idx="minor">
+            <a:schemeClr val="tx1"/>
+          </a:fontRef>
+        </p:style>
+      </p:cxnSp>
+      <p:sp>
+        <p:nvSpPr>
+          <p:cNvPr id="205" name="TextBox 204"/>
+          <p:cNvSpPr txBox="1"/>
+          <p:nvPr/>
+        </p:nvSpPr>
+        <p:spPr>
+          <a:xfrm>
+            <a:off x="4894411" y="366671"/>
+            <a:ext cx="710807" cy="246221"/>
+          </a:xfrm>
+          <a:prstGeom prst="rect">
+            <a:avLst/>
+          </a:prstGeom>
+          <a:noFill/>
+        </p:spPr>
+        <p:txBody>
+          <a:bodyPr wrap="square" rtlCol="0">
+            <a:spAutoFit/>
+          </a:bodyPr>
+          <a:lstStyle/>
+          <a:p>
+            <a:r>
+              <a:rPr lang="en-US" sz="1000" dirty="0"/>
+              <a:t>Overview</a:t>
+            </a:r>
+          </a:p>
+        </p:txBody>
+      </p:sp>
+      <p:sp>
+        <p:nvSpPr>
+          <p:cNvPr id="123" name="Rectangle 122"/>
+          <p:cNvSpPr/>
+          <p:nvPr/>
+        </p:nvSpPr>
+        <p:spPr>
+          <a:xfrm>
+            <a:off x="5885907" y="294030"/>
+            <a:ext cx="688009" cy="261610"/>
+          </a:xfrm>
+          <a:prstGeom prst="rect">
+            <a:avLst/>
+          </a:prstGeom>
+        </p:spPr>
+        <p:txBody>
+          <a:bodyPr wrap="none">
+            <a:spAutoFit/>
+          </a:bodyPr>
+          <a:lstStyle/>
+          <a:p>
+            <a:r>
+              <a:rPr lang="en-US" sz="1100" dirty="0"/>
+              <a:t>Duration</a:t>
+            </a:r>
+          </a:p>
+        </p:txBody>
+      </p:sp>
+      <p:sp>
+        <p:nvSpPr>
+          <p:cNvPr id="124" name="Rectangle 123"/>
+          <p:cNvSpPr/>
+          <p:nvPr/>
+        </p:nvSpPr>
+        <p:spPr>
+          <a:xfrm>
+            <a:off x="6457428" y="598251"/>
+            <a:ext cx="668773" cy="246221"/>
+          </a:xfrm>
+          <a:prstGeom prst="rect">
+            <a:avLst/>
+          </a:prstGeom>
+        </p:spPr>
+        <p:txBody>
+          <a:bodyPr wrap="none">
+            <a:spAutoFit/>
+          </a:bodyPr>
+          <a:lstStyle/>
+          <a:p>
+            <a:r>
+              <a:rPr lang="en-US" sz="1000" dirty="0">
+                <a:solidFill>
+                  <a:srgbClr val="454545"/>
+                </a:solidFill>
+                <a:latin typeface="Helvetica" charset="0"/>
+              </a:rPr>
+              <a:t>Difficulty</a:t>
+            </a:r>
+            <a:endParaRPr lang="en-US" sz="1000" dirty="0">
+              <a:solidFill>
+                <a:srgbClr val="454545"/>
+              </a:solidFill>
+              <a:effectLst/>
+              <a:latin typeface="Helvetica" charset="0"/>
+            </a:endParaRPr>
+          </a:p>
+        </p:txBody>
+      </p:sp>
+      <p:cxnSp>
+        <p:nvCxnSpPr>
+          <p:cNvPr id="206" name="Straight Connector 205"/>
+          <p:cNvCxnSpPr>
+            <a:stCxn id="23" idx="2"/>
+            <a:endCxn id="143" idx="0"/>
+          </p:cNvCxnSpPr>
+          <p:nvPr/>
+        </p:nvCxnSpPr>
+        <p:spPr>
+          <a:xfrm flipH="1">
+            <a:off x="6539870" y="3829486"/>
+            <a:ext cx="46382" cy="494576"/>
+          </a:xfrm>
+          <a:prstGeom prst="line">
+            <a:avLst/>
+          </a:prstGeom>
+          <a:ln>
+            <a:solidFill>
+              <a:schemeClr val="tx1"/>
+            </a:solidFill>
+          </a:ln>
+        </p:spPr>
+        <p:style>
+          <a:lnRef idx="1">
+            <a:schemeClr val="accent1"/>
+          </a:lnRef>
+          <a:fillRef idx="0">
+            <a:schemeClr val="accent1"/>
+          </a:fillRef>
+          <a:effectRef idx="0">
+            <a:schemeClr val="accent1"/>
+          </a:effectRef>
+          <a:fontRef idx="minor">
+            <a:schemeClr val="tx1"/>
+          </a:fontRef>
+        </p:style>
+      </p:cxnSp>
+      <p:sp>
+        <p:nvSpPr>
+          <p:cNvPr id="216" name="Oval 215"/>
+          <p:cNvSpPr/>
+          <p:nvPr/>
+        </p:nvSpPr>
+        <p:spPr>
+          <a:xfrm>
+            <a:off x="4709297" y="384286"/>
+            <a:ext cx="967603" cy="239999"/>
+          </a:xfrm>
+          <a:prstGeom prst="ellipse">
+            <a:avLst/>
+          </a:prstGeom>
+          <a:noFill/>
+          <a:ln w="12700">
+            <a:solidFill>
+              <a:schemeClr val="tx1"/>
+            </a:solidFill>
+          </a:ln>
+        </p:spPr>
+        <p:style>
+          <a:lnRef idx="2">
+            <a:schemeClr val="accent6"/>
+          </a:lnRef>
+          <a:fillRef idx="1">
+            <a:schemeClr val="lt1"/>
+          </a:fillRef>
+          <a:effectRef idx="0">
+            <a:schemeClr val="accent6"/>
+          </a:effectRef>
+          <a:fontRef idx="minor">
+            <a:schemeClr val="dk1"/>
+          </a:fontRef>
+        </p:style>
+        <p:txBody>
+          <a:bodyPr rtlCol="0" anchor="ctr"/>
+          <a:lstStyle/>
+          <a:p>
+            <a:pPr algn="ctr"/>
+            <a:endParaRPr lang="en-US"/>
+          </a:p>
+        </p:txBody>
+      </p:sp>
+      <p:sp>
+        <p:nvSpPr>
+          <p:cNvPr id="217" name="Oval 216"/>
+          <p:cNvSpPr/>
+          <p:nvPr/>
+        </p:nvSpPr>
+        <p:spPr>
+          <a:xfrm>
+            <a:off x="5724989" y="303291"/>
+            <a:ext cx="967603" cy="239999"/>
+          </a:xfrm>
+          <a:prstGeom prst="ellipse">
+            <a:avLst/>
+          </a:prstGeom>
+          <a:noFill/>
+          <a:ln w="12700">
+            <a:solidFill>
+              <a:schemeClr val="tx1"/>
+            </a:solidFill>
+          </a:ln>
+        </p:spPr>
+        <p:style>
+          <a:lnRef idx="2">
+            <a:schemeClr val="accent6"/>
+          </a:lnRef>
+          <a:fillRef idx="1">
+            <a:schemeClr val="lt1"/>
+          </a:fillRef>
+          <a:effectRef idx="0">
+            <a:schemeClr val="accent6"/>
+          </a:effectRef>
+          <a:fontRef idx="minor">
+            <a:schemeClr val="dk1"/>
+          </a:fontRef>
+        </p:style>
+        <p:txBody>
+          <a:bodyPr rtlCol="0" anchor="ctr"/>
+          <a:lstStyle/>
+          <a:p>
+            <a:pPr algn="ctr"/>
+            <a:endParaRPr lang="en-US"/>
+          </a:p>
+        </p:txBody>
+      </p:sp>
+      <p:sp>
+        <p:nvSpPr>
+          <p:cNvPr id="218" name="Diamond 217"/>
+          <p:cNvSpPr/>
+          <p:nvPr/>
+        </p:nvSpPr>
+        <p:spPr>
+          <a:xfrm>
+            <a:off x="433857" y="1978897"/>
+            <a:ext cx="832275" cy="794438"/>
+          </a:xfrm>
+          <a:prstGeom prst="diamond">
+            <a:avLst/>
+          </a:prstGeom>
+          <a:noFill/>
+          <a:ln>
+            <a:solidFill>
+              <a:schemeClr val="tx1"/>
+            </a:solidFill>
+          </a:ln>
+        </p:spPr>
+        <p:style>
+          <a:lnRef idx="2">
+            <a:schemeClr val="accent1">
+              <a:shade val="50000"/>
+            </a:schemeClr>
+          </a:lnRef>
+          <a:fillRef idx="1">
+            <a:schemeClr val="accent1"/>
+          </a:fillRef>
+          <a:effectRef idx="0">
+            <a:schemeClr val="accent1"/>
+          </a:effectRef>
+          <a:fontRef idx="minor">
+            <a:schemeClr val="lt1"/>
+          </a:fontRef>
+        </p:style>
+        <p:txBody>
+          <a:bodyPr rtlCol="0" anchor="ctr"/>
+          <a:lstStyle/>
+          <a:p>
+            <a:pPr algn="ctr"/>
+            <a:endParaRPr lang="en-US"/>
+          </a:p>
+        </p:txBody>
+      </p:sp>
+      <p:sp>
+        <p:nvSpPr>
+          <p:cNvPr id="219" name="Oval 218"/>
+          <p:cNvSpPr/>
+          <p:nvPr/>
+        </p:nvSpPr>
+        <p:spPr>
+          <a:xfrm>
+            <a:off x="6305718" y="607168"/>
+            <a:ext cx="967603" cy="239999"/>
+          </a:xfrm>
+          <a:prstGeom prst="ellipse">
+            <a:avLst/>
+          </a:prstGeom>
+          <a:noFill/>
+          <a:ln w="12700">
+            <a:solidFill>
+              <a:schemeClr val="tx1"/>
+            </a:solidFill>
+          </a:ln>
+        </p:spPr>
+        <p:style>
+          <a:lnRef idx="2">
+            <a:schemeClr val="accent6"/>
+          </a:lnRef>
+          <a:fillRef idx="1">
+            <a:schemeClr val="lt1"/>
+          </a:fillRef>
+          <a:effectRef idx="0">
+            <a:schemeClr val="accent6"/>
+          </a:effectRef>
+          <a:fontRef idx="minor">
+            <a:schemeClr val="dk1"/>
+          </a:fontRef>
+        </p:style>
+        <p:txBody>
+          <a:bodyPr rtlCol="0" anchor="ctr"/>
+          <a:lstStyle/>
+          <a:p>
+            <a:pPr algn="ctr"/>
+            <a:endParaRPr lang="en-US"/>
+          </a:p>
+        </p:txBody>
+      </p:sp>
+      <p:cxnSp>
+        <p:nvCxnSpPr>
+          <p:cNvPr id="220" name="Straight Connector 219"/>
+          <p:cNvCxnSpPr>
+            <a:stCxn id="133" idx="0"/>
+            <a:endCxn id="216" idx="4"/>
+          </p:cNvCxnSpPr>
+          <p:nvPr/>
+        </p:nvCxnSpPr>
+        <p:spPr>
+          <a:xfrm flipH="1" flipV="1">
+            <a:off x="5193099" y="624285"/>
+            <a:ext cx="142952" cy="1098178"/>
+          </a:xfrm>
+          <a:prstGeom prst="line">
+            <a:avLst/>
+          </a:prstGeom>
+          <a:ln>
+            <a:solidFill>
+              <a:schemeClr val="tx1"/>
+            </a:solidFill>
+          </a:ln>
+        </p:spPr>
+        <p:style>
+          <a:lnRef idx="1">
+            <a:schemeClr val="accent1"/>
+          </a:lnRef>
+          <a:fillRef idx="0">
+            <a:schemeClr val="accent1"/>
+          </a:fillRef>
+          <a:effectRef idx="0">
+            <a:schemeClr val="accent1"/>
+          </a:effectRef>
+          <a:fontRef idx="minor">
+            <a:schemeClr val="tx1"/>
+          </a:fontRef>
+        </p:style>
+      </p:cxnSp>
+      <p:cxnSp>
+        <p:nvCxnSpPr>
+          <p:cNvPr id="223" name="Straight Connector 222"/>
+          <p:cNvCxnSpPr>
+            <a:stCxn id="133" idx="0"/>
+            <a:endCxn id="217" idx="4"/>
+          </p:cNvCxnSpPr>
+          <p:nvPr/>
+        </p:nvCxnSpPr>
+        <p:spPr>
+          <a:xfrm flipV="1">
+            <a:off x="5336051" y="543290"/>
+            <a:ext cx="872740" cy="1179173"/>
+          </a:xfrm>
+          <a:prstGeom prst="line">
+            <a:avLst/>
+          </a:prstGeom>
+          <a:ln>
+            <a:solidFill>
+              <a:schemeClr val="tx1"/>
+            </a:solidFill>
+          </a:ln>
+        </p:spPr>
+        <p:style>
+          <a:lnRef idx="1">
+            <a:schemeClr val="accent1"/>
+          </a:lnRef>
+          <a:fillRef idx="0">
+            <a:schemeClr val="accent1"/>
+          </a:fillRef>
+          <a:effectRef idx="0">
+            <a:schemeClr val="accent1"/>
+          </a:effectRef>
+          <a:fontRef idx="minor">
+            <a:schemeClr val="tx1"/>
+          </a:fontRef>
+        </p:style>
+      </p:cxnSp>
+      <p:cxnSp>
+        <p:nvCxnSpPr>
+          <p:cNvPr id="226" name="Straight Connector 225"/>
+          <p:cNvCxnSpPr>
+            <a:stCxn id="133" idx="0"/>
+            <a:endCxn id="124" idx="2"/>
+          </p:cNvCxnSpPr>
+          <p:nvPr/>
+        </p:nvCxnSpPr>
+        <p:spPr>
+          <a:xfrm flipV="1">
+            <a:off x="5336051" y="844472"/>
+            <a:ext cx="1455764" cy="877991"/>
+          </a:xfrm>
+          <a:prstGeom prst="line">
+            <a:avLst/>
+          </a:prstGeom>
+          <a:ln>
+            <a:solidFill>
+              <a:schemeClr val="tx1"/>
+            </a:solidFill>
+          </a:ln>
+        </p:spPr>
+        <p:style>
+          <a:lnRef idx="1">
+            <a:schemeClr val="accent1"/>
+          </a:lnRef>
+          <a:fillRef idx="0">
+            <a:schemeClr val="accent1"/>
+          </a:fillRef>
+          <a:effectRef idx="0">
+            <a:schemeClr val="accent1"/>
+          </a:effectRef>
+          <a:fontRef idx="minor">
+            <a:schemeClr val="tx1"/>
+          </a:fontRef>
+        </p:style>
+      </p:cxnSp>
+      <p:sp>
+        <p:nvSpPr>
+          <p:cNvPr id="231" name="Diamond 230"/>
+          <p:cNvSpPr/>
+          <p:nvPr/>
+        </p:nvSpPr>
+        <p:spPr>
+          <a:xfrm>
+            <a:off x="3120306" y="1063756"/>
+            <a:ext cx="832275" cy="794438"/>
+          </a:xfrm>
+          <a:prstGeom prst="diamond">
+            <a:avLst/>
+          </a:prstGeom>
+          <a:noFill/>
+          <a:ln>
+            <a:solidFill>
+              <a:schemeClr val="tx1"/>
+            </a:solidFill>
+          </a:ln>
+        </p:spPr>
+        <p:style>
+          <a:lnRef idx="2">
+            <a:schemeClr val="accent1">
+              <a:shade val="50000"/>
+            </a:schemeClr>
+          </a:lnRef>
+          <a:fillRef idx="1">
+            <a:schemeClr val="accent1"/>
+          </a:fillRef>
+          <a:effectRef idx="0">
+            <a:schemeClr val="accent1"/>
+          </a:effectRef>
+          <a:fontRef idx="minor">
+            <a:schemeClr val="lt1"/>
+          </a:fontRef>
+        </p:style>
+        <p:txBody>
+          <a:bodyPr rtlCol="0" anchor="ctr"/>
+          <a:lstStyle/>
+          <a:p>
+            <a:pPr algn="ctr"/>
+            <a:endParaRPr lang="en-US"/>
+          </a:p>
+        </p:txBody>
+      </p:sp>
+      <p:sp>
+        <p:nvSpPr>
+          <p:cNvPr id="235" name="Rectangle 234"/>
+          <p:cNvSpPr/>
+          <p:nvPr/>
+        </p:nvSpPr>
+        <p:spPr>
+          <a:xfrm>
+            <a:off x="6494182" y="1071681"/>
+            <a:ext cx="702436" cy="246221"/>
+          </a:xfrm>
+          <a:prstGeom prst="rect">
+            <a:avLst/>
+          </a:prstGeom>
+        </p:spPr>
+        <p:txBody>
+          <a:bodyPr wrap="none">
+            <a:spAutoFit/>
+          </a:bodyPr>
+          <a:lstStyle/>
+          <a:p>
+            <a:r>
+              <a:rPr lang="en-US" sz="1000" dirty="0" smtClean="0">
+                <a:solidFill>
+                  <a:srgbClr val="454545"/>
+                </a:solidFill>
+                <a:latin typeface="Helvetica" charset="0"/>
+              </a:rPr>
+              <a:t>Category</a:t>
+            </a:r>
+            <a:endParaRPr lang="en-US" sz="1000" dirty="0">
+              <a:solidFill>
+                <a:srgbClr val="454545"/>
+              </a:solidFill>
+              <a:effectLst/>
+              <a:latin typeface="Helvetica" charset="0"/>
+            </a:endParaRPr>
+          </a:p>
+        </p:txBody>
+      </p:sp>
+      <p:sp>
+        <p:nvSpPr>
+          <p:cNvPr id="236" name="Oval 235"/>
+          <p:cNvSpPr/>
+          <p:nvPr/>
+        </p:nvSpPr>
+        <p:spPr>
+          <a:xfrm>
+            <a:off x="6305718" y="1093965"/>
+            <a:ext cx="967603" cy="239999"/>
+          </a:xfrm>
+          <a:prstGeom prst="ellipse">
+            <a:avLst/>
+          </a:prstGeom>
+          <a:noFill/>
+          <a:ln w="12700">
+            <a:solidFill>
+              <a:schemeClr val="tx1"/>
+            </a:solidFill>
+          </a:ln>
+        </p:spPr>
+        <p:style>
+          <a:lnRef idx="2">
+            <a:schemeClr val="accent6"/>
+          </a:lnRef>
+          <a:fillRef idx="1">
+            <a:schemeClr val="lt1"/>
+          </a:fillRef>
+          <a:effectRef idx="0">
+            <a:schemeClr val="accent6"/>
+          </a:effectRef>
+          <a:fontRef idx="minor">
+            <a:schemeClr val="dk1"/>
+          </a:fontRef>
+        </p:style>
+        <p:txBody>
+          <a:bodyPr rtlCol="0" anchor="ctr"/>
+          <a:lstStyle/>
+          <a:p>
+            <a:pPr algn="ctr"/>
+            <a:endParaRPr lang="en-US"/>
+          </a:p>
+        </p:txBody>
+      </p:sp>
+      <p:cxnSp>
+        <p:nvCxnSpPr>
+          <p:cNvPr id="237" name="Straight Connector 236"/>
+          <p:cNvCxnSpPr>
+            <a:stCxn id="133" idx="0"/>
+            <a:endCxn id="236" idx="4"/>
+          </p:cNvCxnSpPr>
+          <p:nvPr/>
+        </p:nvCxnSpPr>
+        <p:spPr>
+          <a:xfrm flipV="1">
+            <a:off x="5336051" y="1333964"/>
+            <a:ext cx="1453469" cy="388499"/>
+          </a:xfrm>
+          <a:prstGeom prst="line">
+            <a:avLst/>
+          </a:prstGeom>
+          <a:ln>
+            <a:solidFill>
+              <a:schemeClr val="tx1"/>
+            </a:solidFill>
+          </a:ln>
+        </p:spPr>
+        <p:style>
+          <a:lnRef idx="1">
+            <a:schemeClr val="accent1"/>
+          </a:lnRef>
+          <a:fillRef idx="0">
+            <a:schemeClr val="accent1"/>
+          </a:fillRef>
+          <a:effectRef idx="0">
+            <a:schemeClr val="accent1"/>
+          </a:effectRef>
+          <a:fontRef idx="minor">
+            <a:schemeClr val="tx1"/>
+          </a:fontRef>
+        </p:style>
+      </p:cxnSp>
+      <p:sp>
+        <p:nvSpPr>
+          <p:cNvPr id="241" name="TextBox 240"/>
+          <p:cNvSpPr txBox="1"/>
+          <p:nvPr/>
+        </p:nvSpPr>
+        <p:spPr>
+          <a:xfrm>
+            <a:off x="4196535" y="1152677"/>
+            <a:ext cx="710807" cy="246221"/>
+          </a:xfrm>
+          <a:prstGeom prst="rect">
+            <a:avLst/>
+          </a:prstGeom>
+          <a:noFill/>
+        </p:spPr>
+        <p:txBody>
+          <a:bodyPr wrap="square" rtlCol="0">
+            <a:spAutoFit/>
+          </a:bodyPr>
+          <a:lstStyle/>
+          <a:p>
+            <a:r>
+              <a:rPr lang="en-US" sz="1000" dirty="0" smtClean="0"/>
+              <a:t>Name</a:t>
+            </a:r>
+            <a:endParaRPr lang="en-US" sz="1000" dirty="0"/>
+          </a:p>
+        </p:txBody>
+      </p:sp>
+      <p:sp>
+        <p:nvSpPr>
+          <p:cNvPr id="242" name="Oval 241"/>
+          <p:cNvSpPr/>
+          <p:nvPr/>
+        </p:nvSpPr>
+        <p:spPr>
+          <a:xfrm>
+            <a:off x="4034924" y="1147146"/>
+            <a:ext cx="744850" cy="311319"/>
+          </a:xfrm>
+          <a:prstGeom prst="ellipse">
+            <a:avLst/>
+          </a:prstGeom>
+          <a:noFill/>
+          <a:ln w="12700">
+            <a:solidFill>
+              <a:schemeClr val="tx1"/>
+            </a:solidFill>
+          </a:ln>
+        </p:spPr>
+        <p:style>
+          <a:lnRef idx="2">
+            <a:schemeClr val="accent6"/>
+          </a:lnRef>
+          <a:fillRef idx="1">
+            <a:schemeClr val="lt1"/>
+          </a:fillRef>
+          <a:effectRef idx="0">
+            <a:schemeClr val="accent6"/>
+          </a:effectRef>
+          <a:fontRef idx="minor">
+            <a:schemeClr val="dk1"/>
+          </a:fontRef>
+        </p:style>
+        <p:txBody>
+          <a:bodyPr rtlCol="0" anchor="ctr"/>
+          <a:lstStyle/>
+          <a:p>
+            <a:pPr algn="ctr"/>
+            <a:endParaRPr lang="en-US"/>
+          </a:p>
+        </p:txBody>
+      </p:sp>
+      <p:cxnSp>
+        <p:nvCxnSpPr>
+          <p:cNvPr id="243" name="Straight Connector 242"/>
+          <p:cNvCxnSpPr>
+            <a:stCxn id="133" idx="0"/>
+            <a:endCxn id="242" idx="4"/>
+          </p:cNvCxnSpPr>
+          <p:nvPr/>
+        </p:nvCxnSpPr>
+        <p:spPr>
+          <a:xfrm flipH="1" flipV="1">
+            <a:off x="4407349" y="1458465"/>
+            <a:ext cx="928702" cy="263998"/>
+          </a:xfrm>
+          <a:prstGeom prst="line">
+            <a:avLst/>
+          </a:prstGeom>
+          <a:ln>
+            <a:solidFill>
+              <a:schemeClr val="tx1"/>
+            </a:solidFill>
+          </a:ln>
+        </p:spPr>
+        <p:style>
+          <a:lnRef idx="1">
+            <a:schemeClr val="accent1"/>
+          </a:lnRef>
+          <a:fillRef idx="0">
+            <a:schemeClr val="accent1"/>
+          </a:fillRef>
+          <a:effectRef idx="0">
+            <a:schemeClr val="accent1"/>
+          </a:effectRef>
+          <a:fontRef idx="minor">
+            <a:schemeClr val="tx1"/>
+          </a:fontRef>
+        </p:style>
+      </p:cxnSp>
+      <p:sp>
+        <p:nvSpPr>
+          <p:cNvPr id="246" name="Rectangle 245"/>
+          <p:cNvSpPr/>
+          <p:nvPr/>
+        </p:nvSpPr>
+        <p:spPr>
+          <a:xfrm>
+            <a:off x="7436453" y="935785"/>
+            <a:ext cx="447558" cy="246221"/>
+          </a:xfrm>
+          <a:prstGeom prst="rect">
+            <a:avLst/>
+          </a:prstGeom>
+        </p:spPr>
+        <p:txBody>
+          <a:bodyPr wrap="none">
+            <a:spAutoFit/>
+          </a:bodyPr>
+          <a:lstStyle/>
+          <a:p>
+            <a:r>
+              <a:rPr lang="en-US" sz="1000" dirty="0" smtClean="0">
+                <a:solidFill>
+                  <a:srgbClr val="454545"/>
+                </a:solidFill>
+                <a:latin typeface="Helvetica" charset="0"/>
+              </a:rPr>
+              <a:t>FAQ</a:t>
+            </a:r>
+            <a:endParaRPr lang="en-US" sz="1000" dirty="0">
+              <a:solidFill>
+                <a:srgbClr val="454545"/>
+              </a:solidFill>
+              <a:effectLst/>
+              <a:latin typeface="Helvetica" charset="0"/>
+            </a:endParaRPr>
+          </a:p>
+        </p:txBody>
+      </p:sp>
+      <p:sp>
+        <p:nvSpPr>
+          <p:cNvPr id="248" name="Oval 247"/>
+          <p:cNvSpPr/>
+          <p:nvPr/>
+        </p:nvSpPr>
+        <p:spPr>
+          <a:xfrm>
+            <a:off x="7298740" y="924762"/>
+            <a:ext cx="744850" cy="311319"/>
+          </a:xfrm>
+          <a:prstGeom prst="ellipse">
+            <a:avLst/>
+          </a:prstGeom>
+          <a:noFill/>
+          <a:ln w="12700">
+            <a:solidFill>
+              <a:schemeClr val="tx1"/>
+            </a:solidFill>
+          </a:ln>
+        </p:spPr>
+        <p:style>
+          <a:lnRef idx="2">
+            <a:schemeClr val="accent6"/>
+          </a:lnRef>
+          <a:fillRef idx="1">
+            <a:schemeClr val="lt1"/>
+          </a:fillRef>
+          <a:effectRef idx="0">
+            <a:schemeClr val="accent6"/>
+          </a:effectRef>
+          <a:fontRef idx="minor">
+            <a:schemeClr val="dk1"/>
+          </a:fontRef>
+        </p:style>
+        <p:txBody>
+          <a:bodyPr rtlCol="0" anchor="ctr"/>
+          <a:lstStyle/>
+          <a:p>
+            <a:pPr algn="ctr"/>
+            <a:endParaRPr lang="en-US"/>
+          </a:p>
+        </p:txBody>
+      </p:sp>
+      <p:cxnSp>
+        <p:nvCxnSpPr>
+          <p:cNvPr id="250" name="Straight Connector 249"/>
+          <p:cNvCxnSpPr>
+            <a:endCxn id="248" idx="4"/>
+          </p:cNvCxnSpPr>
+          <p:nvPr/>
+        </p:nvCxnSpPr>
+        <p:spPr>
+          <a:xfrm flipV="1">
+            <a:off x="5985550" y="1236081"/>
+            <a:ext cx="1685615" cy="539177"/>
+          </a:xfrm>
+          <a:prstGeom prst="line">
+            <a:avLst/>
+          </a:prstGeom>
+          <a:ln>
+            <a:solidFill>
+              <a:schemeClr val="tx1"/>
+            </a:solidFill>
+          </a:ln>
+        </p:spPr>
+        <p:style>
+          <a:lnRef idx="1">
+            <a:schemeClr val="accent1"/>
+          </a:lnRef>
+          <a:fillRef idx="0">
+            <a:schemeClr val="accent1"/>
+          </a:fillRef>
+          <a:effectRef idx="0">
+            <a:schemeClr val="accent1"/>
+          </a:effectRef>
+          <a:fontRef idx="minor">
+            <a:schemeClr val="tx1"/>
+          </a:fontRef>
+        </p:style>
+      </p:cxnSp>
+      <p:sp>
+        <p:nvSpPr>
+          <p:cNvPr id="259" name="TextBox 258"/>
+          <p:cNvSpPr txBox="1"/>
+          <p:nvPr/>
+        </p:nvSpPr>
+        <p:spPr>
+          <a:xfrm>
+            <a:off x="2320277" y="2297811"/>
+            <a:ext cx="765823" cy="261610"/>
+          </a:xfrm>
+          <a:prstGeom prst="rect">
+            <a:avLst/>
+          </a:prstGeom>
+          <a:noFill/>
+        </p:spPr>
+        <p:txBody>
+          <a:bodyPr wrap="square" rtlCol="0">
+            <a:spAutoFit/>
+          </a:bodyPr>
+          <a:lstStyle/>
+          <a:p>
+            <a:r>
+              <a:rPr lang="en-US" sz="1100" smtClean="0"/>
+              <a:t>birthDate</a:t>
+            </a:r>
+            <a:endParaRPr lang="en-US" sz="1100" dirty="0"/>
+          </a:p>
+        </p:txBody>
+      </p:sp>
+      <p:sp>
+        <p:nvSpPr>
+          <p:cNvPr id="261" name="Oval 260"/>
+          <p:cNvSpPr/>
+          <p:nvPr/>
+        </p:nvSpPr>
+        <p:spPr>
+          <a:xfrm>
+            <a:off x="2210808" y="2306260"/>
+            <a:ext cx="967603" cy="239999"/>
+          </a:xfrm>
+          <a:prstGeom prst="ellipse">
+            <a:avLst/>
+          </a:prstGeom>
+          <a:noFill/>
+          <a:ln w="12700">
+            <a:solidFill>
+              <a:schemeClr val="tx1"/>
+            </a:solidFill>
+          </a:ln>
+        </p:spPr>
+        <p:style>
+          <a:lnRef idx="2">
+            <a:schemeClr val="accent6"/>
+          </a:lnRef>
+          <a:fillRef idx="1">
+            <a:schemeClr val="lt1"/>
+          </a:fillRef>
+          <a:effectRef idx="0">
+            <a:schemeClr val="accent6"/>
+          </a:effectRef>
+          <a:fontRef idx="minor">
+            <a:schemeClr val="dk1"/>
+          </a:fontRef>
+        </p:style>
+        <p:txBody>
+          <a:bodyPr rtlCol="0" anchor="ctr"/>
+          <a:lstStyle/>
+          <a:p>
+            <a:pPr algn="ctr"/>
+            <a:endParaRPr lang="en-US"/>
+          </a:p>
+        </p:txBody>
+      </p:sp>
+      <p:cxnSp>
+        <p:nvCxnSpPr>
+          <p:cNvPr id="262" name="Straight Connector 261"/>
+          <p:cNvCxnSpPr>
+            <a:stCxn id="3" idx="0"/>
+            <a:endCxn id="261" idx="4"/>
+          </p:cNvCxnSpPr>
+          <p:nvPr/>
+        </p:nvCxnSpPr>
+        <p:spPr>
+          <a:xfrm flipV="1">
+            <a:off x="2171700" y="2546259"/>
+            <a:ext cx="522910" cy="521008"/>
+          </a:xfrm>
+          <a:prstGeom prst="line">
+            <a:avLst/>
+          </a:prstGeom>
+          <a:ln>
+            <a:solidFill>
+              <a:schemeClr val="tx1"/>
+            </a:solidFill>
+          </a:ln>
+        </p:spPr>
+        <p:style>
+          <a:lnRef idx="1">
+            <a:schemeClr val="accent1"/>
+          </a:lnRef>
+          <a:fillRef idx="0">
+            <a:schemeClr val="accent1"/>
+          </a:fillRef>
+          <a:effectRef idx="0">
+            <a:schemeClr val="accent1"/>
+          </a:effectRef>
+          <a:fontRef idx="minor">
+            <a:schemeClr val="tx1"/>
+          </a:fontRef>
+        </p:style>
+      </p:cxnSp>
+      <p:sp>
+        <p:nvSpPr>
+          <p:cNvPr id="265" name="TextBox 264"/>
+          <p:cNvSpPr txBox="1"/>
+          <p:nvPr/>
+        </p:nvSpPr>
+        <p:spPr>
+          <a:xfrm>
+            <a:off x="2723266" y="2663580"/>
+            <a:ext cx="929721" cy="230832"/>
+          </a:xfrm>
+          <a:prstGeom prst="rect">
+            <a:avLst/>
+          </a:prstGeom>
+          <a:noFill/>
+        </p:spPr>
+        <p:txBody>
+          <a:bodyPr wrap="square" rtlCol="0">
+            <a:spAutoFit/>
+          </a:bodyPr>
+          <a:lstStyle/>
+          <a:p>
+            <a:r>
               <a:rPr lang="en-US" sz="900" dirty="0" smtClean="0"/>
-              <a:t>has</a:t>
-            </a:r>
-            <a:endParaRPr lang="en-US" sz="900" dirty="0"/>
-          </a:p>
-        </p:txBody>
-      </p:sp>
+              <a:t>Location</a:t>
+            </a:r>
+            <a:endParaRPr lang="en-US" sz="900" u="sng" dirty="0"/>
+          </a:p>
+        </p:txBody>
+      </p:sp>
+      <p:sp>
+        <p:nvSpPr>
+          <p:cNvPr id="266" name="Oval 265"/>
+          <p:cNvSpPr/>
+          <p:nvPr/>
+        </p:nvSpPr>
+        <p:spPr>
+          <a:xfrm>
+            <a:off x="2609897" y="2653335"/>
+            <a:ext cx="967603" cy="239999"/>
+          </a:xfrm>
+          <a:prstGeom prst="ellipse">
+            <a:avLst/>
+          </a:prstGeom>
+          <a:noFill/>
+          <a:ln w="12700">
+            <a:solidFill>
+              <a:schemeClr val="tx1"/>
+            </a:solidFill>
+          </a:ln>
+        </p:spPr>
+        <p:style>
+          <a:lnRef idx="2">
+            <a:schemeClr val="accent6"/>
+          </a:lnRef>
+          <a:fillRef idx="1">
+            <a:schemeClr val="lt1"/>
+          </a:fillRef>
+          <a:effectRef idx="0">
+            <a:schemeClr val="accent6"/>
+          </a:effectRef>
+          <a:fontRef idx="minor">
+            <a:schemeClr val="dk1"/>
+          </a:fontRef>
+        </p:style>
+        <p:txBody>
+          <a:bodyPr rtlCol="0" anchor="ctr"/>
+          <a:lstStyle/>
+          <a:p>
+            <a:pPr algn="ctr"/>
+            <a:endParaRPr lang="en-US"/>
+          </a:p>
+        </p:txBody>
+      </p:sp>
+      <p:cxnSp>
+        <p:nvCxnSpPr>
+          <p:cNvPr id="267" name="Straight Connector 266"/>
+          <p:cNvCxnSpPr>
+            <a:stCxn id="3" idx="0"/>
+            <a:endCxn id="266" idx="3"/>
+          </p:cNvCxnSpPr>
+          <p:nvPr/>
+        </p:nvCxnSpPr>
+        <p:spPr>
+          <a:xfrm flipV="1">
+            <a:off x="2171700" y="2858187"/>
+            <a:ext cx="579899" cy="209080"/>
+          </a:xfrm>
+          <a:prstGeom prst="line">
+            <a:avLst/>
+          </a:prstGeom>
+          <a:ln>
+            <a:solidFill>
+              <a:schemeClr val="tx1"/>
+            </a:solidFill>
+          </a:ln>
+        </p:spPr>
+        <p:style>
+          <a:lnRef idx="1">
+            <a:schemeClr val="accent1"/>
+          </a:lnRef>
+          <a:fillRef idx="0">
+            <a:schemeClr val="accent1"/>
+          </a:fillRef>
+          <a:effectRef idx="0">
+            <a:schemeClr val="accent1"/>
+          </a:effectRef>
+          <a:fontRef idx="minor">
+            <a:schemeClr val="tx1"/>
+          </a:fontRef>
+        </p:style>
+      </p:cxnSp>
+      <p:sp>
+        <p:nvSpPr>
+          <p:cNvPr id="270" name="Rectangle 269"/>
+          <p:cNvSpPr/>
+          <p:nvPr/>
+        </p:nvSpPr>
+        <p:spPr>
+          <a:xfrm>
+            <a:off x="8011753" y="3343615"/>
+            <a:ext cx="526106" cy="246221"/>
+          </a:xfrm>
+          <a:prstGeom prst="rect">
+            <a:avLst/>
+          </a:prstGeom>
+        </p:spPr>
+        <p:txBody>
+          <a:bodyPr wrap="none">
+            <a:spAutoFit/>
+          </a:bodyPr>
+          <a:lstStyle/>
+          <a:p>
+            <a:r>
+              <a:rPr lang="en-US" sz="1000" dirty="0" smtClean="0">
+                <a:solidFill>
+                  <a:srgbClr val="454545"/>
+                </a:solidFill>
+                <a:latin typeface="Helvetica" charset="0"/>
+              </a:rPr>
+              <a:t>Name</a:t>
+            </a:r>
+            <a:endParaRPr lang="en-US" sz="1000" dirty="0">
+              <a:solidFill>
+                <a:srgbClr val="454545"/>
+              </a:solidFill>
+              <a:effectLst/>
+              <a:latin typeface="Helvetica" charset="0"/>
+            </a:endParaRPr>
+          </a:p>
+        </p:txBody>
+      </p:sp>
+      <p:sp>
+        <p:nvSpPr>
+          <p:cNvPr id="271" name="Oval 270"/>
+          <p:cNvSpPr/>
+          <p:nvPr/>
+        </p:nvSpPr>
+        <p:spPr>
+          <a:xfrm>
+            <a:off x="7911771" y="3281668"/>
+            <a:ext cx="697792" cy="418067"/>
+          </a:xfrm>
+          <a:prstGeom prst="ellipse">
+            <a:avLst/>
+          </a:prstGeom>
+          <a:noFill/>
+          <a:ln w="12700">
+            <a:solidFill>
+              <a:schemeClr val="tx1"/>
+            </a:solidFill>
+          </a:ln>
+        </p:spPr>
+        <p:style>
+          <a:lnRef idx="2">
+            <a:schemeClr val="accent6"/>
+          </a:lnRef>
+          <a:fillRef idx="1">
+            <a:schemeClr val="lt1"/>
+          </a:fillRef>
+          <a:effectRef idx="0">
+            <a:schemeClr val="accent6"/>
+          </a:effectRef>
+          <a:fontRef idx="minor">
+            <a:schemeClr val="dk1"/>
+          </a:fontRef>
+        </p:style>
+        <p:txBody>
+          <a:bodyPr rtlCol="0" anchor="ctr"/>
+          <a:lstStyle/>
+          <a:p>
+            <a:pPr algn="ctr"/>
+            <a:endParaRPr lang="en-US"/>
+          </a:p>
+        </p:txBody>
+      </p:sp>
+      <p:cxnSp>
+        <p:nvCxnSpPr>
+          <p:cNvPr id="272" name="Straight Connector 271"/>
+          <p:cNvCxnSpPr>
+            <a:stCxn id="271" idx="0"/>
+            <a:endCxn id="136" idx="2"/>
+          </p:cNvCxnSpPr>
+          <p:nvPr/>
+        </p:nvCxnSpPr>
+        <p:spPr>
+          <a:xfrm flipH="1" flipV="1">
+            <a:off x="7758359" y="2609390"/>
+            <a:ext cx="502308" cy="672278"/>
+          </a:xfrm>
+          <a:prstGeom prst="line">
+            <a:avLst/>
+          </a:prstGeom>
+          <a:ln>
+            <a:solidFill>
+              <a:schemeClr val="tx1"/>
+            </a:solidFill>
+          </a:ln>
+        </p:spPr>
+        <p:style>
+          <a:lnRef idx="1">
+            <a:schemeClr val="accent1"/>
+          </a:lnRef>
+          <a:fillRef idx="0">
+            <a:schemeClr val="accent1"/>
+          </a:fillRef>
+          <a:effectRef idx="0">
+            <a:schemeClr val="accent1"/>
+          </a:effectRef>
+          <a:fontRef idx="minor">
+            <a:schemeClr val="tx1"/>
+          </a:fontRef>
+        </p:style>
+      </p:cxnSp>
+      <p:sp>
+        <p:nvSpPr>
+          <p:cNvPr id="275" name="Rectangle 274"/>
+          <p:cNvSpPr/>
+          <p:nvPr/>
+        </p:nvSpPr>
+        <p:spPr>
+          <a:xfrm>
+            <a:off x="7172190" y="3067267"/>
+            <a:ext cx="824265" cy="246221"/>
+          </a:xfrm>
+          <a:prstGeom prst="rect">
+            <a:avLst/>
+          </a:prstGeom>
+        </p:spPr>
+        <p:txBody>
+          <a:bodyPr wrap="none">
+            <a:spAutoFit/>
+          </a:bodyPr>
+          <a:lstStyle/>
+          <a:p>
+            <a:r>
+              <a:rPr lang="en-US" sz="1000" smtClean="0">
+                <a:solidFill>
+                  <a:srgbClr val="454545"/>
+                </a:solidFill>
+                <a:latin typeface="Helvetica" charset="0"/>
+              </a:rPr>
+              <a:t>Description</a:t>
+            </a:r>
+            <a:endParaRPr lang="en-US" sz="1000" dirty="0">
+              <a:solidFill>
+                <a:srgbClr val="454545"/>
+              </a:solidFill>
+              <a:effectLst/>
+              <a:latin typeface="Helvetica" charset="0"/>
+            </a:endParaRPr>
+          </a:p>
+        </p:txBody>
+      </p:sp>
+      <p:sp>
+        <p:nvSpPr>
+          <p:cNvPr id="276" name="Oval 275"/>
+          <p:cNvSpPr/>
+          <p:nvPr/>
+        </p:nvSpPr>
+        <p:spPr>
+          <a:xfrm>
+            <a:off x="7154718" y="3043040"/>
+            <a:ext cx="825928" cy="325377"/>
+          </a:xfrm>
+          <a:prstGeom prst="ellipse">
+            <a:avLst/>
+          </a:prstGeom>
+          <a:noFill/>
+          <a:ln w="12700">
+            <a:solidFill>
+              <a:schemeClr val="tx1"/>
+            </a:solidFill>
+          </a:ln>
+        </p:spPr>
+        <p:style>
+          <a:lnRef idx="2">
+            <a:schemeClr val="accent6"/>
+          </a:lnRef>
+          <a:fillRef idx="1">
+            <a:schemeClr val="lt1"/>
+          </a:fillRef>
+          <a:effectRef idx="0">
+            <a:schemeClr val="accent6"/>
+          </a:effectRef>
+          <a:fontRef idx="minor">
+            <a:schemeClr val="dk1"/>
+          </a:fontRef>
+        </p:style>
+        <p:txBody>
+          <a:bodyPr rtlCol="0" anchor="ctr"/>
+          <a:lstStyle/>
+          <a:p>
+            <a:pPr algn="ctr"/>
+            <a:endParaRPr lang="en-US"/>
+          </a:p>
+        </p:txBody>
+      </p:sp>
+      <p:cxnSp>
+        <p:nvCxnSpPr>
+          <p:cNvPr id="277" name="Straight Connector 276"/>
+          <p:cNvCxnSpPr>
+            <a:stCxn id="136" idx="2"/>
+            <a:endCxn id="276" idx="0"/>
+          </p:cNvCxnSpPr>
+          <p:nvPr/>
+        </p:nvCxnSpPr>
+        <p:spPr>
+          <a:xfrm flipH="1">
+            <a:off x="7567682" y="2609390"/>
+            <a:ext cx="190677" cy="433650"/>
+          </a:xfrm>
+          <a:prstGeom prst="line">
+            <a:avLst/>
+          </a:prstGeom>
+          <a:ln>
+            <a:solidFill>
+              <a:schemeClr val="tx1"/>
+            </a:solidFill>
+          </a:ln>
+        </p:spPr>
+        <p:style>
+          <a:lnRef idx="1">
+            <a:schemeClr val="accent1"/>
+          </a:lnRef>
+          <a:fillRef idx="0">
+            <a:schemeClr val="accent1"/>
+          </a:fillRef>
+          <a:effectRef idx="0">
+            <a:schemeClr val="accent1"/>
+          </a:effectRef>
+          <a:fontRef idx="minor">
+            <a:schemeClr val="tx1"/>
+          </a:fontRef>
+        </p:style>
+      </p:cxnSp>
+      <p:cxnSp>
+        <p:nvCxnSpPr>
+          <p:cNvPr id="283" name="Straight Connector 282"/>
+          <p:cNvCxnSpPr>
+            <a:stCxn id="143" idx="2"/>
+            <a:endCxn id="151" idx="0"/>
+          </p:cNvCxnSpPr>
+          <p:nvPr/>
+        </p:nvCxnSpPr>
+        <p:spPr>
+          <a:xfrm>
+            <a:off x="6539870" y="4889227"/>
+            <a:ext cx="622717" cy="831195"/>
+          </a:xfrm>
+          <a:prstGeom prst="line">
+            <a:avLst/>
+          </a:prstGeom>
+          <a:ln>
+            <a:solidFill>
+              <a:schemeClr val="tx1"/>
+            </a:solidFill>
+          </a:ln>
+        </p:spPr>
+        <p:style>
+          <a:lnRef idx="1">
+            <a:schemeClr val="accent1"/>
+          </a:lnRef>
+          <a:fillRef idx="0">
+            <a:schemeClr val="accent1"/>
+          </a:fillRef>
+          <a:effectRef idx="0">
+            <a:schemeClr val="accent1"/>
+          </a:effectRef>
+          <a:fontRef idx="minor">
+            <a:schemeClr val="tx1"/>
+          </a:fontRef>
+        </p:style>
+      </p:cxnSp>
+      <p:sp>
+        <p:nvSpPr>
+          <p:cNvPr id="299" name="TextBox 298"/>
+          <p:cNvSpPr txBox="1"/>
+          <p:nvPr/>
+        </p:nvSpPr>
+        <p:spPr>
+          <a:xfrm>
+            <a:off x="8127269" y="5327387"/>
+            <a:ext cx="922952" cy="246221"/>
+          </a:xfrm>
+          <a:prstGeom prst="rect">
+            <a:avLst/>
+          </a:prstGeom>
+          <a:noFill/>
+        </p:spPr>
+        <p:txBody>
+          <a:bodyPr wrap="square" rtlCol="0">
+            <a:spAutoFit/>
+          </a:bodyPr>
+          <a:lstStyle/>
+          <a:p>
+            <a:r>
+              <a:rPr lang="en-US" sz="1000" smtClean="0"/>
+              <a:t>Specialization </a:t>
+            </a:r>
+            <a:endParaRPr lang="en-US" sz="1000" dirty="0"/>
+          </a:p>
+        </p:txBody>
+      </p:sp>
+      <p:sp>
+        <p:nvSpPr>
+          <p:cNvPr id="300" name="Oval 299"/>
+          <p:cNvSpPr/>
+          <p:nvPr/>
+        </p:nvSpPr>
+        <p:spPr>
+          <a:xfrm>
+            <a:off x="8118441" y="5299678"/>
+            <a:ext cx="954105" cy="294564"/>
+          </a:xfrm>
+          <a:prstGeom prst="ellipse">
+            <a:avLst/>
+          </a:prstGeom>
+          <a:noFill/>
+          <a:ln w="12700">
+            <a:solidFill>
+              <a:schemeClr val="tx1"/>
+            </a:solidFill>
+          </a:ln>
+        </p:spPr>
+        <p:style>
+          <a:lnRef idx="2">
+            <a:schemeClr val="accent6"/>
+          </a:lnRef>
+          <a:fillRef idx="1">
+            <a:schemeClr val="lt1"/>
+          </a:fillRef>
+          <a:effectRef idx="0">
+            <a:schemeClr val="accent6"/>
+          </a:effectRef>
+          <a:fontRef idx="minor">
+            <a:schemeClr val="dk1"/>
+          </a:fontRef>
+        </p:style>
+        <p:txBody>
+          <a:bodyPr rtlCol="0" anchor="ctr"/>
+          <a:lstStyle/>
+          <a:p>
+            <a:pPr algn="ctr"/>
+            <a:endParaRPr lang="en-US"/>
+          </a:p>
+        </p:txBody>
+      </p:sp>
+      <p:cxnSp>
+        <p:nvCxnSpPr>
+          <p:cNvPr id="301" name="Straight Connector 300"/>
+          <p:cNvCxnSpPr>
+            <a:stCxn id="300" idx="0"/>
+            <a:endCxn id="143" idx="2"/>
+          </p:cNvCxnSpPr>
+          <p:nvPr/>
+        </p:nvCxnSpPr>
+        <p:spPr>
+          <a:xfrm flipH="1" flipV="1">
+            <a:off x="6539870" y="4889227"/>
+            <a:ext cx="2055624" cy="410451"/>
+          </a:xfrm>
+          <a:prstGeom prst="line">
+            <a:avLst/>
+          </a:prstGeom>
+          <a:ln>
+            <a:solidFill>
+              <a:schemeClr val="tx1"/>
+            </a:solidFill>
+          </a:ln>
+        </p:spPr>
+        <p:style>
+          <a:lnRef idx="1">
+            <a:schemeClr val="accent1"/>
+          </a:lnRef>
+          <a:fillRef idx="0">
+            <a:schemeClr val="accent1"/>
+          </a:fillRef>
+          <a:effectRef idx="0">
+            <a:schemeClr val="accent1"/>
+          </a:effectRef>
+          <a:fontRef idx="minor">
+            <a:schemeClr val="tx1"/>
+          </a:fontRef>
+        </p:style>
+      </p:cxnSp>
+      <p:sp>
+        <p:nvSpPr>
+          <p:cNvPr id="330" name="TextBox 329"/>
+          <p:cNvSpPr txBox="1"/>
+          <p:nvPr/>
+        </p:nvSpPr>
+        <p:spPr>
+          <a:xfrm>
+            <a:off x="6729342" y="6151914"/>
+            <a:ext cx="2058034" cy="307777"/>
+          </a:xfrm>
+          <a:prstGeom prst="rect">
+            <a:avLst/>
+          </a:prstGeom>
+          <a:noFill/>
+        </p:spPr>
+        <p:txBody>
+          <a:bodyPr wrap="square" rtlCol="0">
+            <a:spAutoFit/>
+          </a:bodyPr>
+          <a:lstStyle/>
+          <a:p>
+            <a:r>
+              <a:rPr lang="en-US" sz="1400" u="sng" dirty="0" smtClean="0"/>
+              <a:t>Denotes Rounded Arrow</a:t>
+            </a:r>
+            <a:endParaRPr lang="en-US" sz="1400" u="sng" dirty="0"/>
+          </a:p>
+        </p:txBody>
+      </p:sp>
+      <p:cxnSp>
+        <p:nvCxnSpPr>
+          <p:cNvPr id="331" name="Straight Arrow Connector 330"/>
+          <p:cNvCxnSpPr/>
+          <p:nvPr/>
+        </p:nvCxnSpPr>
+        <p:spPr>
+          <a:xfrm flipH="1">
+            <a:off x="7162587" y="6630949"/>
+            <a:ext cx="1243472" cy="0"/>
+          </a:xfrm>
+          <a:prstGeom prst="straightConnector1">
+            <a:avLst/>
+          </a:prstGeom>
+          <a:ln>
+            <a:solidFill>
+              <a:schemeClr val="tx1"/>
+            </a:solidFill>
+            <a:tailEnd type="arrow"/>
+          </a:ln>
+        </p:spPr>
+        <p:style>
+          <a:lnRef idx="1">
+            <a:schemeClr val="accent1"/>
+          </a:lnRef>
+          <a:fillRef idx="0">
+            <a:schemeClr val="accent1"/>
+          </a:fillRef>
+          <a:effectRef idx="0">
+            <a:schemeClr val="accent1"/>
+          </a:effectRef>
+          <a:fontRef idx="minor">
+            <a:schemeClr val="tx1"/>
+          </a:fontRef>
+        </p:style>
+      </p:cxnSp>
     </p:spTree>
   </p:cSld>
   <p:clrMapOvr>

--- a/ERModel_Group5.pptx
+++ b/ERModel_Group5.pptx
@@ -106,7 +106,7 @@
   </p:defaultTextStyle>
   <p:extLst>
     <p:ext uri="{EFAFB233-063F-42B5-8137-9DF3F51BA10A}">
-      <p15:sldGuideLst xmlns:p15="http://schemas.microsoft.com/office/powerpoint/2012/main">
+      <p15:sldGuideLst xmlns:p15="http://schemas.microsoft.com/office/powerpoint/2012/main" xmlns="">
         <p15:guide id="1" orient="horz" pos="2160">
           <p15:clr>
             <a:srgbClr val="A4A3A4"/>
@@ -302,7 +302,8 @@
           <a:p>
             <a:fld id="{DD835B76-D165-4C47-BDCE-CF989D3641B7}" type="datetimeFigureOut">
               <a:rPr lang="en-US" smtClean="0"/>
-              <a:t>3/7/17</a:t>
+              <a:pPr/>
+              <a:t>3/8/2017</a:t>
             </a:fld>
             <a:endParaRPr lang="en-US"/>
           </a:p>
@@ -344,6 +345,7 @@
           <a:p>
             <a:fld id="{B9AB9693-168F-4BC6-BAF9-F2F7C62D3B66}" type="slidenum">
               <a:rPr lang="en-US" smtClean="0"/>
+              <a:pPr/>
               <a:t>‹#›</a:t>
             </a:fld>
             <a:endParaRPr lang="en-US"/>
@@ -465,7 +467,8 @@
           <a:p>
             <a:fld id="{DD835B76-D165-4C47-BDCE-CF989D3641B7}" type="datetimeFigureOut">
               <a:rPr lang="en-US" smtClean="0"/>
-              <a:t>3/7/17</a:t>
+              <a:pPr/>
+              <a:t>3/8/2017</a:t>
             </a:fld>
             <a:endParaRPr lang="en-US"/>
           </a:p>
@@ -507,6 +510,7 @@
           <a:p>
             <a:fld id="{B9AB9693-168F-4BC6-BAF9-F2F7C62D3B66}" type="slidenum">
               <a:rPr lang="en-US" smtClean="0"/>
+              <a:pPr/>
               <a:t>‹#›</a:t>
             </a:fld>
             <a:endParaRPr lang="en-US"/>
@@ -638,7 +642,8 @@
           <a:p>
             <a:fld id="{DD835B76-D165-4C47-BDCE-CF989D3641B7}" type="datetimeFigureOut">
               <a:rPr lang="en-US" smtClean="0"/>
-              <a:t>3/7/17</a:t>
+              <a:pPr/>
+              <a:t>3/8/2017</a:t>
             </a:fld>
             <a:endParaRPr lang="en-US"/>
           </a:p>
@@ -680,6 +685,7 @@
           <a:p>
             <a:fld id="{B9AB9693-168F-4BC6-BAF9-F2F7C62D3B66}" type="slidenum">
               <a:rPr lang="en-US" smtClean="0"/>
+              <a:pPr/>
               <a:t>‹#›</a:t>
             </a:fld>
             <a:endParaRPr lang="en-US"/>
@@ -801,7 +807,8 @@
           <a:p>
             <a:fld id="{DD835B76-D165-4C47-BDCE-CF989D3641B7}" type="datetimeFigureOut">
               <a:rPr lang="en-US" smtClean="0"/>
-              <a:t>3/7/17</a:t>
+              <a:pPr/>
+              <a:t>3/8/2017</a:t>
             </a:fld>
             <a:endParaRPr lang="en-US"/>
           </a:p>
@@ -843,6 +850,7 @@
           <a:p>
             <a:fld id="{B9AB9693-168F-4BC6-BAF9-F2F7C62D3B66}" type="slidenum">
               <a:rPr lang="en-US" smtClean="0"/>
+              <a:pPr/>
               <a:t>‹#›</a:t>
             </a:fld>
             <a:endParaRPr lang="en-US"/>
@@ -1041,7 +1049,8 @@
           <a:p>
             <a:fld id="{DD835B76-D165-4C47-BDCE-CF989D3641B7}" type="datetimeFigureOut">
               <a:rPr lang="en-US" smtClean="0"/>
-              <a:t>3/7/17</a:t>
+              <a:pPr/>
+              <a:t>3/8/2017</a:t>
             </a:fld>
             <a:endParaRPr lang="en-US"/>
           </a:p>
@@ -1083,6 +1092,7 @@
           <a:p>
             <a:fld id="{B9AB9693-168F-4BC6-BAF9-F2F7C62D3B66}" type="slidenum">
               <a:rPr lang="en-US" smtClean="0"/>
+              <a:pPr/>
               <a:t>‹#›</a:t>
             </a:fld>
             <a:endParaRPr lang="en-US"/>
@@ -1321,7 +1331,8 @@
           <a:p>
             <a:fld id="{DD835B76-D165-4C47-BDCE-CF989D3641B7}" type="datetimeFigureOut">
               <a:rPr lang="en-US" smtClean="0"/>
-              <a:t>3/7/17</a:t>
+              <a:pPr/>
+              <a:t>3/8/2017</a:t>
             </a:fld>
             <a:endParaRPr lang="en-US"/>
           </a:p>
@@ -1363,6 +1374,7 @@
           <a:p>
             <a:fld id="{B9AB9693-168F-4BC6-BAF9-F2F7C62D3B66}" type="slidenum">
               <a:rPr lang="en-US" smtClean="0"/>
+              <a:pPr/>
               <a:t>‹#›</a:t>
             </a:fld>
             <a:endParaRPr lang="en-US"/>
@@ -1735,7 +1747,8 @@
           <a:p>
             <a:fld id="{DD835B76-D165-4C47-BDCE-CF989D3641B7}" type="datetimeFigureOut">
               <a:rPr lang="en-US" smtClean="0"/>
-              <a:t>3/7/17</a:t>
+              <a:pPr/>
+              <a:t>3/8/2017</a:t>
             </a:fld>
             <a:endParaRPr lang="en-US"/>
           </a:p>
@@ -1777,6 +1790,7 @@
           <a:p>
             <a:fld id="{B9AB9693-168F-4BC6-BAF9-F2F7C62D3B66}" type="slidenum">
               <a:rPr lang="en-US" smtClean="0"/>
+              <a:pPr/>
               <a:t>‹#›</a:t>
             </a:fld>
             <a:endParaRPr lang="en-US"/>
@@ -1847,7 +1861,8 @@
           <a:p>
             <a:fld id="{DD835B76-D165-4C47-BDCE-CF989D3641B7}" type="datetimeFigureOut">
               <a:rPr lang="en-US" smtClean="0"/>
-              <a:t>3/7/17</a:t>
+              <a:pPr/>
+              <a:t>3/8/2017</a:t>
             </a:fld>
             <a:endParaRPr lang="en-US"/>
           </a:p>
@@ -1889,6 +1904,7 @@
           <a:p>
             <a:fld id="{B9AB9693-168F-4BC6-BAF9-F2F7C62D3B66}" type="slidenum">
               <a:rPr lang="en-US" smtClean="0"/>
+              <a:pPr/>
               <a:t>‹#›</a:t>
             </a:fld>
             <a:endParaRPr lang="en-US"/>
@@ -1937,7 +1953,8 @@
           <a:p>
             <a:fld id="{DD835B76-D165-4C47-BDCE-CF989D3641B7}" type="datetimeFigureOut">
               <a:rPr lang="en-US" smtClean="0"/>
-              <a:t>3/7/17</a:t>
+              <a:pPr/>
+              <a:t>3/8/2017</a:t>
             </a:fld>
             <a:endParaRPr lang="en-US"/>
           </a:p>
@@ -1979,6 +1996,7 @@
           <a:p>
             <a:fld id="{B9AB9693-168F-4BC6-BAF9-F2F7C62D3B66}" type="slidenum">
               <a:rPr lang="en-US" smtClean="0"/>
+              <a:pPr/>
               <a:t>‹#›</a:t>
             </a:fld>
             <a:endParaRPr lang="en-US"/>
@@ -2207,7 +2225,8 @@
           <a:p>
             <a:fld id="{DD835B76-D165-4C47-BDCE-CF989D3641B7}" type="datetimeFigureOut">
               <a:rPr lang="en-US" smtClean="0"/>
-              <a:t>3/7/17</a:t>
+              <a:pPr/>
+              <a:t>3/8/2017</a:t>
             </a:fld>
             <a:endParaRPr lang="en-US"/>
           </a:p>
@@ -2249,6 +2268,7 @@
           <a:p>
             <a:fld id="{B9AB9693-168F-4BC6-BAF9-F2F7C62D3B66}" type="slidenum">
               <a:rPr lang="en-US" smtClean="0"/>
+              <a:pPr/>
               <a:t>‹#›</a:t>
             </a:fld>
             <a:endParaRPr lang="en-US"/>
@@ -2454,7 +2474,8 @@
           <a:p>
             <a:fld id="{DD835B76-D165-4C47-BDCE-CF989D3641B7}" type="datetimeFigureOut">
               <a:rPr lang="en-US" smtClean="0"/>
-              <a:t>3/7/17</a:t>
+              <a:pPr/>
+              <a:t>3/8/2017</a:t>
             </a:fld>
             <a:endParaRPr lang="en-US"/>
           </a:p>
@@ -2496,6 +2517,7 @@
           <a:p>
             <a:fld id="{B9AB9693-168F-4BC6-BAF9-F2F7C62D3B66}" type="slidenum">
               <a:rPr lang="en-US" smtClean="0"/>
+              <a:pPr/>
               <a:t>‹#›</a:t>
             </a:fld>
             <a:endParaRPr lang="en-US"/>
@@ -2660,7 +2682,8 @@
           <a:p>
             <a:fld id="{DD835B76-D165-4C47-BDCE-CF989D3641B7}" type="datetimeFigureOut">
               <a:rPr lang="en-US" smtClean="0"/>
-              <a:t>3/7/17</a:t>
+              <a:pPr/>
+              <a:t>3/8/2017</a:t>
             </a:fld>
             <a:endParaRPr lang="en-US"/>
           </a:p>
@@ -2738,6 +2761,7 @@
           <a:p>
             <a:fld id="{B9AB9693-168F-4BC6-BAF9-F2F7C62D3B66}" type="slidenum">
               <a:rPr lang="en-US" smtClean="0"/>
+              <a:pPr/>
               <a:t>‹#›</a:t>
             </a:fld>
             <a:endParaRPr lang="en-US"/>
@@ -6158,50 +6182,6 @@
           </a:p>
         </p:txBody>
       </p:sp>
-      <p:sp>
-        <p:nvSpPr>
-          <p:cNvPr id="167" name="Oval 166"/>
-          <p:cNvSpPr/>
-          <p:nvPr/>
-        </p:nvSpPr>
-        <p:spPr>
-          <a:xfrm>
-            <a:off x="2596479" y="4386794"/>
-            <a:ext cx="967603" cy="239999"/>
-          </a:xfrm>
-          <a:prstGeom prst="ellipse">
-            <a:avLst/>
-          </a:prstGeom>
-          <a:noFill/>
-          <a:ln w="12700">
-            <a:solidFill>
-              <a:schemeClr val="tx1"/>
-            </a:solidFill>
-          </a:ln>
-        </p:spPr>
-        <p:style>
-          <a:lnRef idx="2">
-            <a:schemeClr val="accent6"/>
-          </a:lnRef>
-          <a:fillRef idx="1">
-            <a:schemeClr val="lt1"/>
-          </a:fillRef>
-          <a:effectRef idx="0">
-            <a:schemeClr val="accent6"/>
-          </a:effectRef>
-          <a:fontRef idx="minor">
-            <a:schemeClr val="dk1"/>
-          </a:fontRef>
-        </p:style>
-        <p:txBody>
-          <a:bodyPr rtlCol="0" anchor="ctr"/>
-          <a:lstStyle/>
-          <a:p>
-            <a:pPr algn="ctr"/>
-            <a:endParaRPr lang="en-US"/>
-          </a:p>
-        </p:txBody>
-      </p:sp>
       <p:cxnSp>
         <p:nvCxnSpPr>
           <p:cNvPr id="169" name="Straight Connector 168"/>
@@ -8113,72 +8093,6 @@
             <a:solidFill>
               <a:schemeClr val="tx1"/>
             </a:solidFill>
-          </a:ln>
-        </p:spPr>
-        <p:style>
-          <a:lnRef idx="1">
-            <a:schemeClr val="accent1"/>
-          </a:lnRef>
-          <a:fillRef idx="0">
-            <a:schemeClr val="accent1"/>
-          </a:fillRef>
-          <a:effectRef idx="0">
-            <a:schemeClr val="accent1"/>
-          </a:effectRef>
-          <a:fontRef idx="minor">
-            <a:schemeClr val="tx1"/>
-          </a:fontRef>
-        </p:style>
-      </p:cxnSp>
-      <p:sp>
-        <p:nvSpPr>
-          <p:cNvPr id="330" name="TextBox 329"/>
-          <p:cNvSpPr txBox="1"/>
-          <p:nvPr/>
-        </p:nvSpPr>
-        <p:spPr>
-          <a:xfrm>
-            <a:off x="6729342" y="6151914"/>
-            <a:ext cx="2058034" cy="307777"/>
-          </a:xfrm>
-          <a:prstGeom prst="rect">
-            <a:avLst/>
-          </a:prstGeom>
-          <a:noFill/>
-        </p:spPr>
-        <p:txBody>
-          <a:bodyPr wrap="square" rtlCol="0">
-            <a:spAutoFit/>
-          </a:bodyPr>
-          <a:lstStyle/>
-          <a:p>
-            <a:r>
-              <a:rPr lang="en-US" sz="1400" u="sng" dirty="0" smtClean="0"/>
-              <a:t>Denotes Rounded Arrow</a:t>
-            </a:r>
-            <a:endParaRPr lang="en-US" sz="1400" u="sng" dirty="0"/>
-          </a:p>
-        </p:txBody>
-      </p:sp>
-      <p:cxnSp>
-        <p:nvCxnSpPr>
-          <p:cNvPr id="331" name="Straight Arrow Connector 330"/>
-          <p:cNvCxnSpPr/>
-          <p:nvPr/>
-        </p:nvCxnSpPr>
-        <p:spPr>
-          <a:xfrm flipH="1">
-            <a:off x="7162587" y="6630949"/>
-            <a:ext cx="1243472" cy="0"/>
-          </a:xfrm>
-          <a:prstGeom prst="straightConnector1">
-            <a:avLst/>
-          </a:prstGeom>
-          <a:ln>
-            <a:solidFill>
-              <a:schemeClr val="tx1"/>
-            </a:solidFill>
-            <a:tailEnd type="arrow"/>
           </a:ln>
         </p:spPr>
         <p:style>

--- a/ERModel_Group5.pptx
+++ b/ERModel_Group5.pptx
@@ -106,7 +106,7 @@
   </p:defaultTextStyle>
   <p:extLst>
     <p:ext uri="{EFAFB233-063F-42B5-8137-9DF3F51BA10A}">
-      <p15:sldGuideLst xmlns:p15="http://schemas.microsoft.com/office/powerpoint/2012/main" xmlns="">
+      <p15:sldGuideLst xmlns:p15="http://schemas.microsoft.com/office/powerpoint/2012/main">
         <p15:guide id="1" orient="horz" pos="2160">
           <p15:clr>
             <a:srgbClr val="A4A3A4"/>
@@ -121,6 +121,10 @@
     </p:ext>
   </p:extLst>
 </p:presentation>
+</file>
+
+<file path=ppt/revisionInfo.xml><?xml version="1.0" encoding="utf-8"?>
+<p1510:revInfo xmlns:a="http://schemas.openxmlformats.org/drawingml/2006/main" xmlns:r="http://schemas.openxmlformats.org/officeDocument/2006/relationships" xmlns:p1510="http://schemas.microsoft.com/office/powerpoint/2015/10/main"/>
 </file>
 
 <file path=ppt/slideLayouts/slideLayout1.xml><?xml version="1.0" encoding="utf-8"?>
@@ -303,7 +307,7 @@
             <a:fld id="{DD835B76-D165-4C47-BDCE-CF989D3641B7}" type="datetimeFigureOut">
               <a:rPr lang="en-US" smtClean="0"/>
               <a:pPr/>
-              <a:t>3/8/2017</a:t>
+              <a:t>5/3/2017</a:t>
             </a:fld>
             <a:endParaRPr lang="en-US"/>
           </a:p>
@@ -468,7 +472,7 @@
             <a:fld id="{DD835B76-D165-4C47-BDCE-CF989D3641B7}" type="datetimeFigureOut">
               <a:rPr lang="en-US" smtClean="0"/>
               <a:pPr/>
-              <a:t>3/8/2017</a:t>
+              <a:t>5/3/2017</a:t>
             </a:fld>
             <a:endParaRPr lang="en-US"/>
           </a:p>
@@ -643,7 +647,7 @@
             <a:fld id="{DD835B76-D165-4C47-BDCE-CF989D3641B7}" type="datetimeFigureOut">
               <a:rPr lang="en-US" smtClean="0"/>
               <a:pPr/>
-              <a:t>3/8/2017</a:t>
+              <a:t>5/3/2017</a:t>
             </a:fld>
             <a:endParaRPr lang="en-US"/>
           </a:p>
@@ -808,7 +812,7 @@
             <a:fld id="{DD835B76-D165-4C47-BDCE-CF989D3641B7}" type="datetimeFigureOut">
               <a:rPr lang="en-US" smtClean="0"/>
               <a:pPr/>
-              <a:t>3/8/2017</a:t>
+              <a:t>5/3/2017</a:t>
             </a:fld>
             <a:endParaRPr lang="en-US"/>
           </a:p>
@@ -1050,7 +1054,7 @@
             <a:fld id="{DD835B76-D165-4C47-BDCE-CF989D3641B7}" type="datetimeFigureOut">
               <a:rPr lang="en-US" smtClean="0"/>
               <a:pPr/>
-              <a:t>3/8/2017</a:t>
+              <a:t>5/3/2017</a:t>
             </a:fld>
             <a:endParaRPr lang="en-US"/>
           </a:p>
@@ -1332,7 +1336,7 @@
             <a:fld id="{DD835B76-D165-4C47-BDCE-CF989D3641B7}" type="datetimeFigureOut">
               <a:rPr lang="en-US" smtClean="0"/>
               <a:pPr/>
-              <a:t>3/8/2017</a:t>
+              <a:t>5/3/2017</a:t>
             </a:fld>
             <a:endParaRPr lang="en-US"/>
           </a:p>
@@ -1748,7 +1752,7 @@
             <a:fld id="{DD835B76-D165-4C47-BDCE-CF989D3641B7}" type="datetimeFigureOut">
               <a:rPr lang="en-US" smtClean="0"/>
               <a:pPr/>
-              <a:t>3/8/2017</a:t>
+              <a:t>5/3/2017</a:t>
             </a:fld>
             <a:endParaRPr lang="en-US"/>
           </a:p>
@@ -1862,7 +1866,7 @@
             <a:fld id="{DD835B76-D165-4C47-BDCE-CF989D3641B7}" type="datetimeFigureOut">
               <a:rPr lang="en-US" smtClean="0"/>
               <a:pPr/>
-              <a:t>3/8/2017</a:t>
+              <a:t>5/3/2017</a:t>
             </a:fld>
             <a:endParaRPr lang="en-US"/>
           </a:p>
@@ -1954,7 +1958,7 @@
             <a:fld id="{DD835B76-D165-4C47-BDCE-CF989D3641B7}" type="datetimeFigureOut">
               <a:rPr lang="en-US" smtClean="0"/>
               <a:pPr/>
-              <a:t>3/8/2017</a:t>
+              <a:t>5/3/2017</a:t>
             </a:fld>
             <a:endParaRPr lang="en-US"/>
           </a:p>
@@ -2226,7 +2230,7 @@
             <a:fld id="{DD835B76-D165-4C47-BDCE-CF989D3641B7}" type="datetimeFigureOut">
               <a:rPr lang="en-US" smtClean="0"/>
               <a:pPr/>
-              <a:t>3/8/2017</a:t>
+              <a:t>5/3/2017</a:t>
             </a:fld>
             <a:endParaRPr lang="en-US"/>
           </a:p>
@@ -2475,7 +2479,7 @@
             <a:fld id="{DD835B76-D165-4C47-BDCE-CF989D3641B7}" type="datetimeFigureOut">
               <a:rPr lang="en-US" smtClean="0"/>
               <a:pPr/>
-              <a:t>3/8/2017</a:t>
+              <a:t>5/3/2017</a:t>
             </a:fld>
             <a:endParaRPr lang="en-US"/>
           </a:p>
@@ -2683,7 +2687,7 @@
             <a:fld id="{DD835B76-D165-4C47-BDCE-CF989D3641B7}" type="datetimeFigureOut">
               <a:rPr lang="en-US" smtClean="0"/>
               <a:pPr/>
-              <a:t>3/8/2017</a:t>
+              <a:t>5/3/2017</a:t>
             </a:fld>
             <a:endParaRPr lang="en-US"/>
           </a:p>
@@ -3619,14 +3623,15 @@
         <p:nvCxnSpPr>
           <p:cNvPr id="44" name="Straight Arrow Connector 43"/>
           <p:cNvCxnSpPr>
+            <a:cxnSpLocks/>
             <a:stCxn id="27" idx="2"/>
           </p:cNvCxnSpPr>
           <p:nvPr/>
         </p:nvCxnSpPr>
         <p:spPr>
           <a:xfrm flipH="1">
-            <a:off x="4533334" y="4800600"/>
-            <a:ext cx="267266" cy="457200"/>
+            <a:off x="4543600" y="4800600"/>
+            <a:ext cx="257000" cy="520225"/>
           </a:xfrm>
           <a:prstGeom prst="straightConnector1">
             <a:avLst/>
@@ -4148,8 +4153,8 @@
         </p:nvSpPr>
         <p:spPr>
           <a:xfrm>
-            <a:off x="1095616" y="5180112"/>
-            <a:ext cx="1329723" cy="307777"/>
+            <a:off x="1180707" y="5195038"/>
+            <a:ext cx="1045479" cy="307777"/>
           </a:xfrm>
           <a:prstGeom prst="rect">
             <a:avLst/>
@@ -4163,10 +4168,9 @@
           <a:lstStyle/>
           <a:p>
             <a:r>
-              <a:rPr lang="en-US" sz="1400" smtClean="0"/>
-              <a:t>Credit Card Info</a:t>
-            </a:r>
-            <a:endParaRPr lang="en-US" sz="1400" dirty="0"/>
+              <a:rPr lang="en-US" sz="1400" dirty="0"/>
+              <a:t>Credit Card </a:t>
+            </a:r>
           </a:p>
         </p:txBody>
       </p:sp>
@@ -4309,7 +4313,7 @@
           <a:lstStyle/>
           <a:p>
             <a:r>
-              <a:rPr lang="en-US" sz="900" smtClean="0"/>
+              <a:rPr lang="en-US" sz="900"/>
               <a:t>createdBy</a:t>
             </a:r>
             <a:endParaRPr lang="en-US" sz="900" dirty="0"/>
@@ -4426,7 +4430,7 @@
           <a:lstStyle/>
           <a:p>
             <a:r>
-              <a:rPr lang="en-US" sz="900" smtClean="0"/>
+              <a:rPr lang="en-US" sz="900"/>
               <a:t>paidWith</a:t>
             </a:r>
             <a:endParaRPr lang="en-US" sz="900" dirty="0"/>
@@ -4442,7 +4446,7 @@
         <p:spPr>
           <a:xfrm>
             <a:off x="8205959" y="2813182"/>
-            <a:ext cx="883333" cy="246221"/>
+            <a:ext cx="883333" cy="230832"/>
           </a:xfrm>
           <a:prstGeom prst="rect">
             <a:avLst/>
@@ -4456,9 +4460,10 @@
           <a:lstStyle/>
           <a:p>
             <a:r>
-              <a:rPr lang="en-US" sz="1000" u="sng" dirty="0"/>
-              <a:t>University ID</a:t>
-            </a:r>
+              <a:rPr lang="en-US" sz="900" u="sng" dirty="0" err="1"/>
+              <a:t>UniversityID</a:t>
+            </a:r>
+            <a:endParaRPr lang="en-US" sz="900" u="sng" dirty="0"/>
           </a:p>
         </p:txBody>
       </p:sp>
@@ -4508,8 +4513,8 @@
         </p:nvSpPr>
         <p:spPr>
           <a:xfrm>
-            <a:off x="1241824" y="2499318"/>
-            <a:ext cx="1077289" cy="261610"/>
+            <a:off x="1321404" y="2411528"/>
+            <a:ext cx="808396" cy="369332"/>
           </a:xfrm>
           <a:prstGeom prst="rect">
             <a:avLst/>
@@ -4523,10 +4528,9 @@
           <a:lstStyle/>
           <a:p>
             <a:r>
-              <a:rPr lang="en-US" sz="1100" u="sng" dirty="0" smtClean="0"/>
-              <a:t>Email Address</a:t>
-            </a:r>
-            <a:endParaRPr lang="en-US" sz="1100" u="sng" dirty="0"/>
+              <a:rPr lang="en-US" sz="900" u="sng" dirty="0"/>
+              <a:t>StudentEmailAddress</a:t>
+            </a:r>
           </a:p>
         </p:txBody>
       </p:sp>
@@ -4538,8 +4542,8 @@
         </p:nvSpPr>
         <p:spPr>
           <a:xfrm>
-            <a:off x="684214" y="3733800"/>
-            <a:ext cx="618580" cy="246221"/>
+            <a:off x="238921" y="3634383"/>
+            <a:ext cx="915986" cy="230832"/>
           </a:xfrm>
           <a:prstGeom prst="rect">
             <a:avLst/>
@@ -4553,8 +4557,8 @@
           <a:lstStyle/>
           <a:p>
             <a:r>
-              <a:rPr lang="en-US" sz="1000" dirty="0"/>
-              <a:t>Gender</a:t>
+              <a:rPr lang="en-US" sz="900" dirty="0"/>
+              <a:t>StudentGender</a:t>
             </a:r>
           </a:p>
         </p:txBody>
@@ -4567,8 +4571,8 @@
         </p:nvSpPr>
         <p:spPr>
           <a:xfrm>
-            <a:off x="1181100" y="3964718"/>
-            <a:ext cx="511425" cy="246221"/>
+            <a:off x="809432" y="3978660"/>
+            <a:ext cx="1054647" cy="230832"/>
           </a:xfrm>
           <a:prstGeom prst="rect">
             <a:avLst/>
@@ -4582,10 +4586,9 @@
           <a:lstStyle/>
           <a:p>
             <a:r>
-              <a:rPr lang="en-US" sz="1000"/>
-              <a:t>Name</a:t>
-            </a:r>
-            <a:endParaRPr lang="en-US" sz="1000" dirty="0"/>
+              <a:rPr lang="en-US" sz="900" dirty="0"/>
+              <a:t>StudentName</a:t>
+            </a:r>
           </a:p>
         </p:txBody>
       </p:sp>
@@ -4599,7 +4602,7 @@
         </p:nvCxnSpPr>
         <p:spPr>
           <a:xfrm>
-            <a:off x="1689372" y="2818178"/>
+            <a:off x="1723155" y="2799595"/>
             <a:ext cx="24335" cy="265214"/>
           </a:xfrm>
           <a:prstGeom prst="line">
@@ -4634,7 +4637,7 @@
         </p:nvCxnSpPr>
         <p:spPr>
           <a:xfrm flipV="1">
-            <a:off x="978820" y="3531281"/>
+            <a:off x="999666" y="3457564"/>
             <a:ext cx="515267" cy="216336"/>
           </a:xfrm>
           <a:prstGeom prst="line">
@@ -4665,14 +4668,14 @@
         <p:nvCxnSpPr>
           <p:cNvPr id="103" name="Straight Connector 102"/>
           <p:cNvCxnSpPr>
-            <a:stCxn id="178" idx="0"/>
+            <a:cxnSpLocks/>
           </p:cNvCxnSpPr>
           <p:nvPr/>
         </p:nvCxnSpPr>
         <p:spPr>
           <a:xfrm flipV="1">
-            <a:off x="1395164" y="3622208"/>
-            <a:ext cx="318543" cy="381852"/>
+            <a:off x="1301573" y="3610480"/>
+            <a:ext cx="216497" cy="341946"/>
           </a:xfrm>
           <a:prstGeom prst="line">
             <a:avLst/>
@@ -4707,7 +4710,7 @@
         <p:spPr>
           <a:xfrm>
             <a:off x="4177931" y="722927"/>
-            <a:ext cx="710807" cy="246221"/>
+            <a:ext cx="710807" cy="230832"/>
           </a:xfrm>
           <a:prstGeom prst="rect">
             <a:avLst/>
@@ -4721,9 +4724,10 @@
           <a:lstStyle/>
           <a:p>
             <a:r>
-              <a:rPr lang="en-US" sz="1000" u="sng" dirty="0"/>
-              <a:t>Course ID</a:t>
-            </a:r>
+              <a:rPr lang="en-US" sz="900" u="sng" dirty="0" err="1"/>
+              <a:t>CourseID</a:t>
+            </a:r>
+            <a:endParaRPr lang="en-US" sz="900" u="sng" dirty="0"/>
           </a:p>
         </p:txBody>
       </p:sp>
@@ -4773,8 +4777,8 @@
         </p:nvSpPr>
         <p:spPr>
           <a:xfrm>
-            <a:off x="7667827" y="5716896"/>
-            <a:ext cx="618580" cy="246221"/>
+            <a:off x="7567081" y="5713372"/>
+            <a:ext cx="1049167" cy="230832"/>
           </a:xfrm>
           <a:prstGeom prst="rect">
             <a:avLst/>
@@ -4788,8 +4792,8 @@
           <a:lstStyle/>
           <a:p>
             <a:r>
-              <a:rPr lang="en-US" sz="1000" dirty="0"/>
-              <a:t>Gender</a:t>
+              <a:rPr lang="en-US" sz="900" dirty="0"/>
+              <a:t>InstructorGender</a:t>
             </a:r>
           </a:p>
         </p:txBody>
@@ -4802,8 +4806,8 @@
         </p:nvSpPr>
         <p:spPr>
           <a:xfrm>
-            <a:off x="6256295" y="5364778"/>
-            <a:ext cx="511425" cy="246221"/>
+            <a:off x="6007757" y="5392762"/>
+            <a:ext cx="983064" cy="230832"/>
           </a:xfrm>
           <a:prstGeom prst="rect">
             <a:avLst/>
@@ -4817,8 +4821,8 @@
           <a:lstStyle/>
           <a:p>
             <a:r>
-              <a:rPr lang="en-US" sz="1000" dirty="0"/>
-              <a:t>Name</a:t>
+              <a:rPr lang="en-US" sz="900" dirty="0"/>
+              <a:t>InstructorName</a:t>
             </a:r>
           </a:p>
         </p:txBody>
@@ -4831,8 +4835,8 @@
         </p:nvSpPr>
         <p:spPr>
           <a:xfrm>
-            <a:off x="6685822" y="5720422"/>
-            <a:ext cx="953530" cy="246221"/>
+            <a:off x="6695425" y="5747082"/>
+            <a:ext cx="953530" cy="230832"/>
           </a:xfrm>
           <a:prstGeom prst="rect">
             <a:avLst/>
@@ -4846,7 +4850,7 @@
           <a:lstStyle/>
           <a:p>
             <a:r>
-              <a:rPr lang="en-US" sz="1000" u="sng" dirty="0"/>
+              <a:rPr lang="en-US" sz="900" u="sng" dirty="0"/>
               <a:t>Instructor ID</a:t>
             </a:r>
           </a:p>
@@ -4856,6 +4860,7 @@
         <p:nvCxnSpPr>
           <p:cNvPr id="157" name="Straight Connector 156"/>
           <p:cNvCxnSpPr>
+            <a:cxnSpLocks/>
             <a:stCxn id="187" idx="0"/>
             <a:endCxn id="143" idx="2"/>
           </p:cNvCxnSpPr>
@@ -4863,8 +4868,8 @@
         </p:nvCxnSpPr>
         <p:spPr>
           <a:xfrm flipV="1">
-            <a:off x="6494182" y="4889227"/>
-            <a:ext cx="45688" cy="494576"/>
+            <a:off x="6443265" y="4889227"/>
+            <a:ext cx="96605" cy="494576"/>
           </a:xfrm>
           <a:prstGeom prst="line">
             <a:avLst/>
@@ -4894,15 +4899,14 @@
         <p:nvCxnSpPr>
           <p:cNvPr id="168" name="Straight Connector 167"/>
           <p:cNvCxnSpPr>
-            <a:stCxn id="143" idx="2"/>
-            <a:endCxn id="191" idx="0"/>
+            <a:cxnSpLocks/>
           </p:cNvCxnSpPr>
           <p:nvPr/>
         </p:nvCxnSpPr>
         <p:spPr>
           <a:xfrm>
-            <a:off x="6539870" y="4889227"/>
-            <a:ext cx="1397451" cy="824145"/>
+            <a:off x="6549754" y="4884407"/>
+            <a:ext cx="1532522" cy="818702"/>
           </a:xfrm>
           <a:prstGeom prst="line">
             <a:avLst/>
@@ -4936,7 +4940,7 @@
         </p:nvSpPr>
         <p:spPr>
           <a:xfrm>
-            <a:off x="1207044" y="2394642"/>
+            <a:off x="1240827" y="2376059"/>
             <a:ext cx="964656" cy="423536"/>
           </a:xfrm>
           <a:prstGeom prst="ellipse">
@@ -4968,7 +4972,7 @@
           <a:lstStyle/>
           <a:p>
             <a:pPr algn="ctr"/>
-            <a:endParaRPr lang="en-US"/>
+            <a:endParaRPr lang="en-US" dirty="0"/>
           </a:p>
         </p:txBody>
       </p:sp>
@@ -4980,8 +4984,8 @@
         </p:nvSpPr>
         <p:spPr>
           <a:xfrm>
-            <a:off x="662411" y="3751960"/>
-            <a:ext cx="588623" cy="210439"/>
+            <a:off x="259975" y="3610667"/>
+            <a:ext cx="812554" cy="271212"/>
           </a:xfrm>
           <a:prstGeom prst="ellipse">
             <a:avLst/>
@@ -5024,8 +5028,8 @@
         </p:nvSpPr>
         <p:spPr>
           <a:xfrm>
-            <a:off x="1100852" y="4004060"/>
-            <a:ext cx="588623" cy="210439"/>
+            <a:off x="803405" y="3957516"/>
+            <a:ext cx="792717" cy="261352"/>
           </a:xfrm>
           <a:prstGeom prst="ellipse">
             <a:avLst/>
@@ -5156,8 +5160,8 @@
         </p:nvSpPr>
         <p:spPr>
           <a:xfrm>
-            <a:off x="6199870" y="5383803"/>
-            <a:ext cx="588623" cy="210439"/>
+            <a:off x="5995477" y="5383803"/>
+            <a:ext cx="895575" cy="274096"/>
           </a:xfrm>
           <a:prstGeom prst="ellipse">
             <a:avLst/>
@@ -5200,8 +5204,8 @@
         </p:nvSpPr>
         <p:spPr>
           <a:xfrm>
-            <a:off x="7613974" y="5713372"/>
-            <a:ext cx="646694" cy="253271"/>
+            <a:off x="7608514" y="5707929"/>
+            <a:ext cx="927756" cy="253271"/>
           </a:xfrm>
           <a:prstGeom prst="ellipse">
             <a:avLst/>
@@ -5717,7 +5721,7 @@
         <p:spPr>
           <a:xfrm>
             <a:off x="384463" y="128907"/>
-            <a:ext cx="808287" cy="246221"/>
+            <a:ext cx="808287" cy="230832"/>
           </a:xfrm>
           <a:prstGeom prst="rect">
             <a:avLst/>
@@ -5731,10 +5735,9 @@
           <a:lstStyle/>
           <a:p>
             <a:r>
-              <a:rPr lang="en-US" sz="1000" smtClean="0"/>
-              <a:t>rateStars</a:t>
-            </a:r>
-            <a:endParaRPr lang="en-US" sz="1000" dirty="0"/>
+              <a:rPr lang="en-US" sz="900" dirty="0"/>
+              <a:t>RateStars</a:t>
+            </a:r>
           </a:p>
         </p:txBody>
       </p:sp>
@@ -5747,7 +5750,7 @@
         <p:spPr>
           <a:xfrm>
             <a:off x="1733825" y="102488"/>
-            <a:ext cx="808287" cy="246221"/>
+            <a:ext cx="808287" cy="230832"/>
           </a:xfrm>
           <a:prstGeom prst="rect">
             <a:avLst/>
@@ -5761,10 +5764,9 @@
           <a:lstStyle/>
           <a:p>
             <a:r>
-              <a:rPr lang="en-US" sz="1000" dirty="0" smtClean="0"/>
-              <a:t>comments</a:t>
-            </a:r>
-            <a:endParaRPr lang="en-US" sz="1000" dirty="0"/>
+              <a:rPr lang="en-US" sz="900" dirty="0"/>
+              <a:t>Comments</a:t>
+            </a:r>
           </a:p>
         </p:txBody>
       </p:sp>
@@ -5938,8 +5940,8 @@
         </p:nvSpPr>
         <p:spPr>
           <a:xfrm>
-            <a:off x="104388" y="5457109"/>
-            <a:ext cx="609041" cy="261610"/>
+            <a:off x="168614" y="5443249"/>
+            <a:ext cx="609041" cy="230832"/>
           </a:xfrm>
           <a:prstGeom prst="rect">
             <a:avLst/>
@@ -5953,10 +5955,9 @@
           <a:lstStyle/>
           <a:p>
             <a:r>
-              <a:rPr lang="en-US" sz="1100" dirty="0" smtClean="0"/>
+              <a:rPr lang="en-US" sz="900" dirty="0"/>
               <a:t>cvv</a:t>
             </a:r>
-            <a:endParaRPr lang="en-US" sz="1100" dirty="0"/>
           </a:p>
         </p:txBody>
       </p:sp>
@@ -5968,8 +5969,8 @@
         </p:nvSpPr>
         <p:spPr>
           <a:xfrm>
-            <a:off x="1259413" y="6168342"/>
-            <a:ext cx="609041" cy="261610"/>
+            <a:off x="1194386" y="6185220"/>
+            <a:ext cx="988573" cy="230832"/>
           </a:xfrm>
           <a:prstGeom prst="rect">
             <a:avLst/>
@@ -5983,10 +5984,9 @@
           <a:lstStyle/>
           <a:p>
             <a:r>
-              <a:rPr lang="en-US" sz="1100" u="sng" dirty="0" smtClean="0"/>
-              <a:t>cardNo</a:t>
-            </a:r>
-            <a:endParaRPr lang="en-US" sz="1100" u="sng" dirty="0"/>
+              <a:rPr lang="en-US" sz="900" u="sng" dirty="0"/>
+              <a:t>CreditCardNo</a:t>
+            </a:r>
           </a:p>
         </p:txBody>
       </p:sp>
@@ -5998,8 +5998,8 @@
         </p:nvSpPr>
         <p:spPr>
           <a:xfrm>
-            <a:off x="2074836" y="6003124"/>
-            <a:ext cx="755870" cy="261610"/>
+            <a:off x="2145455" y="6014145"/>
+            <a:ext cx="755870" cy="230832"/>
           </a:xfrm>
           <a:prstGeom prst="rect">
             <a:avLst/>
@@ -6013,10 +6013,9 @@
           <a:lstStyle/>
           <a:p>
             <a:r>
-              <a:rPr lang="en-US" sz="1100" dirty="0" smtClean="0"/>
-              <a:t>expDate</a:t>
-            </a:r>
-            <a:endParaRPr lang="en-US" sz="1100" dirty="0"/>
+              <a:rPr lang="en-US" sz="900" dirty="0"/>
+              <a:t>ExpDate</a:t>
+            </a:r>
           </a:p>
         </p:txBody>
       </p:sp>
@@ -6028,8 +6027,8 @@
         </p:nvSpPr>
         <p:spPr>
           <a:xfrm>
-            <a:off x="117321" y="6044193"/>
-            <a:ext cx="985442" cy="261610"/>
+            <a:off x="169850" y="6062935"/>
+            <a:ext cx="985442" cy="230832"/>
           </a:xfrm>
           <a:prstGeom prst="rect">
             <a:avLst/>
@@ -6043,10 +6042,9 @@
           <a:lstStyle/>
           <a:p>
             <a:r>
-              <a:rPr lang="en-US" sz="1100" smtClean="0"/>
-              <a:t>nameOnCard</a:t>
-            </a:r>
-            <a:endParaRPr lang="en-US" sz="1100" dirty="0"/>
+              <a:rPr lang="en-US" sz="900" dirty="0"/>
+              <a:t>NameOnCard</a:t>
+            </a:r>
           </a:p>
         </p:txBody>
       </p:sp>
@@ -6058,7 +6056,7 @@
         </p:nvSpPr>
         <p:spPr>
           <a:xfrm>
-            <a:off x="1107470" y="6208186"/>
+            <a:off x="1104493" y="6193069"/>
             <a:ext cx="967603" cy="239999"/>
           </a:xfrm>
           <a:prstGeom prst="ellipse">
@@ -6103,7 +6101,7 @@
         <p:spPr>
           <a:xfrm>
             <a:off x="56624" y="5443250"/>
-            <a:ext cx="503573" cy="262530"/>
+            <a:ext cx="574685" cy="262530"/>
           </a:xfrm>
           <a:prstGeom prst="ellipse">
             <a:avLst/>
@@ -6186,13 +6184,13 @@
         <p:nvCxnSpPr>
           <p:cNvPr id="169" name="Straight Connector 168"/>
           <p:cNvCxnSpPr>
-            <a:endCxn id="81" idx="1"/>
+            <a:cxnSpLocks/>
           </p:cNvCxnSpPr>
           <p:nvPr/>
         </p:nvCxnSpPr>
         <p:spPr>
           <a:xfrm flipV="1">
-            <a:off x="524094" y="5334001"/>
+            <a:off x="497808" y="5266846"/>
             <a:ext cx="571522" cy="191578"/>
           </a:xfrm>
           <a:prstGeom prst="line">
@@ -6338,8 +6336,8 @@
         </p:nvSpPr>
         <p:spPr>
           <a:xfrm>
-            <a:off x="3068782" y="6405941"/>
-            <a:ext cx="990600" cy="261610"/>
+            <a:off x="3124200" y="6410684"/>
+            <a:ext cx="990600" cy="230832"/>
           </a:xfrm>
           <a:prstGeom prst="rect">
             <a:avLst/>
@@ -6353,10 +6351,9 @@
           <a:lstStyle/>
           <a:p>
             <a:r>
-              <a:rPr lang="en-US" sz="1100" u="sng" dirty="0" smtClean="0"/>
-              <a:t>transactionID</a:t>
-            </a:r>
-            <a:endParaRPr lang="en-US" sz="1100" u="sng" dirty="0"/>
+              <a:rPr lang="en-US" sz="900" u="sng" dirty="0"/>
+              <a:t>TransactionID</a:t>
+            </a:r>
           </a:p>
         </p:txBody>
       </p:sp>
@@ -6369,7 +6366,7 @@
         <p:spPr>
           <a:xfrm>
             <a:off x="4349530" y="6369339"/>
-            <a:ext cx="1239628" cy="261610"/>
+            <a:ext cx="1239628" cy="230832"/>
           </a:xfrm>
           <a:prstGeom prst="rect">
             <a:avLst/>
@@ -6383,10 +6380,9 @@
           <a:lstStyle/>
           <a:p>
             <a:r>
-              <a:rPr lang="en-US" sz="1100" smtClean="0"/>
-              <a:t>transactionStatus</a:t>
-            </a:r>
-            <a:endParaRPr lang="en-US" sz="1100" dirty="0"/>
+              <a:rPr lang="en-US" sz="900" dirty="0"/>
+              <a:t>TransactionStatus</a:t>
+            </a:r>
           </a:p>
         </p:txBody>
       </p:sp>
@@ -6398,7 +6394,7 @@
         </p:nvSpPr>
         <p:spPr>
           <a:xfrm>
-            <a:off x="3068782" y="6426382"/>
+            <a:off x="3074837" y="6414638"/>
             <a:ext cx="967603" cy="239999"/>
           </a:xfrm>
           <a:prstGeom prst="ellipse">
@@ -6560,8 +6556,8 @@
         </p:nvSpPr>
         <p:spPr>
           <a:xfrm>
-            <a:off x="5181600" y="5978522"/>
-            <a:ext cx="990600" cy="261610"/>
+            <a:off x="5082185" y="5947720"/>
+            <a:ext cx="1499283" cy="230832"/>
           </a:xfrm>
           <a:prstGeom prst="rect">
             <a:avLst/>
@@ -6575,10 +6571,9 @@
           <a:lstStyle/>
           <a:p>
             <a:r>
-              <a:rPr lang="en-US" sz="1100" dirty="0" smtClean="0"/>
-              <a:t>timeStamp</a:t>
-            </a:r>
-            <a:endParaRPr lang="en-US" sz="1100" dirty="0"/>
+              <a:rPr lang="en-US" sz="900" dirty="0"/>
+              <a:t>TransactionTimeStamp</a:t>
+            </a:r>
           </a:p>
         </p:txBody>
       </p:sp>
@@ -6590,8 +6585,8 @@
         </p:nvSpPr>
         <p:spPr>
           <a:xfrm>
-            <a:off x="5101632" y="5968987"/>
-            <a:ext cx="967603" cy="239999"/>
+            <a:off x="5101632" y="5863326"/>
+            <a:ext cx="1216457" cy="372365"/>
           </a:xfrm>
           <a:prstGeom prst="ellipse">
             <a:avLst/>
@@ -6630,6 +6625,7 @@
         <p:nvCxnSpPr>
           <p:cNvPr id="203" name="Straight Connector 202"/>
           <p:cNvCxnSpPr>
+            <a:cxnSpLocks/>
             <a:stCxn id="129" idx="2"/>
             <a:endCxn id="202" idx="2"/>
           </p:cNvCxnSpPr>
@@ -6638,7 +6634,7 @@
         <p:spPr>
           <a:xfrm>
             <a:off x="4253159" y="5885990"/>
-            <a:ext cx="848473" cy="202997"/>
+            <a:ext cx="848473" cy="163519"/>
           </a:xfrm>
           <a:prstGeom prst="line">
             <a:avLst/>
@@ -6672,8 +6668,8 @@
         </p:nvSpPr>
         <p:spPr>
           <a:xfrm>
-            <a:off x="4894411" y="366671"/>
-            <a:ext cx="710807" cy="246221"/>
+            <a:off x="4730463" y="371407"/>
+            <a:ext cx="1031126" cy="230832"/>
           </a:xfrm>
           <a:prstGeom prst="rect">
             <a:avLst/>
@@ -6687,8 +6683,8 @@
           <a:lstStyle/>
           <a:p>
             <a:r>
-              <a:rPr lang="en-US" sz="1000" dirty="0"/>
-              <a:t>Overview</a:t>
+              <a:rPr lang="en-US" sz="900" dirty="0"/>
+              <a:t>CourseOverview</a:t>
             </a:r>
           </a:p>
         </p:txBody>
@@ -6701,8 +6697,8 @@
         </p:nvSpPr>
         <p:spPr>
           <a:xfrm>
-            <a:off x="5885907" y="294030"/>
-            <a:ext cx="688009" cy="261610"/>
+            <a:off x="5782755" y="295087"/>
+            <a:ext cx="923651" cy="230832"/>
           </a:xfrm>
           <a:prstGeom prst="rect">
             <a:avLst/>
@@ -6715,8 +6711,8 @@
           <a:lstStyle/>
           <a:p>
             <a:r>
-              <a:rPr lang="en-US" sz="1100" dirty="0"/>
-              <a:t>Duration</a:t>
+              <a:rPr lang="en-US" sz="900" dirty="0"/>
+              <a:t>CourseDuration</a:t>
             </a:r>
           </a:p>
         </p:txBody>
@@ -6729,8 +6725,8 @@
         </p:nvSpPr>
         <p:spPr>
           <a:xfrm>
-            <a:off x="6457428" y="598251"/>
-            <a:ext cx="668773" cy="246221"/>
+            <a:off x="6318089" y="613737"/>
+            <a:ext cx="992579" cy="230832"/>
           </a:xfrm>
           <a:prstGeom prst="rect">
             <a:avLst/>
@@ -6743,15 +6739,15 @@
           <a:lstStyle/>
           <a:p>
             <a:r>
-              <a:rPr lang="en-US" sz="1000" dirty="0">
+              <a:rPr lang="en-US" sz="900" dirty="0">
                 <a:solidFill>
                   <a:srgbClr val="454545"/>
                 </a:solidFill>
                 <a:latin typeface="Helvetica" charset="0"/>
               </a:rPr>
-              <a:t>Difficulty</a:t>
-            </a:r>
-            <a:endParaRPr lang="en-US" sz="1000" dirty="0">
+              <a:t>CourseDifficulty</a:t>
+            </a:r>
+            <a:endParaRPr lang="en-US" sz="900" dirty="0">
               <a:solidFill>
                 <a:srgbClr val="454545"/>
               </a:solidFill>
@@ -7064,8 +7060,8 @@
         </p:nvCxnSpPr>
         <p:spPr>
           <a:xfrm flipV="1">
-            <a:off x="5336051" y="844472"/>
-            <a:ext cx="1455764" cy="877991"/>
+            <a:off x="5336051" y="844569"/>
+            <a:ext cx="1478328" cy="877894"/>
           </a:xfrm>
           <a:prstGeom prst="line">
             <a:avLst/>
@@ -7145,8 +7141,8 @@
         </p:nvSpPr>
         <p:spPr>
           <a:xfrm>
-            <a:off x="6494182" y="1071681"/>
-            <a:ext cx="702436" cy="246221"/>
+            <a:off x="6286029" y="1088238"/>
+            <a:ext cx="1024639" cy="230832"/>
           </a:xfrm>
           <a:prstGeom prst="rect">
             <a:avLst/>
@@ -7159,15 +7155,15 @@
           <a:lstStyle/>
           <a:p>
             <a:r>
-              <a:rPr lang="en-US" sz="1000" dirty="0" smtClean="0">
+              <a:rPr lang="en-US" sz="900" dirty="0">
                 <a:solidFill>
                   <a:srgbClr val="454545"/>
                 </a:solidFill>
                 <a:latin typeface="Helvetica" charset="0"/>
               </a:rPr>
-              <a:t>Category</a:t>
-            </a:r>
-            <a:endParaRPr lang="en-US" sz="1000" dirty="0">
+              <a:t>CourseCategory</a:t>
+            </a:r>
+            <a:endParaRPr lang="en-US" sz="900" dirty="0">
               <a:solidFill>
                 <a:srgbClr val="454545"/>
               </a:solidFill>
@@ -7267,8 +7263,8 @@
         </p:nvSpPr>
         <p:spPr>
           <a:xfrm>
-            <a:off x="4196535" y="1152677"/>
-            <a:ext cx="710807" cy="246221"/>
+            <a:off x="4029342" y="1191024"/>
+            <a:ext cx="908865" cy="230832"/>
           </a:xfrm>
           <a:prstGeom prst="rect">
             <a:avLst/>
@@ -7282,10 +7278,9 @@
           <a:lstStyle/>
           <a:p>
             <a:r>
-              <a:rPr lang="en-US" sz="1000" dirty="0" smtClean="0"/>
-              <a:t>Name</a:t>
-            </a:r>
-            <a:endParaRPr lang="en-US" sz="1000" dirty="0"/>
+              <a:rPr lang="en-US" sz="900" dirty="0"/>
+              <a:t>CourseName</a:t>
+            </a:r>
           </a:p>
         </p:txBody>
       </p:sp>
@@ -7379,8 +7374,8 @@
         </p:nvSpPr>
         <p:spPr>
           <a:xfrm>
-            <a:off x="7436453" y="935785"/>
-            <a:ext cx="447558" cy="246221"/>
+            <a:off x="7280226" y="980269"/>
+            <a:ext cx="793807" cy="230832"/>
           </a:xfrm>
           <a:prstGeom prst="rect">
             <a:avLst/>
@@ -7393,15 +7388,15 @@
           <a:lstStyle/>
           <a:p>
             <a:r>
-              <a:rPr lang="en-US" sz="1000" dirty="0" smtClean="0">
+              <a:rPr lang="en-US" sz="900" dirty="0">
                 <a:solidFill>
                   <a:srgbClr val="454545"/>
                 </a:solidFill>
                 <a:latin typeface="Helvetica" charset="0"/>
               </a:rPr>
-              <a:t>FAQ</a:t>
-            </a:r>
-            <a:endParaRPr lang="en-US" sz="1000" dirty="0">
+              <a:t>CourseFAQ</a:t>
+            </a:r>
+            <a:endParaRPr lang="en-US" sz="900" dirty="0">
               <a:solidFill>
                 <a:srgbClr val="454545"/>
               </a:solidFill>
@@ -7501,7 +7496,7 @@
         <p:spPr>
           <a:xfrm>
             <a:off x="2320277" y="2297811"/>
-            <a:ext cx="765823" cy="261610"/>
+            <a:ext cx="956323" cy="230832"/>
           </a:xfrm>
           <a:prstGeom prst="rect">
             <a:avLst/>
@@ -7515,10 +7510,9 @@
           <a:lstStyle/>
           <a:p>
             <a:r>
-              <a:rPr lang="en-US" sz="1100" smtClean="0"/>
-              <a:t>birthDate</a:t>
-            </a:r>
-            <a:endParaRPr lang="en-US" sz="1100" dirty="0"/>
+              <a:rPr lang="en-US" sz="900" dirty="0"/>
+              <a:t>StudentDOB</a:t>
+            </a:r>
           </a:p>
         </p:txBody>
       </p:sp>
@@ -7612,8 +7606,8 @@
         </p:nvSpPr>
         <p:spPr>
           <a:xfrm>
-            <a:off x="2723266" y="2663580"/>
-            <a:ext cx="929721" cy="230832"/>
+            <a:off x="2591018" y="2640202"/>
+            <a:ext cx="1078594" cy="230832"/>
           </a:xfrm>
           <a:prstGeom prst="rect">
             <a:avLst/>
@@ -7627,8 +7621,8 @@
           <a:lstStyle/>
           <a:p>
             <a:r>
-              <a:rPr lang="en-US" sz="900" dirty="0" smtClean="0"/>
-              <a:t>Location</a:t>
+              <a:rPr lang="en-US" sz="900" dirty="0"/>
+              <a:t>StudentLocation</a:t>
             </a:r>
             <a:endParaRPr lang="en-US" sz="900" u="sng" dirty="0"/>
           </a:p>
@@ -7724,8 +7718,8 @@
         </p:nvSpPr>
         <p:spPr>
           <a:xfrm>
-            <a:off x="8011753" y="3343615"/>
-            <a:ext cx="526106" cy="246221"/>
+            <a:off x="7866060" y="3382321"/>
+            <a:ext cx="998991" cy="230832"/>
           </a:xfrm>
           <a:prstGeom prst="rect">
             <a:avLst/>
@@ -7738,15 +7732,15 @@
           <a:lstStyle/>
           <a:p>
             <a:r>
-              <a:rPr lang="en-US" sz="1000" dirty="0" smtClean="0">
+              <a:rPr lang="en-US" sz="900" dirty="0">
                 <a:solidFill>
                   <a:srgbClr val="454545"/>
                 </a:solidFill>
                 <a:latin typeface="Helvetica" charset="0"/>
               </a:rPr>
-              <a:t>Name</a:t>
-            </a:r>
-            <a:endParaRPr lang="en-US" sz="1000" dirty="0">
+              <a:t>UniversityName</a:t>
+            </a:r>
+            <a:endParaRPr lang="en-US" sz="900" dirty="0">
               <a:solidFill>
                 <a:srgbClr val="454545"/>
               </a:solidFill>
@@ -7764,8 +7758,8 @@
         </p:nvSpPr>
         <p:spPr>
           <a:xfrm>
-            <a:off x="7911771" y="3281668"/>
-            <a:ext cx="697792" cy="418067"/>
+            <a:off x="7911770" y="3281668"/>
+            <a:ext cx="907573" cy="418067"/>
           </a:xfrm>
           <a:prstGeom prst="ellipse">
             <a:avLst/>
@@ -7804,6 +7798,7 @@
         <p:nvCxnSpPr>
           <p:cNvPr id="272" name="Straight Connector 271"/>
           <p:cNvCxnSpPr>
+            <a:cxnSpLocks/>
             <a:stCxn id="271" idx="0"/>
             <a:endCxn id="136" idx="2"/>
           </p:cNvCxnSpPr>
@@ -7812,7 +7807,7 @@
         <p:spPr>
           <a:xfrm flipH="1" flipV="1">
             <a:off x="7758359" y="2609390"/>
-            <a:ext cx="502308" cy="672278"/>
+            <a:ext cx="607198" cy="672278"/>
           </a:xfrm>
           <a:prstGeom prst="line">
             <a:avLst/>
@@ -7846,8 +7841,8 @@
         </p:nvSpPr>
         <p:spPr>
           <a:xfrm>
-            <a:off x="7172190" y="3067267"/>
-            <a:ext cx="824265" cy="246221"/>
+            <a:off x="6901938" y="3088720"/>
+            <a:ext cx="1268296" cy="230832"/>
           </a:xfrm>
           <a:prstGeom prst="rect">
             <a:avLst/>
@@ -7860,15 +7855,15 @@
           <a:lstStyle/>
           <a:p>
             <a:r>
-              <a:rPr lang="en-US" sz="1000" smtClean="0">
+              <a:rPr lang="en-US" sz="900" dirty="0">
                 <a:solidFill>
                   <a:srgbClr val="454545"/>
                 </a:solidFill>
                 <a:latin typeface="Helvetica" charset="0"/>
               </a:rPr>
-              <a:t>Description</a:t>
-            </a:r>
-            <a:endParaRPr lang="en-US" sz="1000" dirty="0">
+              <a:t>UniversityDescription</a:t>
+            </a:r>
+            <a:endParaRPr lang="en-US" sz="900" dirty="0">
               <a:solidFill>
                 <a:srgbClr val="454545"/>
               </a:solidFill>
@@ -7886,8 +7881,8 @@
         </p:nvSpPr>
         <p:spPr>
           <a:xfrm>
-            <a:off x="7154718" y="3043040"/>
-            <a:ext cx="825928" cy="325377"/>
+            <a:off x="6952583" y="3043040"/>
+            <a:ext cx="1172844" cy="325377"/>
           </a:xfrm>
           <a:prstGeom prst="ellipse">
             <a:avLst/>
@@ -7926,6 +7921,7 @@
         <p:nvCxnSpPr>
           <p:cNvPr id="277" name="Straight Connector 276"/>
           <p:cNvCxnSpPr>
+            <a:cxnSpLocks/>
             <a:stCxn id="136" idx="2"/>
             <a:endCxn id="276" idx="0"/>
           </p:cNvCxnSpPr>
@@ -7933,8 +7929,8 @@
         </p:nvCxnSpPr>
         <p:spPr>
           <a:xfrm flipH="1">
-            <a:off x="7567682" y="2609390"/>
-            <a:ext cx="190677" cy="433650"/>
+            <a:off x="7539005" y="2609390"/>
+            <a:ext cx="219354" cy="433650"/>
           </a:xfrm>
           <a:prstGeom prst="line">
             <a:avLst/>
@@ -7964,15 +7960,14 @@
         <p:nvCxnSpPr>
           <p:cNvPr id="283" name="Straight Connector 282"/>
           <p:cNvCxnSpPr>
-            <a:stCxn id="143" idx="2"/>
-            <a:endCxn id="151" idx="0"/>
+            <a:cxnSpLocks/>
           </p:cNvCxnSpPr>
           <p:nvPr/>
         </p:nvCxnSpPr>
         <p:spPr>
           <a:xfrm>
-            <a:off x="6539870" y="4889227"/>
-            <a:ext cx="622717" cy="831195"/>
+            <a:off x="6563182" y="4873617"/>
+            <a:ext cx="632320" cy="857855"/>
           </a:xfrm>
           <a:prstGeom prst="line">
             <a:avLst/>
@@ -8006,8 +8001,8 @@
         </p:nvSpPr>
         <p:spPr>
           <a:xfrm>
-            <a:off x="8127269" y="5327387"/>
-            <a:ext cx="922952" cy="246221"/>
+            <a:off x="7847261" y="5322528"/>
+            <a:ext cx="1348180" cy="230832"/>
           </a:xfrm>
           <a:prstGeom prst="rect">
             <a:avLst/>
@@ -8021,10 +8016,9 @@
           <a:lstStyle/>
           <a:p>
             <a:r>
-              <a:rPr lang="en-US" sz="1000" smtClean="0"/>
-              <a:t>Specialization </a:t>
-            </a:r>
-            <a:endParaRPr lang="en-US" sz="1000" dirty="0"/>
+              <a:rPr lang="en-US" sz="900" dirty="0"/>
+              <a:t>InstructorSpecialization </a:t>
+            </a:r>
           </a:p>
         </p:txBody>
       </p:sp>
@@ -8036,8 +8030,8 @@
         </p:nvSpPr>
         <p:spPr>
           <a:xfrm>
-            <a:off x="8118441" y="5299678"/>
-            <a:ext cx="954105" cy="294564"/>
+            <a:off x="7847261" y="5299678"/>
+            <a:ext cx="1225285" cy="294564"/>
           </a:xfrm>
           <a:prstGeom prst="ellipse">
             <a:avLst/>
@@ -8076,6 +8070,7 @@
         <p:nvCxnSpPr>
           <p:cNvPr id="301" name="Straight Connector 300"/>
           <p:cNvCxnSpPr>
+            <a:cxnSpLocks/>
             <a:stCxn id="300" idx="0"/>
             <a:endCxn id="143" idx="2"/>
           </p:cNvCxnSpPr>
@@ -8084,7 +8079,7 @@
         <p:spPr>
           <a:xfrm flipH="1" flipV="1">
             <a:off x="6539870" y="4889227"/>
-            <a:ext cx="2055624" cy="410451"/>
+            <a:ext cx="1920034" cy="410451"/>
           </a:xfrm>
           <a:prstGeom prst="line">
             <a:avLst/>
